--- a/Presentation3DAR.pptx
+++ b/Presentation3DAR.pptx
@@ -2,25 +2,28 @@
 <file path=ppt/presentation.xml><?xml version="1.0" encoding="utf-8"?>
 <p:presentation xmlns:a="http://schemas.openxmlformats.org/drawingml/2006/main" xmlns:r="http://schemas.openxmlformats.org/officeDocument/2006/relationships" xmlns:p="http://schemas.openxmlformats.org/presentationml/2006/main" saveSubsetFonts="1">
   <p:sldMasterIdLst>
-    <p:sldMasterId id="2147483648" r:id="rId1"/>
+    <p:sldMasterId id="2147483660" r:id="rId1"/>
   </p:sldMasterIdLst>
+  <p:notesMasterIdLst>
+    <p:notesMasterId r:id="rId10"/>
+  </p:notesMasterIdLst>
   <p:sldIdLst>
     <p:sldId id="256" r:id="rId2"/>
-    <p:sldId id="257" r:id="rId3"/>
-    <p:sldId id="258" r:id="rId4"/>
-    <p:sldId id="264" r:id="rId5"/>
+    <p:sldId id="264" r:id="rId3"/>
+    <p:sldId id="266" r:id="rId4"/>
+    <p:sldId id="267" r:id="rId5"/>
     <p:sldId id="259" r:id="rId6"/>
     <p:sldId id="260" r:id="rId7"/>
-    <p:sldId id="261" r:id="rId8"/>
+    <p:sldId id="268" r:id="rId8"/>
     <p:sldId id="263" r:id="rId9"/>
   </p:sldIdLst>
   <p:sldSz cx="12192000" cy="6858000"/>
   <p:notesSz cx="6858000" cy="9144000"/>
   <p:defaultTextStyle>
     <a:defPPr>
-      <a:defRPr lang="pt-PT"/>
+      <a:defRPr lang="en-US"/>
     </a:defPPr>
-    <a:lvl1pPr marL="0" algn="l" defTabSz="914400" rtl="0" eaLnBrk="1" latinLnBrk="0" hangingPunct="1">
+    <a:lvl1pPr marL="0" algn="l" defTabSz="457200" rtl="0" eaLnBrk="1" latinLnBrk="0" hangingPunct="1">
       <a:defRPr sz="1800" kern="1200">
         <a:solidFill>
           <a:schemeClr val="tx1"/>
@@ -30,7 +33,7 @@
         <a:cs typeface="+mn-cs"/>
       </a:defRPr>
     </a:lvl1pPr>
-    <a:lvl2pPr marL="457200" algn="l" defTabSz="914400" rtl="0" eaLnBrk="1" latinLnBrk="0" hangingPunct="1">
+    <a:lvl2pPr marL="457200" algn="l" defTabSz="457200" rtl="0" eaLnBrk="1" latinLnBrk="0" hangingPunct="1">
       <a:defRPr sz="1800" kern="1200">
         <a:solidFill>
           <a:schemeClr val="tx1"/>
@@ -40,7 +43,7 @@
         <a:cs typeface="+mn-cs"/>
       </a:defRPr>
     </a:lvl2pPr>
-    <a:lvl3pPr marL="914400" algn="l" defTabSz="914400" rtl="0" eaLnBrk="1" latinLnBrk="0" hangingPunct="1">
+    <a:lvl3pPr marL="914400" algn="l" defTabSz="457200" rtl="0" eaLnBrk="1" latinLnBrk="0" hangingPunct="1">
       <a:defRPr sz="1800" kern="1200">
         <a:solidFill>
           <a:schemeClr val="tx1"/>
@@ -50,7 +53,7 @@
         <a:cs typeface="+mn-cs"/>
       </a:defRPr>
     </a:lvl3pPr>
-    <a:lvl4pPr marL="1371600" algn="l" defTabSz="914400" rtl="0" eaLnBrk="1" latinLnBrk="0" hangingPunct="1">
+    <a:lvl4pPr marL="1371600" algn="l" defTabSz="457200" rtl="0" eaLnBrk="1" latinLnBrk="0" hangingPunct="1">
       <a:defRPr sz="1800" kern="1200">
         <a:solidFill>
           <a:schemeClr val="tx1"/>
@@ -60,7 +63,7 @@
         <a:cs typeface="+mn-cs"/>
       </a:defRPr>
     </a:lvl4pPr>
-    <a:lvl5pPr marL="1828800" algn="l" defTabSz="914400" rtl="0" eaLnBrk="1" latinLnBrk="0" hangingPunct="1">
+    <a:lvl5pPr marL="1828800" algn="l" defTabSz="457200" rtl="0" eaLnBrk="1" latinLnBrk="0" hangingPunct="1">
       <a:defRPr sz="1800" kern="1200">
         <a:solidFill>
           <a:schemeClr val="tx1"/>
@@ -70,7 +73,7 @@
         <a:cs typeface="+mn-cs"/>
       </a:defRPr>
     </a:lvl5pPr>
-    <a:lvl6pPr marL="2286000" algn="l" defTabSz="914400" rtl="0" eaLnBrk="1" latinLnBrk="0" hangingPunct="1">
+    <a:lvl6pPr marL="2286000" algn="l" defTabSz="457200" rtl="0" eaLnBrk="1" latinLnBrk="0" hangingPunct="1">
       <a:defRPr sz="1800" kern="1200">
         <a:solidFill>
           <a:schemeClr val="tx1"/>
@@ -80,7 +83,7 @@
         <a:cs typeface="+mn-cs"/>
       </a:defRPr>
     </a:lvl6pPr>
-    <a:lvl7pPr marL="2743200" algn="l" defTabSz="914400" rtl="0" eaLnBrk="1" latinLnBrk="0" hangingPunct="1">
+    <a:lvl7pPr marL="2743200" algn="l" defTabSz="457200" rtl="0" eaLnBrk="1" latinLnBrk="0" hangingPunct="1">
       <a:defRPr sz="1800" kern="1200">
         <a:solidFill>
           <a:schemeClr val="tx1"/>
@@ -90,7 +93,7 @@
         <a:cs typeface="+mn-cs"/>
       </a:defRPr>
     </a:lvl7pPr>
-    <a:lvl8pPr marL="3200400" algn="l" defTabSz="914400" rtl="0" eaLnBrk="1" latinLnBrk="0" hangingPunct="1">
+    <a:lvl8pPr marL="3200400" algn="l" defTabSz="457200" rtl="0" eaLnBrk="1" latinLnBrk="0" hangingPunct="1">
       <a:defRPr sz="1800" kern="1200">
         <a:solidFill>
           <a:schemeClr val="tx1"/>
@@ -100,7 +103,7 @@
         <a:cs typeface="+mn-cs"/>
       </a:defRPr>
     </a:lvl8pPr>
-    <a:lvl9pPr marL="3657600" algn="l" defTabSz="914400" rtl="0" eaLnBrk="1" latinLnBrk="0" hangingPunct="1">
+    <a:lvl9pPr marL="3657600" algn="l" defTabSz="457200" rtl="0" eaLnBrk="1" latinLnBrk="0" hangingPunct="1">
       <a:defRPr sz="1800" kern="1200">
         <a:solidFill>
           <a:schemeClr val="tx1"/>
@@ -111,6 +114,11 @@
       </a:defRPr>
     </a:lvl9pPr>
   </p:defaultTextStyle>
+  <p:extLst>
+    <p:ext uri="{EFAFB233-063F-42B5-8137-9DF3F51BA10A}">
+      <p15:sldGuideLst xmlns:p15="http://schemas.microsoft.com/office/powerpoint/2012/main"/>
+    </p:ext>
+  </p:extLst>
 </p:presentation>
 </file>
 
@@ -279,8 +287,461 @@
 </pc:chgInfo>
 </file>
 
+<file path=ppt/notesMasters/notesMaster1.xml><?xml version="1.0" encoding="utf-8"?>
+<p:notesMaster xmlns:a="http://schemas.openxmlformats.org/drawingml/2006/main" xmlns:r="http://schemas.openxmlformats.org/officeDocument/2006/relationships" xmlns:p="http://schemas.openxmlformats.org/presentationml/2006/main">
+  <p:cSld>
+    <p:bg>
+      <p:bgRef idx="1001">
+        <a:schemeClr val="bg1"/>
+      </p:bgRef>
+    </p:bg>
+    <p:spTree>
+      <p:nvGrpSpPr>
+        <p:cNvPr id="1" name=""/>
+        <p:cNvGrpSpPr/>
+        <p:nvPr/>
+      </p:nvGrpSpPr>
+      <p:grpSpPr>
+        <a:xfrm>
+          <a:off x="0" y="0"/>
+          <a:ext cx="0" cy="0"/>
+          <a:chOff x="0" y="0"/>
+          <a:chExt cx="0" cy="0"/>
+        </a:xfrm>
+      </p:grpSpPr>
+      <p:sp>
+        <p:nvSpPr>
+          <p:cNvPr id="2" name="Header Placeholder 1"/>
+          <p:cNvSpPr>
+            <a:spLocks noGrp="1"/>
+          </p:cNvSpPr>
+          <p:nvPr>
+            <p:ph type="hdr" sz="quarter"/>
+          </p:nvPr>
+        </p:nvSpPr>
+        <p:spPr>
+          <a:xfrm>
+            <a:off x="0" y="0"/>
+            <a:ext cx="2971800" cy="458788"/>
+          </a:xfrm>
+          <a:prstGeom prst="rect">
+            <a:avLst/>
+          </a:prstGeom>
+        </p:spPr>
+        <p:txBody>
+          <a:bodyPr vert="horz" lIns="91440" tIns="45720" rIns="91440" bIns="45720" rtlCol="0"/>
+          <a:lstStyle>
+            <a:lvl1pPr algn="l">
+              <a:defRPr sz="1200"/>
+            </a:lvl1pPr>
+          </a:lstStyle>
+          <a:p>
+            <a:endParaRPr lang="pt-PT"/>
+          </a:p>
+        </p:txBody>
+      </p:sp>
+      <p:sp>
+        <p:nvSpPr>
+          <p:cNvPr id="3" name="Date Placeholder 2"/>
+          <p:cNvSpPr>
+            <a:spLocks noGrp="1"/>
+          </p:cNvSpPr>
+          <p:nvPr>
+            <p:ph type="dt" idx="1"/>
+          </p:nvPr>
+        </p:nvSpPr>
+        <p:spPr>
+          <a:xfrm>
+            <a:off x="3884613" y="0"/>
+            <a:ext cx="2971800" cy="458788"/>
+          </a:xfrm>
+          <a:prstGeom prst="rect">
+            <a:avLst/>
+          </a:prstGeom>
+        </p:spPr>
+        <p:txBody>
+          <a:bodyPr vert="horz" lIns="91440" tIns="45720" rIns="91440" bIns="45720" rtlCol="0"/>
+          <a:lstStyle>
+            <a:lvl1pPr algn="r">
+              <a:defRPr sz="1200"/>
+            </a:lvl1pPr>
+          </a:lstStyle>
+          <a:p>
+            <a:fld id="{EE2CFF5B-CB79-43AD-BB55-F47BB2B53BBF}" type="datetimeFigureOut">
+              <a:rPr lang="pt-PT" smtClean="0"/>
+              <a:t>07/02/2022</a:t>
+            </a:fld>
+            <a:endParaRPr lang="pt-PT"/>
+          </a:p>
+        </p:txBody>
+      </p:sp>
+      <p:sp>
+        <p:nvSpPr>
+          <p:cNvPr id="4" name="Slide Image Placeholder 3"/>
+          <p:cNvSpPr>
+            <a:spLocks noGrp="1" noRot="1" noChangeAspect="1"/>
+          </p:cNvSpPr>
+          <p:nvPr>
+            <p:ph type="sldImg" idx="2"/>
+          </p:nvPr>
+        </p:nvSpPr>
+        <p:spPr>
+          <a:xfrm>
+            <a:off x="685800" y="1143000"/>
+            <a:ext cx="5486400" cy="3086100"/>
+          </a:xfrm>
+          <a:prstGeom prst="rect">
+            <a:avLst/>
+          </a:prstGeom>
+          <a:noFill/>
+          <a:ln w="12700">
+            <a:solidFill>
+              <a:prstClr val="black"/>
+            </a:solidFill>
+          </a:ln>
+        </p:spPr>
+        <p:txBody>
+          <a:bodyPr vert="horz" lIns="91440" tIns="45720" rIns="91440" bIns="45720" rtlCol="0" anchor="ctr"/>
+          <a:lstStyle/>
+          <a:p>
+            <a:endParaRPr lang="pt-PT"/>
+          </a:p>
+        </p:txBody>
+      </p:sp>
+      <p:sp>
+        <p:nvSpPr>
+          <p:cNvPr id="5" name="Notes Placeholder 4"/>
+          <p:cNvSpPr>
+            <a:spLocks noGrp="1"/>
+          </p:cNvSpPr>
+          <p:nvPr>
+            <p:ph type="body" sz="quarter" idx="3"/>
+          </p:nvPr>
+        </p:nvSpPr>
+        <p:spPr>
+          <a:xfrm>
+            <a:off x="685800" y="4400550"/>
+            <a:ext cx="5486400" cy="3600450"/>
+          </a:xfrm>
+          <a:prstGeom prst="rect">
+            <a:avLst/>
+          </a:prstGeom>
+        </p:spPr>
+        <p:txBody>
+          <a:bodyPr vert="horz" lIns="91440" tIns="45720" rIns="91440" bIns="45720" rtlCol="0"/>
+          <a:lstStyle/>
+          <a:p>
+            <a:pPr lvl="0"/>
+            <a:r>
+              <a:rPr lang="en-US"/>
+              <a:t>Click to edit Master text styles</a:t>
+            </a:r>
+          </a:p>
+          <a:p>
+            <a:pPr lvl="1"/>
+            <a:r>
+              <a:rPr lang="en-US"/>
+              <a:t>Second level</a:t>
+            </a:r>
+          </a:p>
+          <a:p>
+            <a:pPr lvl="2"/>
+            <a:r>
+              <a:rPr lang="en-US"/>
+              <a:t>Third level</a:t>
+            </a:r>
+          </a:p>
+          <a:p>
+            <a:pPr lvl="3"/>
+            <a:r>
+              <a:rPr lang="en-US"/>
+              <a:t>Fourth level</a:t>
+            </a:r>
+          </a:p>
+          <a:p>
+            <a:pPr lvl="4"/>
+            <a:r>
+              <a:rPr lang="en-US"/>
+              <a:t>Fifth level</a:t>
+            </a:r>
+            <a:endParaRPr lang="pt-PT"/>
+          </a:p>
+        </p:txBody>
+      </p:sp>
+      <p:sp>
+        <p:nvSpPr>
+          <p:cNvPr id="6" name="Footer Placeholder 5"/>
+          <p:cNvSpPr>
+            <a:spLocks noGrp="1"/>
+          </p:cNvSpPr>
+          <p:nvPr>
+            <p:ph type="ftr" sz="quarter" idx="4"/>
+          </p:nvPr>
+        </p:nvSpPr>
+        <p:spPr>
+          <a:xfrm>
+            <a:off x="0" y="8685213"/>
+            <a:ext cx="2971800" cy="458787"/>
+          </a:xfrm>
+          <a:prstGeom prst="rect">
+            <a:avLst/>
+          </a:prstGeom>
+        </p:spPr>
+        <p:txBody>
+          <a:bodyPr vert="horz" lIns="91440" tIns="45720" rIns="91440" bIns="45720" rtlCol="0" anchor="b"/>
+          <a:lstStyle>
+            <a:lvl1pPr algn="l">
+              <a:defRPr sz="1200"/>
+            </a:lvl1pPr>
+          </a:lstStyle>
+          <a:p>
+            <a:endParaRPr lang="pt-PT"/>
+          </a:p>
+        </p:txBody>
+      </p:sp>
+      <p:sp>
+        <p:nvSpPr>
+          <p:cNvPr id="7" name="Slide Number Placeholder 6"/>
+          <p:cNvSpPr>
+            <a:spLocks noGrp="1"/>
+          </p:cNvSpPr>
+          <p:nvPr>
+            <p:ph type="sldNum" sz="quarter" idx="5"/>
+          </p:nvPr>
+        </p:nvSpPr>
+        <p:spPr>
+          <a:xfrm>
+            <a:off x="3884613" y="8685213"/>
+            <a:ext cx="2971800" cy="458787"/>
+          </a:xfrm>
+          <a:prstGeom prst="rect">
+            <a:avLst/>
+          </a:prstGeom>
+        </p:spPr>
+        <p:txBody>
+          <a:bodyPr vert="horz" lIns="91440" tIns="45720" rIns="91440" bIns="45720" rtlCol="0" anchor="b"/>
+          <a:lstStyle>
+            <a:lvl1pPr algn="r">
+              <a:defRPr sz="1200"/>
+            </a:lvl1pPr>
+          </a:lstStyle>
+          <a:p>
+            <a:fld id="{1861E8CF-58FF-4AEB-B07B-1CC259841B26}" type="slidenum">
+              <a:rPr lang="pt-PT" smtClean="0"/>
+              <a:t>‹#›</a:t>
+            </a:fld>
+            <a:endParaRPr lang="pt-PT"/>
+          </a:p>
+        </p:txBody>
+      </p:sp>
+    </p:spTree>
+    <p:extLst>
+      <p:ext uri="{BB962C8B-B14F-4D97-AF65-F5344CB8AC3E}">
+        <p14:creationId xmlns:p14="http://schemas.microsoft.com/office/powerpoint/2010/main" val="193501369"/>
+      </p:ext>
+    </p:extLst>
+  </p:cSld>
+  <p:clrMap bg1="lt1" tx1="dk1" bg2="lt2" tx2="dk2" accent1="accent1" accent2="accent2" accent3="accent3" accent4="accent4" accent5="accent5" accent6="accent6" hlink="hlink" folHlink="folHlink"/>
+  <p:notesStyle>
+    <a:lvl1pPr marL="0" algn="l" defTabSz="914400" rtl="0" eaLnBrk="1" latinLnBrk="0" hangingPunct="1">
+      <a:defRPr sz="1200" kern="1200">
+        <a:solidFill>
+          <a:schemeClr val="tx1"/>
+        </a:solidFill>
+        <a:latin typeface="+mn-lt"/>
+        <a:ea typeface="+mn-ea"/>
+        <a:cs typeface="+mn-cs"/>
+      </a:defRPr>
+    </a:lvl1pPr>
+    <a:lvl2pPr marL="457200" algn="l" defTabSz="914400" rtl="0" eaLnBrk="1" latinLnBrk="0" hangingPunct="1">
+      <a:defRPr sz="1200" kern="1200">
+        <a:solidFill>
+          <a:schemeClr val="tx1"/>
+        </a:solidFill>
+        <a:latin typeface="+mn-lt"/>
+        <a:ea typeface="+mn-ea"/>
+        <a:cs typeface="+mn-cs"/>
+      </a:defRPr>
+    </a:lvl2pPr>
+    <a:lvl3pPr marL="914400" algn="l" defTabSz="914400" rtl="0" eaLnBrk="1" latinLnBrk="0" hangingPunct="1">
+      <a:defRPr sz="1200" kern="1200">
+        <a:solidFill>
+          <a:schemeClr val="tx1"/>
+        </a:solidFill>
+        <a:latin typeface="+mn-lt"/>
+        <a:ea typeface="+mn-ea"/>
+        <a:cs typeface="+mn-cs"/>
+      </a:defRPr>
+    </a:lvl3pPr>
+    <a:lvl4pPr marL="1371600" algn="l" defTabSz="914400" rtl="0" eaLnBrk="1" latinLnBrk="0" hangingPunct="1">
+      <a:defRPr sz="1200" kern="1200">
+        <a:solidFill>
+          <a:schemeClr val="tx1"/>
+        </a:solidFill>
+        <a:latin typeface="+mn-lt"/>
+        <a:ea typeface="+mn-ea"/>
+        <a:cs typeface="+mn-cs"/>
+      </a:defRPr>
+    </a:lvl4pPr>
+    <a:lvl5pPr marL="1828800" algn="l" defTabSz="914400" rtl="0" eaLnBrk="1" latinLnBrk="0" hangingPunct="1">
+      <a:defRPr sz="1200" kern="1200">
+        <a:solidFill>
+          <a:schemeClr val="tx1"/>
+        </a:solidFill>
+        <a:latin typeface="+mn-lt"/>
+        <a:ea typeface="+mn-ea"/>
+        <a:cs typeface="+mn-cs"/>
+      </a:defRPr>
+    </a:lvl5pPr>
+    <a:lvl6pPr marL="2286000" algn="l" defTabSz="914400" rtl="0" eaLnBrk="1" latinLnBrk="0" hangingPunct="1">
+      <a:defRPr sz="1200" kern="1200">
+        <a:solidFill>
+          <a:schemeClr val="tx1"/>
+        </a:solidFill>
+        <a:latin typeface="+mn-lt"/>
+        <a:ea typeface="+mn-ea"/>
+        <a:cs typeface="+mn-cs"/>
+      </a:defRPr>
+    </a:lvl6pPr>
+    <a:lvl7pPr marL="2743200" algn="l" defTabSz="914400" rtl="0" eaLnBrk="1" latinLnBrk="0" hangingPunct="1">
+      <a:defRPr sz="1200" kern="1200">
+        <a:solidFill>
+          <a:schemeClr val="tx1"/>
+        </a:solidFill>
+        <a:latin typeface="+mn-lt"/>
+        <a:ea typeface="+mn-ea"/>
+        <a:cs typeface="+mn-cs"/>
+      </a:defRPr>
+    </a:lvl7pPr>
+    <a:lvl8pPr marL="3200400" algn="l" defTabSz="914400" rtl="0" eaLnBrk="1" latinLnBrk="0" hangingPunct="1">
+      <a:defRPr sz="1200" kern="1200">
+        <a:solidFill>
+          <a:schemeClr val="tx1"/>
+        </a:solidFill>
+        <a:latin typeface="+mn-lt"/>
+        <a:ea typeface="+mn-ea"/>
+        <a:cs typeface="+mn-cs"/>
+      </a:defRPr>
+    </a:lvl8pPr>
+    <a:lvl9pPr marL="3657600" algn="l" defTabSz="914400" rtl="0" eaLnBrk="1" latinLnBrk="0" hangingPunct="1">
+      <a:defRPr sz="1200" kern="1200">
+        <a:solidFill>
+          <a:schemeClr val="tx1"/>
+        </a:solidFill>
+        <a:latin typeface="+mn-lt"/>
+        <a:ea typeface="+mn-ea"/>
+        <a:cs typeface="+mn-cs"/>
+      </a:defRPr>
+    </a:lvl9pPr>
+  </p:notesStyle>
+</p:notesMaster>
+</file>
+
+<file path=ppt/notesSlides/notesSlide1.xml><?xml version="1.0" encoding="utf-8"?>
+<p:notes xmlns:a="http://schemas.openxmlformats.org/drawingml/2006/main" xmlns:r="http://schemas.openxmlformats.org/officeDocument/2006/relationships" xmlns:p="http://schemas.openxmlformats.org/presentationml/2006/main">
+  <p:cSld>
+    <p:spTree>
+      <p:nvGrpSpPr>
+        <p:cNvPr id="1" name=""/>
+        <p:cNvGrpSpPr/>
+        <p:nvPr/>
+      </p:nvGrpSpPr>
+      <p:grpSpPr>
+        <a:xfrm>
+          <a:off x="0" y="0"/>
+          <a:ext cx="0" cy="0"/>
+          <a:chOff x="0" y="0"/>
+          <a:chExt cx="0" cy="0"/>
+        </a:xfrm>
+      </p:grpSpPr>
+      <p:sp>
+        <p:nvSpPr>
+          <p:cNvPr id="2" name="Slide Image Placeholder 1"/>
+          <p:cNvSpPr>
+            <a:spLocks noGrp="1" noRot="1" noChangeAspect="1"/>
+          </p:cNvSpPr>
+          <p:nvPr>
+            <p:ph type="sldImg"/>
+          </p:nvPr>
+        </p:nvSpPr>
+        <p:spPr/>
+      </p:sp>
+      <p:sp>
+        <p:nvSpPr>
+          <p:cNvPr id="3" name="Notes Placeholder 2"/>
+          <p:cNvSpPr>
+            <a:spLocks noGrp="1"/>
+          </p:cNvSpPr>
+          <p:nvPr>
+            <p:ph type="body" idx="1"/>
+          </p:nvPr>
+        </p:nvSpPr>
+        <p:spPr/>
+        <p:txBody>
+          <a:bodyPr/>
+          <a:lstStyle/>
+          <a:p>
+            <a:r>
+              <a:rPr lang="pt-PT" dirty="0"/>
+              <a:t>(</a:t>
+            </a:r>
+            <a:r>
+              <a:rPr lang="pt-PT" dirty="0" err="1"/>
+              <a:t>based</a:t>
+            </a:r>
+            <a:r>
+              <a:rPr lang="pt-PT" dirty="0"/>
+              <a:t> </a:t>
+            </a:r>
+            <a:r>
+              <a:rPr lang="pt-PT" dirty="0" err="1"/>
+              <a:t>on</a:t>
+            </a:r>
+            <a:r>
+              <a:rPr lang="pt-PT" dirty="0"/>
+              <a:t> Lab5)</a:t>
+            </a:r>
+          </a:p>
+        </p:txBody>
+      </p:sp>
+      <p:sp>
+        <p:nvSpPr>
+          <p:cNvPr id="4" name="Slide Number Placeholder 3"/>
+          <p:cNvSpPr>
+            <a:spLocks noGrp="1"/>
+          </p:cNvSpPr>
+          <p:nvPr>
+            <p:ph type="sldNum" sz="quarter" idx="5"/>
+          </p:nvPr>
+        </p:nvSpPr>
+        <p:spPr/>
+        <p:txBody>
+          <a:bodyPr/>
+          <a:lstStyle/>
+          <a:p>
+            <a:fld id="{1861E8CF-58FF-4AEB-B07B-1CC259841B26}" type="slidenum">
+              <a:rPr lang="pt-PT" smtClean="0"/>
+              <a:t>2</a:t>
+            </a:fld>
+            <a:endParaRPr lang="pt-PT"/>
+          </a:p>
+        </p:txBody>
+      </p:sp>
+    </p:spTree>
+    <p:extLst>
+      <p:ext uri="{BB962C8B-B14F-4D97-AF65-F5344CB8AC3E}">
+        <p14:creationId xmlns:p14="http://schemas.microsoft.com/office/powerpoint/2010/main" val="2817973275"/>
+      </p:ext>
+    </p:extLst>
+  </p:cSld>
+  <p:clrMapOvr>
+    <a:masterClrMapping/>
+  </p:clrMapOvr>
+</p:notes>
+</file>
+
 <file path=ppt/slideLayouts/slideLayout1.xml><?xml version="1.0" encoding="utf-8"?>
-<p:sldLayout xmlns:a="http://schemas.openxmlformats.org/drawingml/2006/main" xmlns:r="http://schemas.openxmlformats.org/officeDocument/2006/relationships" xmlns:p="http://schemas.openxmlformats.org/presentationml/2006/main" type="title" preserve="1">
+<p:sldLayout xmlns:a="http://schemas.openxmlformats.org/drawingml/2006/main" xmlns:r="http://schemas.openxmlformats.org/officeDocument/2006/relationships" xmlns:p="http://schemas.openxmlformats.org/presentationml/2006/main" showMasterSp="0" type="title" preserve="1">
   <p:cSld name="Title Slide">
     <p:spTree>
       <p:nvGrpSpPr>
@@ -298,31 +759,291 @@
       </p:grpSpPr>
       <p:sp>
         <p:nvSpPr>
-          <p:cNvPr id="2" name="Title 1">
-            <a:extLst>
-              <a:ext uri="{FF2B5EF4-FFF2-40B4-BE49-F238E27FC236}">
-                <a16:creationId xmlns:a16="http://schemas.microsoft.com/office/drawing/2014/main" id="{A8E7859F-5ACB-4EB7-AF7C-3660F50105AD}"/>
-              </a:ext>
-            </a:extLst>
-          </p:cNvPr>
-          <p:cNvSpPr>
-            <a:spLocks noGrp="1"/>
-          </p:cNvSpPr>
-          <p:nvPr>
-            <p:ph type="ctrTitle"/>
-          </p:nvPr>
+          <p:cNvPr id="7" name="Rectangle 6"/>
+          <p:cNvSpPr/>
+          <p:nvPr/>
         </p:nvSpPr>
         <p:spPr>
           <a:xfrm>
-            <a:off x="1524000" y="1122363"/>
-            <a:ext cx="9144000" cy="2387600"/>
+            <a:off x="920834" y="1346946"/>
+            <a:ext cx="10222992" cy="80683"/>
+          </a:xfrm>
+          <a:prstGeom prst="rect">
+            <a:avLst/>
+          </a:prstGeom>
+          <a:blipFill dpi="0" rotWithShape="1">
+            <a:blip r:embed="rId2">
+              <a:alphaModFix amt="85000"/>
+              <a:lum bright="70000" contrast="-70000"/>
+              <a:extLst>
+                <a:ext uri="{BEBA8EAE-BF5A-486C-A8C5-ECC9F3942E4B}">
+                  <a14:imgProps xmlns:a14="http://schemas.microsoft.com/office/drawing/2010/main">
+                    <a14:imgLayer r:embed="rId3">
+                      <a14:imgEffect>
+                        <a14:sharpenSoften amount="61000"/>
+                      </a14:imgEffect>
+                    </a14:imgLayer>
+                  </a14:imgProps>
+                </a:ext>
+                <a:ext uri="{28A0092B-C50C-407E-A947-70E740481C1C}">
+                  <a14:useLocalDpi xmlns:a14="http://schemas.microsoft.com/office/drawing/2010/main" val="0"/>
+                </a:ext>
+              </a:extLst>
+            </a:blip>
+            <a:srcRect/>
+            <a:tile tx="0" ty="-762000" sx="92000" sy="89000" flip="xy" algn="ctr"/>
+          </a:blipFill>
+          <a:ln>
+            <a:noFill/>
+          </a:ln>
+        </p:spPr>
+        <p:style>
+          <a:lnRef idx="2">
+            <a:schemeClr val="accent1">
+              <a:shade val="50000"/>
+            </a:schemeClr>
+          </a:lnRef>
+          <a:fillRef idx="1">
+            <a:schemeClr val="accent1"/>
+          </a:fillRef>
+          <a:effectRef idx="0">
+            <a:schemeClr val="accent1"/>
+          </a:effectRef>
+          <a:fontRef idx="minor">
+            <a:schemeClr val="lt1"/>
+          </a:fontRef>
+        </p:style>
+      </p:sp>
+      <p:sp>
+        <p:nvSpPr>
+          <p:cNvPr id="8" name="Rectangle 7"/>
+          <p:cNvSpPr/>
+          <p:nvPr/>
+        </p:nvSpPr>
+        <p:spPr>
+          <a:xfrm>
+            <a:off x="920834" y="4299696"/>
+            <a:ext cx="10222992" cy="80683"/>
+          </a:xfrm>
+          <a:prstGeom prst="rect">
+            <a:avLst/>
+          </a:prstGeom>
+          <a:blipFill dpi="0" rotWithShape="1">
+            <a:blip r:embed="rId2">
+              <a:alphaModFix amt="85000"/>
+              <a:lum bright="70000" contrast="-70000"/>
+              <a:extLst>
+                <a:ext uri="{BEBA8EAE-BF5A-486C-A8C5-ECC9F3942E4B}">
+                  <a14:imgProps xmlns:a14="http://schemas.microsoft.com/office/drawing/2010/main">
+                    <a14:imgLayer r:embed="rId3">
+                      <a14:imgEffect>
+                        <a14:sharpenSoften amount="61000"/>
+                      </a14:imgEffect>
+                    </a14:imgLayer>
+                  </a14:imgProps>
+                </a:ext>
+                <a:ext uri="{28A0092B-C50C-407E-A947-70E740481C1C}">
+                  <a14:useLocalDpi xmlns:a14="http://schemas.microsoft.com/office/drawing/2010/main" val="0"/>
+                </a:ext>
+              </a:extLst>
+            </a:blip>
+            <a:srcRect/>
+            <a:tile tx="0" ty="-717550" sx="92000" sy="89000" flip="xy" algn="ctr"/>
+          </a:blipFill>
+          <a:ln>
+            <a:noFill/>
+          </a:ln>
+        </p:spPr>
+        <p:style>
+          <a:lnRef idx="2">
+            <a:schemeClr val="accent1">
+              <a:shade val="50000"/>
+            </a:schemeClr>
+          </a:lnRef>
+          <a:fillRef idx="1">
+            <a:schemeClr val="accent1"/>
+          </a:fillRef>
+          <a:effectRef idx="0">
+            <a:schemeClr val="accent1"/>
+          </a:effectRef>
+          <a:fontRef idx="minor">
+            <a:schemeClr val="lt1"/>
+          </a:fontRef>
+        </p:style>
+      </p:sp>
+      <p:sp>
+        <p:nvSpPr>
+          <p:cNvPr id="9" name="Rectangle 8"/>
+          <p:cNvSpPr/>
+          <p:nvPr/>
+        </p:nvSpPr>
+        <p:spPr>
+          <a:xfrm>
+            <a:off x="920834" y="1484779"/>
+            <a:ext cx="10222992" cy="2743200"/>
+          </a:xfrm>
+          <a:prstGeom prst="rect">
+            <a:avLst/>
+          </a:prstGeom>
+          <a:blipFill dpi="0" rotWithShape="1">
+            <a:blip r:embed="rId2">
+              <a:alphaModFix amt="85000"/>
+              <a:lum bright="70000" contrast="-70000"/>
+              <a:extLst>
+                <a:ext uri="{BEBA8EAE-BF5A-486C-A8C5-ECC9F3942E4B}">
+                  <a14:imgProps xmlns:a14="http://schemas.microsoft.com/office/drawing/2010/main">
+                    <a14:imgLayer r:embed="rId3">
+                      <a14:imgEffect>
+                        <a14:sharpenSoften amount="61000"/>
+                      </a14:imgEffect>
+                    </a14:imgLayer>
+                  </a14:imgProps>
+                </a:ext>
+                <a:ext uri="{28A0092B-C50C-407E-A947-70E740481C1C}">
+                  <a14:useLocalDpi xmlns:a14="http://schemas.microsoft.com/office/drawing/2010/main" val="0"/>
+                </a:ext>
+              </a:extLst>
+            </a:blip>
+            <a:srcRect/>
+            <a:tile tx="0" ty="-704850" sx="92000" sy="89000" flip="xy" algn="ctr"/>
+          </a:blipFill>
+          <a:ln>
+            <a:noFill/>
+          </a:ln>
+        </p:spPr>
+        <p:style>
+          <a:lnRef idx="2">
+            <a:schemeClr val="accent1">
+              <a:shade val="50000"/>
+            </a:schemeClr>
+          </a:lnRef>
+          <a:fillRef idx="1">
+            <a:schemeClr val="accent1"/>
+          </a:fillRef>
+          <a:effectRef idx="0">
+            <a:schemeClr val="accent1"/>
+          </a:effectRef>
+          <a:fontRef idx="minor">
+            <a:schemeClr val="lt1"/>
+          </a:fontRef>
+        </p:style>
+      </p:sp>
+      <p:grpSp>
+        <p:nvGrpSpPr>
+          <p:cNvPr id="10" name="Group 9"/>
+          <p:cNvGrpSpPr/>
+          <p:nvPr/>
+        </p:nvGrpSpPr>
+        <p:grpSpPr>
+          <a:xfrm>
+            <a:off x="9649215" y="4068923"/>
+            <a:ext cx="1080904" cy="1080902"/>
+            <a:chOff x="9685338" y="4460675"/>
+            <a:chExt cx="1080904" cy="1080902"/>
+          </a:xfrm>
+        </p:grpSpPr>
+        <p:sp>
+          <p:nvSpPr>
+            <p:cNvPr id="11" name="Oval 10"/>
+            <p:cNvSpPr/>
+            <p:nvPr/>
+          </p:nvSpPr>
+          <p:spPr>
+            <a:xfrm>
+              <a:off x="9685338" y="4460675"/>
+              <a:ext cx="1080904" cy="1080902"/>
+            </a:xfrm>
+            <a:prstGeom prst="ellipse">
+              <a:avLst/>
+            </a:prstGeom>
+            <a:blipFill dpi="0" rotWithShape="1">
+              <a:blip r:embed="rId4">
+                <a:duotone>
+                  <a:schemeClr val="accent1">
+                    <a:shade val="45000"/>
+                    <a:satMod val="135000"/>
+                  </a:schemeClr>
+                  <a:prstClr val="white"/>
+                </a:duotone>
+                <a:extLst>
+                  <a:ext uri="{BEBA8EAE-BF5A-486C-A8C5-ECC9F3942E4B}">
+                    <a14:imgProps xmlns:a14="http://schemas.microsoft.com/office/drawing/2010/main">
+                      <a14:imgLayer r:embed="rId5">
+                        <a14:imgEffect>
+                          <a14:saturation sat="95000"/>
+                        </a14:imgEffect>
+                      </a14:imgLayer>
+                    </a14:imgProps>
+                  </a:ext>
+                </a:extLst>
+              </a:blip>
+              <a:srcRect/>
+              <a:tile tx="0" ty="0" sx="85000" sy="85000" flip="none" algn="tl"/>
+            </a:blipFill>
+            <a:ln w="25400" cap="flat" cmpd="sng" algn="ctr">
+              <a:noFill/>
+              <a:prstDash val="solid"/>
+            </a:ln>
+            <a:effectLst/>
+          </p:spPr>
+        </p:sp>
+        <p:sp>
+          <p:nvSpPr>
+            <p:cNvPr id="12" name="Oval 11"/>
+            <p:cNvSpPr/>
+            <p:nvPr/>
+          </p:nvSpPr>
+          <p:spPr>
+            <a:xfrm>
+              <a:off x="9793429" y="4568765"/>
+              <a:ext cx="864723" cy="864722"/>
+            </a:xfrm>
+            <a:prstGeom prst="ellipse">
+              <a:avLst/>
+            </a:prstGeom>
+            <a:noFill/>
+            <a:ln w="25400" cap="flat" cmpd="sng" algn="ctr">
+              <a:solidFill>
+                <a:sysClr val="window" lastClr="FFFFFF"/>
+              </a:solidFill>
+              <a:prstDash val="solid"/>
+            </a:ln>
+            <a:effectLst/>
+          </p:spPr>
+        </p:sp>
+      </p:grpSp>
+      <p:sp>
+        <p:nvSpPr>
+          <p:cNvPr id="2" name="Title 1"/>
+          <p:cNvSpPr>
+            <a:spLocks noGrp="1"/>
+          </p:cNvSpPr>
+          <p:nvPr>
+            <p:ph type="ctrTitle"/>
+          </p:nvPr>
+        </p:nvSpPr>
+        <p:spPr>
+          <a:xfrm>
+            <a:off x="1051560" y="1432223"/>
+            <a:ext cx="9966960" cy="3035808"/>
           </a:xfrm>
         </p:spPr>
         <p:txBody>
-          <a:bodyPr anchor="b"/>
+          <a:bodyPr anchor="ctr">
+            <a:noAutofit/>
+          </a:bodyPr>
           <a:lstStyle>
-            <a:lvl1pPr algn="ctr">
-              <a:defRPr sz="6000"/>
+            <a:lvl1pPr algn="l">
+              <a:lnSpc>
+                <a:spcPct val="80000"/>
+              </a:lnSpc>
+              <a:defRPr sz="9600" cap="all" baseline="0">
+                <a:blipFill dpi="0" rotWithShape="1">
+                  <a:blip r:embed="rId4"/>
+                  <a:srcRect/>
+                  <a:tile tx="6350" ty="-127000" sx="65000" sy="64000" flip="none" algn="tl"/>
+                </a:blipFill>
+              </a:defRPr>
             </a:lvl1pPr>
           </a:lstStyle>
           <a:p>
@@ -330,19 +1051,13 @@
               <a:rPr lang="en-US"/>
               <a:t>Click to edit Master title style</a:t>
             </a:r>
-            <a:endParaRPr lang="pt-PT"/>
-          </a:p>
-        </p:txBody>
-      </p:sp>
-      <p:sp>
-        <p:nvSpPr>
-          <p:cNvPr id="3" name="Subtitle 2">
-            <a:extLst>
-              <a:ext uri="{FF2B5EF4-FFF2-40B4-BE49-F238E27FC236}">
-                <a16:creationId xmlns:a16="http://schemas.microsoft.com/office/drawing/2014/main" id="{1D97C786-05AF-47B3-91E0-A68CCF5B21B9}"/>
-              </a:ext>
-            </a:extLst>
-          </p:cNvPr>
+            <a:endParaRPr lang="en-US" dirty="0"/>
+          </a:p>
+        </p:txBody>
+      </p:sp>
+      <p:sp>
+        <p:nvSpPr>
+          <p:cNvPr id="3" name="Subtitle 2"/>
           <p:cNvSpPr>
             <a:spLocks noGrp="1"/>
           </p:cNvSpPr>
@@ -352,48 +1067,54 @@
         </p:nvSpPr>
         <p:spPr>
           <a:xfrm>
-            <a:off x="1524000" y="3602038"/>
-            <a:ext cx="9144000" cy="1655762"/>
+            <a:off x="1069848" y="4389120"/>
+            <a:ext cx="7891272" cy="1069848"/>
           </a:xfrm>
         </p:spPr>
         <p:txBody>
-          <a:bodyPr/>
+          <a:bodyPr>
+            <a:normAutofit/>
+          </a:bodyPr>
           <a:lstStyle>
-            <a:lvl1pPr marL="0" indent="0" algn="ctr">
+            <a:lvl1pPr marL="0" indent="0" algn="l">
               <a:buNone/>
-              <a:defRPr sz="2400"/>
+              <a:defRPr sz="2200">
+                <a:solidFill>
+                  <a:schemeClr val="tx1"/>
+                </a:solidFill>
+              </a:defRPr>
             </a:lvl1pPr>
             <a:lvl2pPr marL="457200" indent="0" algn="ctr">
               <a:buNone/>
-              <a:defRPr sz="2000"/>
+              <a:defRPr sz="2200"/>
             </a:lvl2pPr>
             <a:lvl3pPr marL="914400" indent="0" algn="ctr">
               <a:buNone/>
-              <a:defRPr sz="1800"/>
+              <a:defRPr sz="2200"/>
             </a:lvl3pPr>
             <a:lvl4pPr marL="1371600" indent="0" algn="ctr">
               <a:buNone/>
-              <a:defRPr sz="1600"/>
+              <a:defRPr sz="2000"/>
             </a:lvl4pPr>
             <a:lvl5pPr marL="1828800" indent="0" algn="ctr">
               <a:buNone/>
-              <a:defRPr sz="1600"/>
+              <a:defRPr sz="2000"/>
             </a:lvl5pPr>
             <a:lvl6pPr marL="2286000" indent="0" algn="ctr">
               <a:buNone/>
-              <a:defRPr sz="1600"/>
+              <a:defRPr sz="2000"/>
             </a:lvl6pPr>
             <a:lvl7pPr marL="2743200" indent="0" algn="ctr">
               <a:buNone/>
-              <a:defRPr sz="1600"/>
+              <a:defRPr sz="2000"/>
             </a:lvl7pPr>
             <a:lvl8pPr marL="3200400" indent="0" algn="ctr">
               <a:buNone/>
-              <a:defRPr sz="1600"/>
+              <a:defRPr sz="2000"/>
             </a:lvl8pPr>
             <a:lvl9pPr marL="3657600" indent="0" algn="ctr">
               <a:buNone/>
-              <a:defRPr sz="1600"/>
+              <a:defRPr sz="2000"/>
             </a:lvl9pPr>
           </a:lstStyle>
           <a:p>
@@ -401,19 +1122,13 @@
               <a:rPr lang="en-US"/>
               <a:t>Click to edit Master subtitle style</a:t>
             </a:r>
-            <a:endParaRPr lang="pt-PT"/>
-          </a:p>
-        </p:txBody>
-      </p:sp>
-      <p:sp>
-        <p:nvSpPr>
-          <p:cNvPr id="4" name="Date Placeholder 3">
-            <a:extLst>
-              <a:ext uri="{FF2B5EF4-FFF2-40B4-BE49-F238E27FC236}">
-                <a16:creationId xmlns:a16="http://schemas.microsoft.com/office/drawing/2014/main" id="{346DC1DE-52E7-417E-8E1E-B36B5E71984B}"/>
-              </a:ext>
-            </a:extLst>
-          </p:cNvPr>
+            <a:endParaRPr lang="en-US" dirty="0"/>
+          </a:p>
+        </p:txBody>
+      </p:sp>
+      <p:sp>
+        <p:nvSpPr>
+          <p:cNvPr id="4" name="Date Placeholder 3"/>
           <p:cNvSpPr>
             <a:spLocks noGrp="1"/>
           </p:cNvSpPr>
@@ -428,7 +1143,7 @@
           <a:p>
             <a:fld id="{55E6A6CB-5F9A-49F4-B22B-493F3BBDBA0B}" type="datetimeFigureOut">
               <a:rPr lang="pt-PT" smtClean="0"/>
-              <a:t>06/02/2022</a:t>
+              <a:t>07/02/2022</a:t>
             </a:fld>
             <a:endParaRPr lang="pt-PT"/>
           </a:p>
@@ -436,13 +1151,7 @@
       </p:sp>
       <p:sp>
         <p:nvSpPr>
-          <p:cNvPr id="5" name="Footer Placeholder 4">
-            <a:extLst>
-              <a:ext uri="{FF2B5EF4-FFF2-40B4-BE49-F238E27FC236}">
-                <a16:creationId xmlns:a16="http://schemas.microsoft.com/office/drawing/2014/main" id="{7D5EBF8C-739D-4675-8877-52ECF380D521}"/>
-              </a:ext>
-            </a:extLst>
-          </p:cNvPr>
+          <p:cNvPr id="5" name="Footer Placeholder 4"/>
           <p:cNvSpPr>
             <a:spLocks noGrp="1"/>
           </p:cNvSpPr>
@@ -461,13 +1170,7 @@
       </p:sp>
       <p:sp>
         <p:nvSpPr>
-          <p:cNvPr id="6" name="Slide Number Placeholder 5">
-            <a:extLst>
-              <a:ext uri="{FF2B5EF4-FFF2-40B4-BE49-F238E27FC236}">
-                <a16:creationId xmlns:a16="http://schemas.microsoft.com/office/drawing/2014/main" id="{DF22A858-64C9-44BD-85D4-DE637C36AC51}"/>
-              </a:ext>
-            </a:extLst>
-          </p:cNvPr>
+          <p:cNvPr id="6" name="Slide Number Placeholder 5"/>
           <p:cNvSpPr>
             <a:spLocks noGrp="1"/>
           </p:cNvSpPr>
@@ -475,10 +1178,19 @@
             <p:ph type="sldNum" sz="quarter" idx="12"/>
           </p:nvPr>
         </p:nvSpPr>
-        <p:spPr/>
+        <p:spPr>
+          <a:xfrm>
+            <a:off x="9592733" y="4289334"/>
+            <a:ext cx="1193868" cy="640080"/>
+          </a:xfrm>
+        </p:spPr>
         <p:txBody>
           <a:bodyPr/>
-          <a:lstStyle/>
+          <a:lstStyle>
+            <a:lvl1pPr>
+              <a:defRPr sz="2800"/>
+            </a:lvl1pPr>
+          </a:lstStyle>
           <a:p>
             <a:fld id="{622F2012-8472-4423-8733-AE61B56919E5}" type="slidenum">
               <a:rPr lang="pt-PT" smtClean="0"/>
@@ -491,7 +1203,7 @@
     </p:spTree>
     <p:extLst>
       <p:ext uri="{BB962C8B-B14F-4D97-AF65-F5344CB8AC3E}">
-        <p14:creationId xmlns:p14="http://schemas.microsoft.com/office/powerpoint/2010/main" val="3155802072"/>
+        <p14:creationId xmlns:p14="http://schemas.microsoft.com/office/powerpoint/2010/main" val="1776385992"/>
       </p:ext>
     </p:extLst>
   </p:cSld>
@@ -520,13 +1232,7 @@
       </p:grpSpPr>
       <p:sp>
         <p:nvSpPr>
-          <p:cNvPr id="2" name="Title 1">
-            <a:extLst>
-              <a:ext uri="{FF2B5EF4-FFF2-40B4-BE49-F238E27FC236}">
-                <a16:creationId xmlns:a16="http://schemas.microsoft.com/office/drawing/2014/main" id="{E928E6E7-E956-40E7-82F8-D5E598D80967}"/>
-              </a:ext>
-            </a:extLst>
-          </p:cNvPr>
+          <p:cNvPr id="2" name="Title 1"/>
           <p:cNvSpPr>
             <a:spLocks noGrp="1"/>
           </p:cNvSpPr>
@@ -543,19 +1249,13 @@
               <a:rPr lang="en-US"/>
               <a:t>Click to edit Master title style</a:t>
             </a:r>
-            <a:endParaRPr lang="pt-PT"/>
-          </a:p>
-        </p:txBody>
-      </p:sp>
-      <p:sp>
-        <p:nvSpPr>
-          <p:cNvPr id="3" name="Vertical Text Placeholder 2">
-            <a:extLst>
-              <a:ext uri="{FF2B5EF4-FFF2-40B4-BE49-F238E27FC236}">
-                <a16:creationId xmlns:a16="http://schemas.microsoft.com/office/drawing/2014/main" id="{F5EE03CD-7751-4F21-9CE8-E0543A0E4978}"/>
-              </a:ext>
-            </a:extLst>
-          </p:cNvPr>
+            <a:endParaRPr lang="en-US" dirty="0"/>
+          </a:p>
+        </p:txBody>
+      </p:sp>
+      <p:sp>
+        <p:nvSpPr>
+          <p:cNvPr id="3" name="Vertical Text Placeholder 2"/>
           <p:cNvSpPr>
             <a:spLocks noGrp="1"/>
           </p:cNvSpPr>
@@ -601,19 +1301,13 @@
               <a:rPr lang="en-US"/>
               <a:t>Fifth level</a:t>
             </a:r>
-            <a:endParaRPr lang="pt-PT"/>
-          </a:p>
-        </p:txBody>
-      </p:sp>
-      <p:sp>
-        <p:nvSpPr>
-          <p:cNvPr id="4" name="Date Placeholder 3">
-            <a:extLst>
-              <a:ext uri="{FF2B5EF4-FFF2-40B4-BE49-F238E27FC236}">
-                <a16:creationId xmlns:a16="http://schemas.microsoft.com/office/drawing/2014/main" id="{351E1387-4263-4C3E-840D-EF787DAFA1EE}"/>
-              </a:ext>
-            </a:extLst>
-          </p:cNvPr>
+            <a:endParaRPr lang="en-US" dirty="0"/>
+          </a:p>
+        </p:txBody>
+      </p:sp>
+      <p:sp>
+        <p:nvSpPr>
+          <p:cNvPr id="4" name="Date Placeholder 3"/>
           <p:cNvSpPr>
             <a:spLocks noGrp="1"/>
           </p:cNvSpPr>
@@ -628,7 +1322,7 @@
           <a:p>
             <a:fld id="{55E6A6CB-5F9A-49F4-B22B-493F3BBDBA0B}" type="datetimeFigureOut">
               <a:rPr lang="pt-PT" smtClean="0"/>
-              <a:t>06/02/2022</a:t>
+              <a:t>07/02/2022</a:t>
             </a:fld>
             <a:endParaRPr lang="pt-PT"/>
           </a:p>
@@ -636,13 +1330,7 @@
       </p:sp>
       <p:sp>
         <p:nvSpPr>
-          <p:cNvPr id="5" name="Footer Placeholder 4">
-            <a:extLst>
-              <a:ext uri="{FF2B5EF4-FFF2-40B4-BE49-F238E27FC236}">
-                <a16:creationId xmlns:a16="http://schemas.microsoft.com/office/drawing/2014/main" id="{532F1884-5E99-42D7-9B69-4C2BE5416877}"/>
-              </a:ext>
-            </a:extLst>
-          </p:cNvPr>
+          <p:cNvPr id="5" name="Footer Placeholder 4"/>
           <p:cNvSpPr>
             <a:spLocks noGrp="1"/>
           </p:cNvSpPr>
@@ -661,13 +1349,7 @@
       </p:sp>
       <p:sp>
         <p:nvSpPr>
-          <p:cNvPr id="6" name="Slide Number Placeholder 5">
-            <a:extLst>
-              <a:ext uri="{FF2B5EF4-FFF2-40B4-BE49-F238E27FC236}">
-                <a16:creationId xmlns:a16="http://schemas.microsoft.com/office/drawing/2014/main" id="{CD85CD87-0562-49A6-9D44-E79F3E4DC9F6}"/>
-              </a:ext>
-            </a:extLst>
-          </p:cNvPr>
+          <p:cNvPr id="6" name="Slide Number Placeholder 5"/>
           <p:cNvSpPr>
             <a:spLocks noGrp="1"/>
           </p:cNvSpPr>
@@ -691,7 +1373,7 @@
     </p:spTree>
     <p:extLst>
       <p:ext uri="{BB962C8B-B14F-4D97-AF65-F5344CB8AC3E}">
-        <p14:creationId xmlns:p14="http://schemas.microsoft.com/office/powerpoint/2010/main" val="3506171003"/>
+        <p14:creationId xmlns:p14="http://schemas.microsoft.com/office/powerpoint/2010/main" val="2092469336"/>
       </p:ext>
     </p:extLst>
   </p:cSld>
@@ -720,13 +1402,7 @@
       </p:grpSpPr>
       <p:sp>
         <p:nvSpPr>
-          <p:cNvPr id="2" name="Vertical Title 1">
-            <a:extLst>
-              <a:ext uri="{FF2B5EF4-FFF2-40B4-BE49-F238E27FC236}">
-                <a16:creationId xmlns:a16="http://schemas.microsoft.com/office/drawing/2014/main" id="{AA51E557-4FF1-4739-9A04-DE94ADC802AF}"/>
-              </a:ext>
-            </a:extLst>
-          </p:cNvPr>
+          <p:cNvPr id="2" name="Vertical Title 1"/>
           <p:cNvSpPr>
             <a:spLocks noGrp="1"/>
           </p:cNvSpPr>
@@ -736,8 +1412,8 @@
         </p:nvSpPr>
         <p:spPr>
           <a:xfrm>
-            <a:off x="8724900" y="365125"/>
-            <a:ext cx="2628900" cy="5811838"/>
+            <a:off x="8724900" y="533400"/>
+            <a:ext cx="2552700" cy="5638800"/>
           </a:xfrm>
         </p:spPr>
         <p:txBody>
@@ -748,19 +1424,13 @@
               <a:rPr lang="en-US"/>
               <a:t>Click to edit Master title style</a:t>
             </a:r>
-            <a:endParaRPr lang="pt-PT"/>
-          </a:p>
-        </p:txBody>
-      </p:sp>
-      <p:sp>
-        <p:nvSpPr>
-          <p:cNvPr id="3" name="Vertical Text Placeholder 2">
-            <a:extLst>
-              <a:ext uri="{FF2B5EF4-FFF2-40B4-BE49-F238E27FC236}">
-                <a16:creationId xmlns:a16="http://schemas.microsoft.com/office/drawing/2014/main" id="{DEDE93E0-C243-4F7A-B374-1C8606198837}"/>
-              </a:ext>
-            </a:extLst>
-          </p:cNvPr>
+            <a:endParaRPr lang="en-US" dirty="0"/>
+          </a:p>
+        </p:txBody>
+      </p:sp>
+      <p:sp>
+        <p:nvSpPr>
+          <p:cNvPr id="3" name="Vertical Text Placeholder 2"/>
           <p:cNvSpPr>
             <a:spLocks noGrp="1"/>
           </p:cNvSpPr>
@@ -770,8 +1440,8 @@
         </p:nvSpPr>
         <p:spPr>
           <a:xfrm>
-            <a:off x="838200" y="365125"/>
-            <a:ext cx="7734300" cy="5811838"/>
+            <a:off x="1066800" y="533400"/>
+            <a:ext cx="7505700" cy="5638800"/>
           </a:xfrm>
         </p:spPr>
         <p:txBody>
@@ -811,19 +1481,13 @@
               <a:rPr lang="en-US"/>
               <a:t>Fifth level</a:t>
             </a:r>
-            <a:endParaRPr lang="pt-PT"/>
-          </a:p>
-        </p:txBody>
-      </p:sp>
-      <p:sp>
-        <p:nvSpPr>
-          <p:cNvPr id="4" name="Date Placeholder 3">
-            <a:extLst>
-              <a:ext uri="{FF2B5EF4-FFF2-40B4-BE49-F238E27FC236}">
-                <a16:creationId xmlns:a16="http://schemas.microsoft.com/office/drawing/2014/main" id="{6B482E21-6109-48FC-B9BE-2B32F00CC2F2}"/>
-              </a:ext>
-            </a:extLst>
-          </p:cNvPr>
+            <a:endParaRPr lang="en-US" dirty="0"/>
+          </a:p>
+        </p:txBody>
+      </p:sp>
+      <p:sp>
+        <p:nvSpPr>
+          <p:cNvPr id="4" name="Date Placeholder 3"/>
           <p:cNvSpPr>
             <a:spLocks noGrp="1"/>
           </p:cNvSpPr>
@@ -838,7 +1502,7 @@
           <a:p>
             <a:fld id="{55E6A6CB-5F9A-49F4-B22B-493F3BBDBA0B}" type="datetimeFigureOut">
               <a:rPr lang="pt-PT" smtClean="0"/>
-              <a:t>06/02/2022</a:t>
+              <a:t>07/02/2022</a:t>
             </a:fld>
             <a:endParaRPr lang="pt-PT"/>
           </a:p>
@@ -846,13 +1510,7 @@
       </p:sp>
       <p:sp>
         <p:nvSpPr>
-          <p:cNvPr id="5" name="Footer Placeholder 4">
-            <a:extLst>
-              <a:ext uri="{FF2B5EF4-FFF2-40B4-BE49-F238E27FC236}">
-                <a16:creationId xmlns:a16="http://schemas.microsoft.com/office/drawing/2014/main" id="{DFC63DF0-8270-4457-8357-94F73A24D6B3}"/>
-              </a:ext>
-            </a:extLst>
-          </p:cNvPr>
+          <p:cNvPr id="5" name="Footer Placeholder 4"/>
           <p:cNvSpPr>
             <a:spLocks noGrp="1"/>
           </p:cNvSpPr>
@@ -871,13 +1529,7 @@
       </p:sp>
       <p:sp>
         <p:nvSpPr>
-          <p:cNvPr id="6" name="Slide Number Placeholder 5">
-            <a:extLst>
-              <a:ext uri="{FF2B5EF4-FFF2-40B4-BE49-F238E27FC236}">
-                <a16:creationId xmlns:a16="http://schemas.microsoft.com/office/drawing/2014/main" id="{9E70A854-DA46-4C89-AB86-D4D653DB9BCB}"/>
-              </a:ext>
-            </a:extLst>
-          </p:cNvPr>
+          <p:cNvPr id="6" name="Slide Number Placeholder 5"/>
           <p:cNvSpPr>
             <a:spLocks noGrp="1"/>
           </p:cNvSpPr>
@@ -901,7 +1553,7 @@
     </p:spTree>
     <p:extLst>
       <p:ext uri="{BB962C8B-B14F-4D97-AF65-F5344CB8AC3E}">
-        <p14:creationId xmlns:p14="http://schemas.microsoft.com/office/powerpoint/2010/main" val="701565539"/>
+        <p14:creationId xmlns:p14="http://schemas.microsoft.com/office/powerpoint/2010/main" val="4054978912"/>
       </p:ext>
     </p:extLst>
   </p:cSld>
@@ -930,13 +1582,7 @@
       </p:grpSpPr>
       <p:sp>
         <p:nvSpPr>
-          <p:cNvPr id="2" name="Title 1">
-            <a:extLst>
-              <a:ext uri="{FF2B5EF4-FFF2-40B4-BE49-F238E27FC236}">
-                <a16:creationId xmlns:a16="http://schemas.microsoft.com/office/drawing/2014/main" id="{85F6DCD5-8523-40BA-90AC-A35EA944DB59}"/>
-              </a:ext>
-            </a:extLst>
-          </p:cNvPr>
+          <p:cNvPr id="2" name="Title 1"/>
           <p:cNvSpPr>
             <a:spLocks noGrp="1"/>
           </p:cNvSpPr>
@@ -953,19 +1599,13 @@
               <a:rPr lang="en-US"/>
               <a:t>Click to edit Master title style</a:t>
             </a:r>
-            <a:endParaRPr lang="pt-PT"/>
-          </a:p>
-        </p:txBody>
-      </p:sp>
-      <p:sp>
-        <p:nvSpPr>
-          <p:cNvPr id="3" name="Content Placeholder 2">
-            <a:extLst>
-              <a:ext uri="{FF2B5EF4-FFF2-40B4-BE49-F238E27FC236}">
-                <a16:creationId xmlns:a16="http://schemas.microsoft.com/office/drawing/2014/main" id="{A93A3168-DDBD-4824-842C-19D0BDE27A49}"/>
-              </a:ext>
-            </a:extLst>
-          </p:cNvPr>
+            <a:endParaRPr lang="en-US" dirty="0"/>
+          </a:p>
+        </p:txBody>
+      </p:sp>
+      <p:sp>
+        <p:nvSpPr>
+          <p:cNvPr id="3" name="Content Placeholder 2"/>
           <p:cNvSpPr>
             <a:spLocks noGrp="1"/>
           </p:cNvSpPr>
@@ -1011,19 +1651,13 @@
               <a:rPr lang="en-US"/>
               <a:t>Fifth level</a:t>
             </a:r>
-            <a:endParaRPr lang="pt-PT"/>
-          </a:p>
-        </p:txBody>
-      </p:sp>
-      <p:sp>
-        <p:nvSpPr>
-          <p:cNvPr id="4" name="Date Placeholder 3">
-            <a:extLst>
-              <a:ext uri="{FF2B5EF4-FFF2-40B4-BE49-F238E27FC236}">
-                <a16:creationId xmlns:a16="http://schemas.microsoft.com/office/drawing/2014/main" id="{E447EC13-AD79-4E5F-A6E3-DEDB5104001E}"/>
-              </a:ext>
-            </a:extLst>
-          </p:cNvPr>
+            <a:endParaRPr lang="en-US" dirty="0"/>
+          </a:p>
+        </p:txBody>
+      </p:sp>
+      <p:sp>
+        <p:nvSpPr>
+          <p:cNvPr id="4" name="Date Placeholder 3"/>
           <p:cNvSpPr>
             <a:spLocks noGrp="1"/>
           </p:cNvSpPr>
@@ -1038,7 +1672,7 @@
           <a:p>
             <a:fld id="{55E6A6CB-5F9A-49F4-B22B-493F3BBDBA0B}" type="datetimeFigureOut">
               <a:rPr lang="pt-PT" smtClean="0"/>
-              <a:t>06/02/2022</a:t>
+              <a:t>07/02/2022</a:t>
             </a:fld>
             <a:endParaRPr lang="pt-PT"/>
           </a:p>
@@ -1046,13 +1680,7 @@
       </p:sp>
       <p:sp>
         <p:nvSpPr>
-          <p:cNvPr id="5" name="Footer Placeholder 4">
-            <a:extLst>
-              <a:ext uri="{FF2B5EF4-FFF2-40B4-BE49-F238E27FC236}">
-                <a16:creationId xmlns:a16="http://schemas.microsoft.com/office/drawing/2014/main" id="{2453202D-1108-41E0-B5FB-602AB2B75F77}"/>
-              </a:ext>
-            </a:extLst>
-          </p:cNvPr>
+          <p:cNvPr id="5" name="Footer Placeholder 4"/>
           <p:cNvSpPr>
             <a:spLocks noGrp="1"/>
           </p:cNvSpPr>
@@ -1071,13 +1699,7 @@
       </p:sp>
       <p:sp>
         <p:nvSpPr>
-          <p:cNvPr id="6" name="Slide Number Placeholder 5">
-            <a:extLst>
-              <a:ext uri="{FF2B5EF4-FFF2-40B4-BE49-F238E27FC236}">
-                <a16:creationId xmlns:a16="http://schemas.microsoft.com/office/drawing/2014/main" id="{D46C2782-17F7-418E-9510-60F9463C6CDC}"/>
-              </a:ext>
-            </a:extLst>
-          </p:cNvPr>
+          <p:cNvPr id="6" name="Slide Number Placeholder 5"/>
           <p:cNvSpPr>
             <a:spLocks noGrp="1"/>
           </p:cNvSpPr>
@@ -1101,7 +1723,7 @@
     </p:spTree>
     <p:extLst>
       <p:ext uri="{BB962C8B-B14F-4D97-AF65-F5344CB8AC3E}">
-        <p14:creationId xmlns:p14="http://schemas.microsoft.com/office/powerpoint/2010/main" val="4197336678"/>
+        <p14:creationId xmlns:p14="http://schemas.microsoft.com/office/powerpoint/2010/main" val="3519563899"/>
       </p:ext>
     </p:extLst>
   </p:cSld>
@@ -1112,7 +1734,7 @@
 </file>
 
 <file path=ppt/slideLayouts/slideLayout3.xml><?xml version="1.0" encoding="utf-8"?>
-<p:sldLayout xmlns:a="http://schemas.openxmlformats.org/drawingml/2006/main" xmlns:r="http://schemas.openxmlformats.org/officeDocument/2006/relationships" xmlns:p="http://schemas.openxmlformats.org/presentationml/2006/main" type="secHead" preserve="1">
+<p:sldLayout xmlns:a="http://schemas.openxmlformats.org/drawingml/2006/main" xmlns:r="http://schemas.openxmlformats.org/officeDocument/2006/relationships" xmlns:p="http://schemas.openxmlformats.org/presentationml/2006/main" showMasterSp="0" type="secHead" preserve="1">
   <p:cSld name="Section Header">
     <p:spTree>
       <p:nvGrpSpPr>
@@ -1130,31 +1752,87 @@
       </p:grpSpPr>
       <p:sp>
         <p:nvSpPr>
-          <p:cNvPr id="2" name="Title 1">
-            <a:extLst>
-              <a:ext uri="{FF2B5EF4-FFF2-40B4-BE49-F238E27FC236}">
-                <a16:creationId xmlns:a16="http://schemas.microsoft.com/office/drawing/2014/main" id="{4F9D97FF-FF0B-4D92-AF38-8DEAB1867AB2}"/>
-              </a:ext>
-            </a:extLst>
-          </p:cNvPr>
-          <p:cNvSpPr>
-            <a:spLocks noGrp="1"/>
-          </p:cNvSpPr>
-          <p:nvPr>
-            <p:ph type="title"/>
-          </p:nvPr>
+          <p:cNvPr id="7" name="Rectangle 6"/>
+          <p:cNvSpPr/>
+          <p:nvPr/>
         </p:nvSpPr>
         <p:spPr>
           <a:xfrm>
-            <a:off x="831850" y="1709738"/>
-            <a:ext cx="10515600" cy="2852737"/>
+            <a:off x="0" y="4917989"/>
+            <a:ext cx="12192000" cy="1940010"/>
+          </a:xfrm>
+          <a:prstGeom prst="rect">
+            <a:avLst/>
+          </a:prstGeom>
+          <a:blipFill dpi="0" rotWithShape="1">
+            <a:blip r:embed="rId2">
+              <a:alphaModFix amt="85000"/>
+              <a:lum bright="70000" contrast="-70000"/>
+              <a:extLst>
+                <a:ext uri="{BEBA8EAE-BF5A-486C-A8C5-ECC9F3942E4B}">
+                  <a14:imgProps xmlns:a14="http://schemas.microsoft.com/office/drawing/2010/main">
+                    <a14:imgLayer r:embed="rId3">
+                      <a14:imgEffect>
+                        <a14:sharpenSoften amount="61000"/>
+                      </a14:imgEffect>
+                    </a14:imgLayer>
+                  </a14:imgProps>
+                </a:ext>
+                <a:ext uri="{28A0092B-C50C-407E-A947-70E740481C1C}">
+                  <a14:useLocalDpi xmlns:a14="http://schemas.microsoft.com/office/drawing/2010/main" val="0"/>
+                </a:ext>
+              </a:extLst>
+            </a:blip>
+            <a:srcRect/>
+            <a:tile tx="0" ty="-704850" sx="92000" sy="89000" flip="xy" algn="ctr"/>
+          </a:blipFill>
+          <a:ln>
+            <a:noFill/>
+          </a:ln>
+        </p:spPr>
+        <p:style>
+          <a:lnRef idx="2">
+            <a:schemeClr val="accent1">
+              <a:shade val="50000"/>
+            </a:schemeClr>
+          </a:lnRef>
+          <a:fillRef idx="1">
+            <a:schemeClr val="accent1"/>
+          </a:fillRef>
+          <a:effectRef idx="0">
+            <a:schemeClr val="accent1"/>
+          </a:effectRef>
+          <a:fontRef idx="minor">
+            <a:schemeClr val="lt1"/>
+          </a:fontRef>
+        </p:style>
+      </p:sp>
+      <p:sp>
+        <p:nvSpPr>
+          <p:cNvPr id="2" name="Title 1"/>
+          <p:cNvSpPr>
+            <a:spLocks noGrp="1"/>
+          </p:cNvSpPr>
+          <p:nvPr>
+            <p:ph type="title"/>
+          </p:nvPr>
+        </p:nvSpPr>
+        <p:spPr>
+          <a:xfrm>
+            <a:off x="2167128" y="1225296"/>
+            <a:ext cx="9281160" cy="3520440"/>
           </a:xfrm>
         </p:spPr>
         <p:txBody>
-          <a:bodyPr anchor="b"/>
+          <a:bodyPr anchor="ctr">
+            <a:normAutofit/>
+          </a:bodyPr>
           <a:lstStyle>
             <a:lvl1pPr>
-              <a:defRPr sz="6000"/>
+              <a:lnSpc>
+                <a:spcPct val="80000"/>
+              </a:lnSpc>
+              <a:defRPr sz="8000" b="0"/>
             </a:lvl1pPr>
           </a:lstStyle>
           <a:p>
@@ -1162,19 +1840,13 @@
               <a:rPr lang="en-US"/>
               <a:t>Click to edit Master title style</a:t>
             </a:r>
-            <a:endParaRPr lang="pt-PT"/>
-          </a:p>
-        </p:txBody>
-      </p:sp>
-      <p:sp>
-        <p:nvSpPr>
-          <p:cNvPr id="3" name="Text Placeholder 2">
-            <a:extLst>
-              <a:ext uri="{FF2B5EF4-FFF2-40B4-BE49-F238E27FC236}">
-                <a16:creationId xmlns:a16="http://schemas.microsoft.com/office/drawing/2014/main" id="{EDE05752-E051-43D2-9AE7-16E16EC26263}"/>
-              </a:ext>
-            </a:extLst>
-          </p:cNvPr>
+            <a:endParaRPr lang="en-US" dirty="0"/>
+          </a:p>
+        </p:txBody>
+      </p:sp>
+      <p:sp>
+        <p:nvSpPr>
+          <p:cNvPr id="3" name="Text Placeholder 2"/>
           <p:cNvSpPr>
             <a:spLocks noGrp="1"/>
           </p:cNvSpPr>
@@ -1184,26 +1856,26 @@
         </p:nvSpPr>
         <p:spPr>
           <a:xfrm>
-            <a:off x="831850" y="4589463"/>
-            <a:ext cx="10515600" cy="1500187"/>
+            <a:off x="2165774" y="5020056"/>
+            <a:ext cx="9052560" cy="1066800"/>
           </a:xfrm>
         </p:spPr>
         <p:txBody>
-          <a:bodyPr/>
+          <a:bodyPr anchor="t">
+            <a:normAutofit/>
+          </a:bodyPr>
           <a:lstStyle>
             <a:lvl1pPr marL="0" indent="0">
               <a:buNone/>
-              <a:defRPr sz="2400">
+              <a:defRPr sz="2000">
                 <a:solidFill>
-                  <a:schemeClr val="tx1">
-                    <a:tint val="75000"/>
-                  </a:schemeClr>
+                  <a:schemeClr val="tx1"/>
                 </a:solidFill>
               </a:defRPr>
             </a:lvl1pPr>
             <a:lvl2pPr marL="457200" indent="0">
               <a:buNone/>
-              <a:defRPr sz="2000">
+              <a:defRPr sz="1800">
                 <a:solidFill>
                   <a:schemeClr val="tx1">
                     <a:tint val="75000"/>
@@ -1213,7 +1885,7 @@
             </a:lvl2pPr>
             <a:lvl3pPr marL="914400" indent="0">
               <a:buNone/>
-              <a:defRPr sz="1800">
+              <a:defRPr sz="1600">
                 <a:solidFill>
                   <a:schemeClr val="tx1">
                     <a:tint val="75000"/>
@@ -1223,7 +1895,7 @@
             </a:lvl3pPr>
             <a:lvl4pPr marL="1371600" indent="0">
               <a:buNone/>
-              <a:defRPr sz="1600">
+              <a:defRPr sz="1400">
                 <a:solidFill>
                   <a:schemeClr val="tx1">
                     <a:tint val="75000"/>
@@ -1233,7 +1905,7 @@
             </a:lvl4pPr>
             <a:lvl5pPr marL="1828800" indent="0">
               <a:buNone/>
-              <a:defRPr sz="1600">
+              <a:defRPr sz="1400">
                 <a:solidFill>
                   <a:schemeClr val="tx1">
                     <a:tint val="75000"/>
@@ -1243,7 +1915,7 @@
             </a:lvl5pPr>
             <a:lvl6pPr marL="2286000" indent="0">
               <a:buNone/>
-              <a:defRPr sz="1600">
+              <a:defRPr sz="1400">
                 <a:solidFill>
                   <a:schemeClr val="tx1">
                     <a:tint val="75000"/>
@@ -1253,7 +1925,7 @@
             </a:lvl6pPr>
             <a:lvl7pPr marL="2743200" indent="0">
               <a:buNone/>
-              <a:defRPr sz="1600">
+              <a:defRPr sz="1400">
                 <a:solidFill>
                   <a:schemeClr val="tx1">
                     <a:tint val="75000"/>
@@ -1263,7 +1935,7 @@
             </a:lvl7pPr>
             <a:lvl8pPr marL="3200400" indent="0">
               <a:buNone/>
-              <a:defRPr sz="1600">
+              <a:defRPr sz="1400">
                 <a:solidFill>
                   <a:schemeClr val="tx1">
                     <a:tint val="75000"/>
@@ -1273,7 +1945,7 @@
             </a:lvl8pPr>
             <a:lvl9pPr marL="3657600" indent="0">
               <a:buNone/>
-              <a:defRPr sz="1600">
+              <a:defRPr sz="1400">
                 <a:solidFill>
                   <a:schemeClr val="tx1">
                     <a:tint val="75000"/>
@@ -1293,13 +1965,7 @@
       </p:sp>
       <p:sp>
         <p:nvSpPr>
-          <p:cNvPr id="4" name="Date Placeholder 3">
-            <a:extLst>
-              <a:ext uri="{FF2B5EF4-FFF2-40B4-BE49-F238E27FC236}">
-                <a16:creationId xmlns:a16="http://schemas.microsoft.com/office/drawing/2014/main" id="{1DAD4984-0C80-4532-B484-007751AEB995}"/>
-              </a:ext>
-            </a:extLst>
-          </p:cNvPr>
+          <p:cNvPr id="4" name="Date Placeholder 3"/>
           <p:cNvSpPr>
             <a:spLocks noGrp="1"/>
           </p:cNvSpPr>
@@ -1307,14 +1973,19 @@
             <p:ph type="dt" sz="half" idx="10"/>
           </p:nvPr>
         </p:nvSpPr>
-        <p:spPr/>
+        <p:spPr>
+          <a:xfrm>
+            <a:off x="8593667" y="6272784"/>
+            <a:ext cx="2644309" cy="365125"/>
+          </a:xfrm>
+        </p:spPr>
         <p:txBody>
           <a:bodyPr/>
           <a:lstStyle/>
           <a:p>
             <a:fld id="{55E6A6CB-5F9A-49F4-B22B-493F3BBDBA0B}" type="datetimeFigureOut">
               <a:rPr lang="pt-PT" smtClean="0"/>
-              <a:t>06/02/2022</a:t>
+              <a:t>07/02/2022</a:t>
             </a:fld>
             <a:endParaRPr lang="pt-PT"/>
           </a:p>
@@ -1322,13 +1993,7 @@
       </p:sp>
       <p:sp>
         <p:nvSpPr>
-          <p:cNvPr id="5" name="Footer Placeholder 4">
-            <a:extLst>
-              <a:ext uri="{FF2B5EF4-FFF2-40B4-BE49-F238E27FC236}">
-                <a16:creationId xmlns:a16="http://schemas.microsoft.com/office/drawing/2014/main" id="{9787AB92-C45D-476F-8EC7-03B95FB35080}"/>
-              </a:ext>
-            </a:extLst>
-          </p:cNvPr>
+          <p:cNvPr id="5" name="Footer Placeholder 4"/>
           <p:cNvSpPr>
             <a:spLocks noGrp="1"/>
           </p:cNvSpPr>
@@ -1336,7 +2001,12 @@
             <p:ph type="ftr" sz="quarter" idx="11"/>
           </p:nvPr>
         </p:nvSpPr>
-        <p:spPr/>
+        <p:spPr>
+          <a:xfrm>
+            <a:off x="2182708" y="6272784"/>
+            <a:ext cx="6327648" cy="365125"/>
+          </a:xfrm>
+        </p:spPr>
         <p:txBody>
           <a:bodyPr/>
           <a:lstStyle/>
@@ -1345,15 +2015,93 @@
           </a:p>
         </p:txBody>
       </p:sp>
-      <p:sp>
-        <p:nvSpPr>
-          <p:cNvPr id="6" name="Slide Number Placeholder 5">
-            <a:extLst>
-              <a:ext uri="{FF2B5EF4-FFF2-40B4-BE49-F238E27FC236}">
-                <a16:creationId xmlns:a16="http://schemas.microsoft.com/office/drawing/2014/main" id="{49613F62-D01E-4D53-96EC-013D8638ED80}"/>
-              </a:ext>
-            </a:extLst>
-          </p:cNvPr>
+      <p:grpSp>
+        <p:nvGrpSpPr>
+          <p:cNvPr id="8" name="Group 7"/>
+          <p:cNvGrpSpPr/>
+          <p:nvPr/>
+        </p:nvGrpSpPr>
+        <p:grpSpPr>
+          <a:xfrm>
+            <a:off x="897399" y="2325848"/>
+            <a:ext cx="1080904" cy="1080902"/>
+            <a:chOff x="9685338" y="4460675"/>
+            <a:chExt cx="1080904" cy="1080902"/>
+          </a:xfrm>
+        </p:grpSpPr>
+        <p:sp>
+          <p:nvSpPr>
+            <p:cNvPr id="9" name="Oval 8"/>
+            <p:cNvSpPr/>
+            <p:nvPr/>
+          </p:nvSpPr>
+          <p:spPr>
+            <a:xfrm>
+              <a:off x="9685338" y="4460675"/>
+              <a:ext cx="1080904" cy="1080902"/>
+            </a:xfrm>
+            <a:prstGeom prst="ellipse">
+              <a:avLst/>
+            </a:prstGeom>
+            <a:blipFill dpi="0" rotWithShape="1">
+              <a:blip r:embed="rId4">
+                <a:duotone>
+                  <a:schemeClr val="accent1">
+                    <a:shade val="45000"/>
+                    <a:satMod val="135000"/>
+                  </a:schemeClr>
+                  <a:prstClr val="white"/>
+                </a:duotone>
+                <a:extLst>
+                  <a:ext uri="{BEBA8EAE-BF5A-486C-A8C5-ECC9F3942E4B}">
+                    <a14:imgProps xmlns:a14="http://schemas.microsoft.com/office/drawing/2010/main">
+                      <a14:imgLayer r:embed="rId5">
+                        <a14:imgEffect>
+                          <a14:saturation sat="95000"/>
+                        </a14:imgEffect>
+                      </a14:imgLayer>
+                    </a14:imgProps>
+                  </a:ext>
+                </a:extLst>
+              </a:blip>
+              <a:srcRect/>
+              <a:tile tx="0" ty="0" sx="85000" sy="85000" flip="none" algn="tl"/>
+            </a:blipFill>
+            <a:ln w="25400" cap="flat" cmpd="sng" algn="ctr">
+              <a:noFill/>
+              <a:prstDash val="solid"/>
+            </a:ln>
+            <a:effectLst/>
+          </p:spPr>
+        </p:sp>
+        <p:sp>
+          <p:nvSpPr>
+            <p:cNvPr id="10" name="Oval 9"/>
+            <p:cNvSpPr/>
+            <p:nvPr/>
+          </p:nvSpPr>
+          <p:spPr>
+            <a:xfrm>
+              <a:off x="9793429" y="4568765"/>
+              <a:ext cx="864723" cy="864722"/>
+            </a:xfrm>
+            <a:prstGeom prst="ellipse">
+              <a:avLst/>
+            </a:prstGeom>
+            <a:noFill/>
+            <a:ln w="25400" cap="flat" cmpd="sng" algn="ctr">
+              <a:solidFill>
+                <a:sysClr val="window" lastClr="FFFFFF"/>
+              </a:solidFill>
+              <a:prstDash val="solid"/>
+            </a:ln>
+            <a:effectLst/>
+          </p:spPr>
+        </p:sp>
+      </p:grpSp>
+      <p:sp>
+        <p:nvSpPr>
+          <p:cNvPr id="6" name="Slide Number Placeholder 5"/>
           <p:cNvSpPr>
             <a:spLocks noGrp="1"/>
           </p:cNvSpPr>
@@ -1361,10 +2109,19 @@
             <p:ph type="sldNum" sz="quarter" idx="12"/>
           </p:nvPr>
         </p:nvSpPr>
-        <p:spPr/>
+        <p:spPr>
+          <a:xfrm>
+            <a:off x="843702" y="2506133"/>
+            <a:ext cx="1188298" cy="720332"/>
+          </a:xfrm>
+        </p:spPr>
         <p:txBody>
           <a:bodyPr/>
-          <a:lstStyle/>
+          <a:lstStyle>
+            <a:lvl1pPr>
+              <a:defRPr sz="2800"/>
+            </a:lvl1pPr>
+          </a:lstStyle>
           <a:p>
             <a:fld id="{622F2012-8472-4423-8733-AE61B56919E5}" type="slidenum">
               <a:rPr lang="pt-PT" smtClean="0"/>
@@ -1377,7 +2134,7 @@
     </p:spTree>
     <p:extLst>
       <p:ext uri="{BB962C8B-B14F-4D97-AF65-F5344CB8AC3E}">
-        <p14:creationId xmlns:p14="http://schemas.microsoft.com/office/powerpoint/2010/main" val="921022760"/>
+        <p14:creationId xmlns:p14="http://schemas.microsoft.com/office/powerpoint/2010/main" val="1325769154"/>
       </p:ext>
     </p:extLst>
   </p:cSld>
@@ -1406,13 +2163,7 @@
       </p:grpSpPr>
       <p:sp>
         <p:nvSpPr>
-          <p:cNvPr id="2" name="Title 1">
-            <a:extLst>
-              <a:ext uri="{FF2B5EF4-FFF2-40B4-BE49-F238E27FC236}">
-                <a16:creationId xmlns:a16="http://schemas.microsoft.com/office/drawing/2014/main" id="{E8DFCEFC-8847-4623-A336-AEAD6D9E959D}"/>
-              </a:ext>
-            </a:extLst>
-          </p:cNvPr>
+          <p:cNvPr id="2" name="Title 1"/>
           <p:cNvSpPr>
             <a:spLocks noGrp="1"/>
           </p:cNvSpPr>
@@ -1429,19 +2180,13 @@
               <a:rPr lang="en-US"/>
               <a:t>Click to edit Master title style</a:t>
             </a:r>
-            <a:endParaRPr lang="pt-PT"/>
-          </a:p>
-        </p:txBody>
-      </p:sp>
-      <p:sp>
-        <p:nvSpPr>
-          <p:cNvPr id="3" name="Content Placeholder 2">
-            <a:extLst>
-              <a:ext uri="{FF2B5EF4-FFF2-40B4-BE49-F238E27FC236}">
-                <a16:creationId xmlns:a16="http://schemas.microsoft.com/office/drawing/2014/main" id="{DB90465E-F744-4C7F-B165-DC5B3C1BEE81}"/>
-              </a:ext>
-            </a:extLst>
-          </p:cNvPr>
+            <a:endParaRPr lang="en-US" dirty="0"/>
+          </a:p>
+        </p:txBody>
+      </p:sp>
+      <p:sp>
+        <p:nvSpPr>
+          <p:cNvPr id="3" name="Content Placeholder 2"/>
           <p:cNvSpPr>
             <a:spLocks noGrp="1"/>
           </p:cNvSpPr>
@@ -1451,13 +2196,41 @@
         </p:nvSpPr>
         <p:spPr>
           <a:xfrm>
-            <a:off x="838200" y="1825625"/>
-            <a:ext cx="5181600" cy="4351338"/>
+            <a:off x="1069848" y="2194560"/>
+            <a:ext cx="4754880" cy="3977640"/>
           </a:xfrm>
         </p:spPr>
         <p:txBody>
           <a:bodyPr/>
-          <a:lstStyle/>
+          <a:lstStyle>
+            <a:lvl1pPr>
+              <a:defRPr sz="2000"/>
+            </a:lvl1pPr>
+            <a:lvl2pPr>
+              <a:defRPr sz="1800"/>
+            </a:lvl2pPr>
+            <a:lvl3pPr>
+              <a:defRPr sz="1600"/>
+            </a:lvl3pPr>
+            <a:lvl4pPr>
+              <a:defRPr sz="1600"/>
+            </a:lvl4pPr>
+            <a:lvl5pPr>
+              <a:defRPr sz="1600"/>
+            </a:lvl5pPr>
+            <a:lvl6pPr>
+              <a:defRPr sz="1600"/>
+            </a:lvl6pPr>
+            <a:lvl7pPr>
+              <a:defRPr sz="1600"/>
+            </a:lvl7pPr>
+            <a:lvl8pPr>
+              <a:defRPr sz="1600"/>
+            </a:lvl8pPr>
+            <a:lvl9pPr>
+              <a:defRPr sz="1600"/>
+            </a:lvl9pPr>
+          </a:lstStyle>
           <a:p>
             <a:pPr lvl="0"/>
             <a:r>
@@ -1492,19 +2265,13 @@
               <a:rPr lang="en-US"/>
               <a:t>Fifth level</a:t>
             </a:r>
-            <a:endParaRPr lang="pt-PT"/>
-          </a:p>
-        </p:txBody>
-      </p:sp>
-      <p:sp>
-        <p:nvSpPr>
-          <p:cNvPr id="4" name="Content Placeholder 3">
-            <a:extLst>
-              <a:ext uri="{FF2B5EF4-FFF2-40B4-BE49-F238E27FC236}">
-                <a16:creationId xmlns:a16="http://schemas.microsoft.com/office/drawing/2014/main" id="{370CC4C8-6FE7-47D8-BEDD-06CF0402CD19}"/>
-              </a:ext>
-            </a:extLst>
-          </p:cNvPr>
+            <a:endParaRPr lang="en-US" dirty="0"/>
+          </a:p>
+        </p:txBody>
+      </p:sp>
+      <p:sp>
+        <p:nvSpPr>
+          <p:cNvPr id="4" name="Content Placeholder 3"/>
           <p:cNvSpPr>
             <a:spLocks noGrp="1"/>
           </p:cNvSpPr>
@@ -1514,13 +2281,41 @@
         </p:nvSpPr>
         <p:spPr>
           <a:xfrm>
-            <a:off x="6172200" y="1825625"/>
-            <a:ext cx="5181600" cy="4351338"/>
+            <a:off x="6364224" y="2194560"/>
+            <a:ext cx="4754880" cy="3977640"/>
           </a:xfrm>
         </p:spPr>
         <p:txBody>
           <a:bodyPr/>
-          <a:lstStyle/>
+          <a:lstStyle>
+            <a:lvl1pPr>
+              <a:defRPr sz="2000"/>
+            </a:lvl1pPr>
+            <a:lvl2pPr>
+              <a:defRPr sz="1800"/>
+            </a:lvl2pPr>
+            <a:lvl3pPr>
+              <a:defRPr sz="1600"/>
+            </a:lvl3pPr>
+            <a:lvl4pPr>
+              <a:defRPr sz="1600"/>
+            </a:lvl4pPr>
+            <a:lvl5pPr>
+              <a:defRPr sz="1600"/>
+            </a:lvl5pPr>
+            <a:lvl6pPr>
+              <a:defRPr sz="1600"/>
+            </a:lvl6pPr>
+            <a:lvl7pPr>
+              <a:defRPr sz="1600"/>
+            </a:lvl7pPr>
+            <a:lvl8pPr>
+              <a:defRPr sz="1600"/>
+            </a:lvl8pPr>
+            <a:lvl9pPr>
+              <a:defRPr sz="1600"/>
+            </a:lvl9pPr>
+          </a:lstStyle>
           <a:p>
             <a:pPr lvl="0"/>
             <a:r>
@@ -1555,19 +2350,13 @@
               <a:rPr lang="en-US"/>
               <a:t>Fifth level</a:t>
             </a:r>
-            <a:endParaRPr lang="pt-PT"/>
-          </a:p>
-        </p:txBody>
-      </p:sp>
-      <p:sp>
-        <p:nvSpPr>
-          <p:cNvPr id="5" name="Date Placeholder 4">
-            <a:extLst>
-              <a:ext uri="{FF2B5EF4-FFF2-40B4-BE49-F238E27FC236}">
-                <a16:creationId xmlns:a16="http://schemas.microsoft.com/office/drawing/2014/main" id="{3EFE393E-6DB8-4B0D-A852-5D8944DA3C12}"/>
-              </a:ext>
-            </a:extLst>
-          </p:cNvPr>
+            <a:endParaRPr lang="en-US" dirty="0"/>
+          </a:p>
+        </p:txBody>
+      </p:sp>
+      <p:sp>
+        <p:nvSpPr>
+          <p:cNvPr id="5" name="Date Placeholder 4"/>
           <p:cNvSpPr>
             <a:spLocks noGrp="1"/>
           </p:cNvSpPr>
@@ -1582,7 +2371,7 @@
           <a:p>
             <a:fld id="{55E6A6CB-5F9A-49F4-B22B-493F3BBDBA0B}" type="datetimeFigureOut">
               <a:rPr lang="pt-PT" smtClean="0"/>
-              <a:t>06/02/2022</a:t>
+              <a:t>07/02/2022</a:t>
             </a:fld>
             <a:endParaRPr lang="pt-PT"/>
           </a:p>
@@ -1590,13 +2379,7 @@
       </p:sp>
       <p:sp>
         <p:nvSpPr>
-          <p:cNvPr id="6" name="Footer Placeholder 5">
-            <a:extLst>
-              <a:ext uri="{FF2B5EF4-FFF2-40B4-BE49-F238E27FC236}">
-                <a16:creationId xmlns:a16="http://schemas.microsoft.com/office/drawing/2014/main" id="{11D0E104-65BD-42B3-A251-2810786058D3}"/>
-              </a:ext>
-            </a:extLst>
-          </p:cNvPr>
+          <p:cNvPr id="6" name="Footer Placeholder 5"/>
           <p:cNvSpPr>
             <a:spLocks noGrp="1"/>
           </p:cNvSpPr>
@@ -1615,13 +2398,7 @@
       </p:sp>
       <p:sp>
         <p:nvSpPr>
-          <p:cNvPr id="7" name="Slide Number Placeholder 6">
-            <a:extLst>
-              <a:ext uri="{FF2B5EF4-FFF2-40B4-BE49-F238E27FC236}">
-                <a16:creationId xmlns:a16="http://schemas.microsoft.com/office/drawing/2014/main" id="{A052EDFE-5CA7-4EED-AC61-91CD201A4C23}"/>
-              </a:ext>
-            </a:extLst>
-          </p:cNvPr>
+          <p:cNvPr id="7" name="Slide Number Placeholder 6"/>
           <p:cNvSpPr>
             <a:spLocks noGrp="1"/>
           </p:cNvSpPr>
@@ -1645,7 +2422,7 @@
     </p:spTree>
     <p:extLst>
       <p:ext uri="{BB962C8B-B14F-4D97-AF65-F5344CB8AC3E}">
-        <p14:creationId xmlns:p14="http://schemas.microsoft.com/office/powerpoint/2010/main" val="2677573116"/>
+        <p14:creationId xmlns:p14="http://schemas.microsoft.com/office/powerpoint/2010/main" val="541159873"/>
       </p:ext>
     </p:extLst>
   </p:cSld>
@@ -1674,66 +2451,57 @@
       </p:grpSpPr>
       <p:sp>
         <p:nvSpPr>
-          <p:cNvPr id="2" name="Title 1">
-            <a:extLst>
-              <a:ext uri="{FF2B5EF4-FFF2-40B4-BE49-F238E27FC236}">
-                <a16:creationId xmlns:a16="http://schemas.microsoft.com/office/drawing/2014/main" id="{5368D30D-33E3-4478-8264-1C4A7993BE84}"/>
-              </a:ext>
-            </a:extLst>
-          </p:cNvPr>
+          <p:cNvPr id="10" name="Title 9"/>
           <p:cNvSpPr>
             <a:spLocks noGrp="1"/>
           </p:cNvSpPr>
           <p:nvPr>
             <p:ph type="title"/>
+          </p:nvPr>
+        </p:nvSpPr>
+        <p:spPr/>
+        <p:txBody>
+          <a:bodyPr/>
+          <a:lstStyle/>
+          <a:p>
+            <a:r>
+              <a:rPr lang="en-US"/>
+              <a:t>Click to edit Master title style</a:t>
+            </a:r>
+            <a:endParaRPr lang="en-US" dirty="0"/>
+          </a:p>
+        </p:txBody>
+      </p:sp>
+      <p:sp>
+        <p:nvSpPr>
+          <p:cNvPr id="3" name="Text Placeholder 2"/>
+          <p:cNvSpPr>
+            <a:spLocks noGrp="1"/>
+          </p:cNvSpPr>
+          <p:nvPr>
+            <p:ph type="body" idx="1"/>
           </p:nvPr>
         </p:nvSpPr>
         <p:spPr>
           <a:xfrm>
-            <a:off x="839788" y="365125"/>
-            <a:ext cx="10515600" cy="1325563"/>
+            <a:off x="1066800" y="2048256"/>
+            <a:ext cx="4754880" cy="640080"/>
           </a:xfrm>
         </p:spPr>
         <p:txBody>
-          <a:bodyPr/>
-          <a:lstStyle/>
-          <a:p>
-            <a:r>
-              <a:rPr lang="en-US"/>
-              <a:t>Click to edit Master title style</a:t>
-            </a:r>
-            <a:endParaRPr lang="pt-PT"/>
-          </a:p>
-        </p:txBody>
-      </p:sp>
-      <p:sp>
-        <p:nvSpPr>
-          <p:cNvPr id="3" name="Text Placeholder 2">
-            <a:extLst>
-              <a:ext uri="{FF2B5EF4-FFF2-40B4-BE49-F238E27FC236}">
-                <a16:creationId xmlns:a16="http://schemas.microsoft.com/office/drawing/2014/main" id="{1B25A69F-2C0B-4F2D-A1C3-73CB761CE854}"/>
-              </a:ext>
-            </a:extLst>
-          </p:cNvPr>
-          <p:cNvSpPr>
-            <a:spLocks noGrp="1"/>
-          </p:cNvSpPr>
-          <p:nvPr>
-            <p:ph type="body" idx="1"/>
-          </p:nvPr>
-        </p:nvSpPr>
-        <p:spPr>
-          <a:xfrm>
-            <a:off x="839788" y="1681163"/>
-            <a:ext cx="5157787" cy="823912"/>
-          </a:xfrm>
-        </p:spPr>
-        <p:txBody>
-          <a:bodyPr anchor="b"/>
+          <a:bodyPr anchor="ctr">
+            <a:normAutofit/>
+          </a:bodyPr>
           <a:lstStyle>
             <a:lvl1pPr marL="0" indent="0">
               <a:buNone/>
-              <a:defRPr sz="2400" b="1"/>
+              <a:defRPr sz="2000" b="1">
+                <a:solidFill>
+                  <a:schemeClr val="accent1">
+                    <a:lumMod val="75000"/>
+                  </a:schemeClr>
+                </a:solidFill>
+              </a:defRPr>
             </a:lvl1pPr>
             <a:lvl2pPr marL="457200" indent="0">
               <a:buNone/>
@@ -1779,13 +2547,7 @@
       </p:sp>
       <p:sp>
         <p:nvSpPr>
-          <p:cNvPr id="4" name="Content Placeholder 3">
-            <a:extLst>
-              <a:ext uri="{FF2B5EF4-FFF2-40B4-BE49-F238E27FC236}">
-                <a16:creationId xmlns:a16="http://schemas.microsoft.com/office/drawing/2014/main" id="{B56C3002-08B4-4FA9-9D5B-5813B3264AA2}"/>
-              </a:ext>
-            </a:extLst>
-          </p:cNvPr>
+          <p:cNvPr id="4" name="Content Placeholder 3"/>
           <p:cNvSpPr>
             <a:spLocks noGrp="1"/>
           </p:cNvSpPr>
@@ -1795,13 +2557,41 @@
         </p:nvSpPr>
         <p:spPr>
           <a:xfrm>
-            <a:off x="839788" y="2505075"/>
-            <a:ext cx="5157787" cy="3684588"/>
+            <a:off x="1069848" y="2743200"/>
+            <a:ext cx="4754880" cy="3291840"/>
           </a:xfrm>
         </p:spPr>
         <p:txBody>
           <a:bodyPr/>
-          <a:lstStyle/>
+          <a:lstStyle>
+            <a:lvl1pPr>
+              <a:defRPr sz="2000"/>
+            </a:lvl1pPr>
+            <a:lvl2pPr>
+              <a:defRPr sz="1800"/>
+            </a:lvl2pPr>
+            <a:lvl3pPr>
+              <a:defRPr sz="1600"/>
+            </a:lvl3pPr>
+            <a:lvl4pPr>
+              <a:defRPr sz="1600"/>
+            </a:lvl4pPr>
+            <a:lvl5pPr>
+              <a:defRPr sz="1600"/>
+            </a:lvl5pPr>
+            <a:lvl6pPr>
+              <a:defRPr sz="1600"/>
+            </a:lvl6pPr>
+            <a:lvl7pPr>
+              <a:defRPr sz="1600"/>
+            </a:lvl7pPr>
+            <a:lvl8pPr>
+              <a:defRPr sz="1600"/>
+            </a:lvl8pPr>
+            <a:lvl9pPr>
+              <a:defRPr sz="1600"/>
+            </a:lvl9pPr>
+          </a:lstStyle>
           <a:p>
             <a:pPr lvl="0"/>
             <a:r>
@@ -1836,19 +2626,13 @@
               <a:rPr lang="en-US"/>
               <a:t>Fifth level</a:t>
             </a:r>
-            <a:endParaRPr lang="pt-PT"/>
-          </a:p>
-        </p:txBody>
-      </p:sp>
-      <p:sp>
-        <p:nvSpPr>
-          <p:cNvPr id="5" name="Text Placeholder 4">
-            <a:extLst>
-              <a:ext uri="{FF2B5EF4-FFF2-40B4-BE49-F238E27FC236}">
-                <a16:creationId xmlns:a16="http://schemas.microsoft.com/office/drawing/2014/main" id="{D465BFD1-6E04-47C4-B6A8-8DF50D5547AE}"/>
-              </a:ext>
-            </a:extLst>
-          </p:cNvPr>
+            <a:endParaRPr lang="en-US" dirty="0"/>
+          </a:p>
+        </p:txBody>
+      </p:sp>
+      <p:sp>
+        <p:nvSpPr>
+          <p:cNvPr id="5" name="Text Placeholder 4"/>
           <p:cNvSpPr>
             <a:spLocks noGrp="1"/>
           </p:cNvSpPr>
@@ -1858,16 +2642,24 @@
         </p:nvSpPr>
         <p:spPr>
           <a:xfrm>
-            <a:off x="6172200" y="1681163"/>
-            <a:ext cx="5183188" cy="823912"/>
+            <a:off x="6364224" y="2048256"/>
+            <a:ext cx="4754880" cy="640080"/>
           </a:xfrm>
         </p:spPr>
         <p:txBody>
-          <a:bodyPr anchor="b"/>
+          <a:bodyPr anchor="ctr">
+            <a:normAutofit/>
+          </a:bodyPr>
           <a:lstStyle>
             <a:lvl1pPr marL="0" indent="0">
               <a:buNone/>
-              <a:defRPr sz="2400" b="1"/>
+              <a:defRPr sz="2000" b="1">
+                <a:solidFill>
+                  <a:schemeClr val="accent1">
+                    <a:lumMod val="75000"/>
+                  </a:schemeClr>
+                </a:solidFill>
+              </a:defRPr>
             </a:lvl1pPr>
             <a:lvl2pPr marL="457200" indent="0">
               <a:buNone/>
@@ -1913,13 +2705,7 @@
       </p:sp>
       <p:sp>
         <p:nvSpPr>
-          <p:cNvPr id="6" name="Content Placeholder 5">
-            <a:extLst>
-              <a:ext uri="{FF2B5EF4-FFF2-40B4-BE49-F238E27FC236}">
-                <a16:creationId xmlns:a16="http://schemas.microsoft.com/office/drawing/2014/main" id="{A1F833D9-45D0-43F1-9FBE-E3FCBEC331EF}"/>
-              </a:ext>
-            </a:extLst>
-          </p:cNvPr>
+          <p:cNvPr id="6" name="Content Placeholder 5"/>
           <p:cNvSpPr>
             <a:spLocks noGrp="1"/>
           </p:cNvSpPr>
@@ -1929,13 +2715,41 @@
         </p:nvSpPr>
         <p:spPr>
           <a:xfrm>
-            <a:off x="6172200" y="2505075"/>
-            <a:ext cx="5183188" cy="3684588"/>
+            <a:off x="6364224" y="2743200"/>
+            <a:ext cx="4754880" cy="3291840"/>
           </a:xfrm>
         </p:spPr>
         <p:txBody>
           <a:bodyPr/>
-          <a:lstStyle/>
+          <a:lstStyle>
+            <a:lvl1pPr>
+              <a:defRPr sz="2000"/>
+            </a:lvl1pPr>
+            <a:lvl2pPr>
+              <a:defRPr sz="1800"/>
+            </a:lvl2pPr>
+            <a:lvl3pPr>
+              <a:defRPr sz="1600"/>
+            </a:lvl3pPr>
+            <a:lvl4pPr>
+              <a:defRPr sz="1600"/>
+            </a:lvl4pPr>
+            <a:lvl5pPr>
+              <a:defRPr sz="1600"/>
+            </a:lvl5pPr>
+            <a:lvl6pPr>
+              <a:defRPr sz="1600"/>
+            </a:lvl6pPr>
+            <a:lvl7pPr>
+              <a:defRPr sz="1600"/>
+            </a:lvl7pPr>
+            <a:lvl8pPr>
+              <a:defRPr sz="1600"/>
+            </a:lvl8pPr>
+            <a:lvl9pPr>
+              <a:defRPr sz="1600"/>
+            </a:lvl9pPr>
+          </a:lstStyle>
           <a:p>
             <a:pPr lvl="0"/>
             <a:r>
@@ -1970,19 +2784,13 @@
               <a:rPr lang="en-US"/>
               <a:t>Fifth level</a:t>
             </a:r>
-            <a:endParaRPr lang="pt-PT"/>
-          </a:p>
-        </p:txBody>
-      </p:sp>
-      <p:sp>
-        <p:nvSpPr>
-          <p:cNvPr id="7" name="Date Placeholder 6">
-            <a:extLst>
-              <a:ext uri="{FF2B5EF4-FFF2-40B4-BE49-F238E27FC236}">
-                <a16:creationId xmlns:a16="http://schemas.microsoft.com/office/drawing/2014/main" id="{8DB2C01D-7EC5-410D-81A2-25B92A991EC0}"/>
-              </a:ext>
-            </a:extLst>
-          </p:cNvPr>
+            <a:endParaRPr lang="en-US" dirty="0"/>
+          </a:p>
+        </p:txBody>
+      </p:sp>
+      <p:sp>
+        <p:nvSpPr>
+          <p:cNvPr id="7" name="Date Placeholder 6"/>
           <p:cNvSpPr>
             <a:spLocks noGrp="1"/>
           </p:cNvSpPr>
@@ -1997,7 +2805,7 @@
           <a:p>
             <a:fld id="{55E6A6CB-5F9A-49F4-B22B-493F3BBDBA0B}" type="datetimeFigureOut">
               <a:rPr lang="pt-PT" smtClean="0"/>
-              <a:t>06/02/2022</a:t>
+              <a:t>07/02/2022</a:t>
             </a:fld>
             <a:endParaRPr lang="pt-PT"/>
           </a:p>
@@ -2005,13 +2813,7 @@
       </p:sp>
       <p:sp>
         <p:nvSpPr>
-          <p:cNvPr id="8" name="Footer Placeholder 7">
-            <a:extLst>
-              <a:ext uri="{FF2B5EF4-FFF2-40B4-BE49-F238E27FC236}">
-                <a16:creationId xmlns:a16="http://schemas.microsoft.com/office/drawing/2014/main" id="{D6DAF6F1-FB2C-4FCF-8174-F07279DD91B9}"/>
-              </a:ext>
-            </a:extLst>
-          </p:cNvPr>
+          <p:cNvPr id="8" name="Footer Placeholder 7"/>
           <p:cNvSpPr>
             <a:spLocks noGrp="1"/>
           </p:cNvSpPr>
@@ -2030,13 +2832,7 @@
       </p:sp>
       <p:sp>
         <p:nvSpPr>
-          <p:cNvPr id="9" name="Slide Number Placeholder 8">
-            <a:extLst>
-              <a:ext uri="{FF2B5EF4-FFF2-40B4-BE49-F238E27FC236}">
-                <a16:creationId xmlns:a16="http://schemas.microsoft.com/office/drawing/2014/main" id="{70114A7F-2A30-4FC9-B879-F8516D8A104E}"/>
-              </a:ext>
-            </a:extLst>
-          </p:cNvPr>
+          <p:cNvPr id="9" name="Slide Number Placeholder 8"/>
           <p:cNvSpPr>
             <a:spLocks noGrp="1"/>
           </p:cNvSpPr>
@@ -2060,7 +2856,7 @@
     </p:spTree>
     <p:extLst>
       <p:ext uri="{BB962C8B-B14F-4D97-AF65-F5344CB8AC3E}">
-        <p14:creationId xmlns:p14="http://schemas.microsoft.com/office/powerpoint/2010/main" val="2852256588"/>
+        <p14:creationId xmlns:p14="http://schemas.microsoft.com/office/powerpoint/2010/main" val="2169980454"/>
       </p:ext>
     </p:extLst>
   </p:cSld>
@@ -2089,13 +2885,7 @@
       </p:grpSpPr>
       <p:sp>
         <p:nvSpPr>
-          <p:cNvPr id="2" name="Title 1">
-            <a:extLst>
-              <a:ext uri="{FF2B5EF4-FFF2-40B4-BE49-F238E27FC236}">
-                <a16:creationId xmlns:a16="http://schemas.microsoft.com/office/drawing/2014/main" id="{D9BC46BD-2C9A-46E2-9268-303CE5D7744F}"/>
-              </a:ext>
-            </a:extLst>
-          </p:cNvPr>
+          <p:cNvPr id="6" name="Title 5"/>
           <p:cNvSpPr>
             <a:spLocks noGrp="1"/>
           </p:cNvSpPr>
@@ -2112,19 +2902,13 @@
               <a:rPr lang="en-US"/>
               <a:t>Click to edit Master title style</a:t>
             </a:r>
-            <a:endParaRPr lang="pt-PT"/>
-          </a:p>
-        </p:txBody>
-      </p:sp>
-      <p:sp>
-        <p:nvSpPr>
-          <p:cNvPr id="3" name="Date Placeholder 2">
-            <a:extLst>
-              <a:ext uri="{FF2B5EF4-FFF2-40B4-BE49-F238E27FC236}">
-                <a16:creationId xmlns:a16="http://schemas.microsoft.com/office/drawing/2014/main" id="{F7B484F8-B596-44A3-B7A3-27C78752F843}"/>
-              </a:ext>
-            </a:extLst>
-          </p:cNvPr>
+            <a:endParaRPr lang="en-US" dirty="0"/>
+          </a:p>
+        </p:txBody>
+      </p:sp>
+      <p:sp>
+        <p:nvSpPr>
+          <p:cNvPr id="3" name="Date Placeholder 2"/>
           <p:cNvSpPr>
             <a:spLocks noGrp="1"/>
           </p:cNvSpPr>
@@ -2139,7 +2923,7 @@
           <a:p>
             <a:fld id="{55E6A6CB-5F9A-49F4-B22B-493F3BBDBA0B}" type="datetimeFigureOut">
               <a:rPr lang="pt-PT" smtClean="0"/>
-              <a:t>06/02/2022</a:t>
+              <a:t>07/02/2022</a:t>
             </a:fld>
             <a:endParaRPr lang="pt-PT"/>
           </a:p>
@@ -2147,13 +2931,7 @@
       </p:sp>
       <p:sp>
         <p:nvSpPr>
-          <p:cNvPr id="4" name="Footer Placeholder 3">
-            <a:extLst>
-              <a:ext uri="{FF2B5EF4-FFF2-40B4-BE49-F238E27FC236}">
-                <a16:creationId xmlns:a16="http://schemas.microsoft.com/office/drawing/2014/main" id="{D0ACA783-2E11-4FA8-8CD8-3CAC5892C1E6}"/>
-              </a:ext>
-            </a:extLst>
-          </p:cNvPr>
+          <p:cNvPr id="4" name="Footer Placeholder 3"/>
           <p:cNvSpPr>
             <a:spLocks noGrp="1"/>
           </p:cNvSpPr>
@@ -2172,13 +2950,7 @@
       </p:sp>
       <p:sp>
         <p:nvSpPr>
-          <p:cNvPr id="5" name="Slide Number Placeholder 4">
-            <a:extLst>
-              <a:ext uri="{FF2B5EF4-FFF2-40B4-BE49-F238E27FC236}">
-                <a16:creationId xmlns:a16="http://schemas.microsoft.com/office/drawing/2014/main" id="{0869DBBB-66FA-4B02-BF8E-7908DD12E68F}"/>
-              </a:ext>
-            </a:extLst>
-          </p:cNvPr>
+          <p:cNvPr id="5" name="Slide Number Placeholder 4"/>
           <p:cNvSpPr>
             <a:spLocks noGrp="1"/>
           </p:cNvSpPr>
@@ -2202,7 +2974,7 @@
     </p:spTree>
     <p:extLst>
       <p:ext uri="{BB962C8B-B14F-4D97-AF65-F5344CB8AC3E}">
-        <p14:creationId xmlns:p14="http://schemas.microsoft.com/office/powerpoint/2010/main" val="3264283907"/>
+        <p14:creationId xmlns:p14="http://schemas.microsoft.com/office/powerpoint/2010/main" val="834981739"/>
       </p:ext>
     </p:extLst>
   </p:cSld>
@@ -2231,13 +3003,7 @@
       </p:grpSpPr>
       <p:sp>
         <p:nvSpPr>
-          <p:cNvPr id="2" name="Date Placeholder 1">
-            <a:extLst>
-              <a:ext uri="{FF2B5EF4-FFF2-40B4-BE49-F238E27FC236}">
-                <a16:creationId xmlns:a16="http://schemas.microsoft.com/office/drawing/2014/main" id="{94833BE5-E97E-4B32-8002-44B994981C87}"/>
-              </a:ext>
-            </a:extLst>
-          </p:cNvPr>
+          <p:cNvPr id="2" name="Date Placeholder 1"/>
           <p:cNvSpPr>
             <a:spLocks noGrp="1"/>
           </p:cNvSpPr>
@@ -2252,7 +3018,7 @@
           <a:p>
             <a:fld id="{55E6A6CB-5F9A-49F4-B22B-493F3BBDBA0B}" type="datetimeFigureOut">
               <a:rPr lang="pt-PT" smtClean="0"/>
-              <a:t>06/02/2022</a:t>
+              <a:t>07/02/2022</a:t>
             </a:fld>
             <a:endParaRPr lang="pt-PT"/>
           </a:p>
@@ -2260,13 +3026,7 @@
       </p:sp>
       <p:sp>
         <p:nvSpPr>
-          <p:cNvPr id="3" name="Footer Placeholder 2">
-            <a:extLst>
-              <a:ext uri="{FF2B5EF4-FFF2-40B4-BE49-F238E27FC236}">
-                <a16:creationId xmlns:a16="http://schemas.microsoft.com/office/drawing/2014/main" id="{BCEACDC3-3644-4129-811C-D5A03F1335E9}"/>
-              </a:ext>
-            </a:extLst>
-          </p:cNvPr>
+          <p:cNvPr id="3" name="Footer Placeholder 2"/>
           <p:cNvSpPr>
             <a:spLocks noGrp="1"/>
           </p:cNvSpPr>
@@ -2285,13 +3045,7 @@
       </p:sp>
       <p:sp>
         <p:nvSpPr>
-          <p:cNvPr id="4" name="Slide Number Placeholder 3">
-            <a:extLst>
-              <a:ext uri="{FF2B5EF4-FFF2-40B4-BE49-F238E27FC236}">
-                <a16:creationId xmlns:a16="http://schemas.microsoft.com/office/drawing/2014/main" id="{5935D385-910F-43F8-9FA7-574535272C65}"/>
-              </a:ext>
-            </a:extLst>
-          </p:cNvPr>
+          <p:cNvPr id="4" name="Slide Number Placeholder 3"/>
           <p:cNvSpPr>
             <a:spLocks noGrp="1"/>
           </p:cNvSpPr>
@@ -2315,7 +3069,7 @@
     </p:spTree>
     <p:extLst>
       <p:ext uri="{BB962C8B-B14F-4D97-AF65-F5344CB8AC3E}">
-        <p14:creationId xmlns:p14="http://schemas.microsoft.com/office/powerpoint/2010/main" val="3906094738"/>
+        <p14:creationId xmlns:p14="http://schemas.microsoft.com/office/powerpoint/2010/main" val="1087657695"/>
       </p:ext>
     </p:extLst>
   </p:cSld>
@@ -2326,7 +3080,7 @@
 </file>
 
 <file path=ppt/slideLayouts/slideLayout8.xml><?xml version="1.0" encoding="utf-8"?>
-<p:sldLayout xmlns:a="http://schemas.openxmlformats.org/drawingml/2006/main" xmlns:r="http://schemas.openxmlformats.org/officeDocument/2006/relationships" xmlns:p="http://schemas.openxmlformats.org/presentationml/2006/main" type="objTx" preserve="1">
+<p:sldLayout xmlns:a="http://schemas.openxmlformats.org/drawingml/2006/main" xmlns:r="http://schemas.openxmlformats.org/officeDocument/2006/relationships" xmlns:p="http://schemas.openxmlformats.org/presentationml/2006/main" showMasterSp="0" type="objTx" preserve="1">
   <p:cSld name="Content with Caption">
     <p:spTree>
       <p:nvGrpSpPr>
@@ -2344,31 +3098,84 @@
       </p:grpSpPr>
       <p:sp>
         <p:nvSpPr>
-          <p:cNvPr id="2" name="Title 1">
-            <a:extLst>
-              <a:ext uri="{FF2B5EF4-FFF2-40B4-BE49-F238E27FC236}">
-                <a16:creationId xmlns:a16="http://schemas.microsoft.com/office/drawing/2014/main" id="{E02DC984-5ED7-4894-88CE-FEAB758A6528}"/>
-              </a:ext>
-            </a:extLst>
-          </p:cNvPr>
-          <p:cNvSpPr>
-            <a:spLocks noGrp="1"/>
-          </p:cNvSpPr>
-          <p:nvPr>
-            <p:ph type="title"/>
-          </p:nvPr>
+          <p:cNvPr id="8" name="Rectangle 7"/>
+          <p:cNvSpPr/>
+          <p:nvPr/>
         </p:nvSpPr>
         <p:spPr>
           <a:xfrm>
-            <a:off x="839788" y="457200"/>
-            <a:ext cx="3932237" cy="1600200"/>
+            <a:off x="8303740" y="0"/>
+            <a:ext cx="3888259" cy="6857999"/>
+          </a:xfrm>
+          <a:prstGeom prst="rect">
+            <a:avLst/>
+          </a:prstGeom>
+          <a:blipFill dpi="0" rotWithShape="1">
+            <a:blip r:embed="rId2">
+              <a:alphaModFix amt="60000"/>
+              <a:lum bright="70000" contrast="-70000"/>
+              <a:extLst>
+                <a:ext uri="{BEBA8EAE-BF5A-486C-A8C5-ECC9F3942E4B}">
+                  <a14:imgProps xmlns:a14="http://schemas.microsoft.com/office/drawing/2010/main">
+                    <a14:imgLayer r:embed="rId3">
+                      <a14:imgEffect>
+                        <a14:sharpenSoften amount="61000"/>
+                      </a14:imgEffect>
+                    </a14:imgLayer>
+                  </a14:imgProps>
+                </a:ext>
+                <a:ext uri="{28A0092B-C50C-407E-A947-70E740481C1C}">
+                  <a14:useLocalDpi xmlns:a14="http://schemas.microsoft.com/office/drawing/2010/main" val="0"/>
+                </a:ext>
+              </a:extLst>
+            </a:blip>
+            <a:srcRect/>
+            <a:tile tx="0" ty="-704850" sx="92000" sy="89000" flip="xy" algn="ctr"/>
+          </a:blipFill>
+          <a:ln>
+            <a:noFill/>
+          </a:ln>
+        </p:spPr>
+        <p:style>
+          <a:lnRef idx="2">
+            <a:schemeClr val="accent1">
+              <a:shade val="50000"/>
+            </a:schemeClr>
+          </a:lnRef>
+          <a:fillRef idx="1">
+            <a:schemeClr val="accent1"/>
+          </a:fillRef>
+          <a:effectRef idx="0">
+            <a:schemeClr val="accent1"/>
+          </a:effectRef>
+          <a:fontRef idx="minor">
+            <a:schemeClr val="lt1"/>
+          </a:fontRef>
+        </p:style>
+      </p:sp>
+      <p:sp>
+        <p:nvSpPr>
+          <p:cNvPr id="2" name="Title 1"/>
+          <p:cNvSpPr>
+            <a:spLocks noGrp="1"/>
+          </p:cNvSpPr>
+          <p:nvPr>
+            <p:ph type="title"/>
+          </p:nvPr>
+        </p:nvSpPr>
+        <p:spPr>
+          <a:xfrm>
+            <a:off x="8549640" y="685800"/>
+            <a:ext cx="3200400" cy="1737360"/>
           </a:xfrm>
         </p:spPr>
         <p:txBody>
-          <a:bodyPr anchor="b"/>
+          <a:bodyPr anchor="b">
+            <a:normAutofit/>
+          </a:bodyPr>
           <a:lstStyle>
             <a:lvl1pPr>
-              <a:defRPr sz="3200"/>
+              <a:defRPr sz="3200" b="1"/>
             </a:lvl1pPr>
           </a:lstStyle>
           <a:p>
@@ -2376,19 +3183,13 @@
               <a:rPr lang="en-US"/>
               <a:t>Click to edit Master title style</a:t>
             </a:r>
-            <a:endParaRPr lang="pt-PT"/>
-          </a:p>
-        </p:txBody>
-      </p:sp>
-      <p:sp>
-        <p:nvSpPr>
-          <p:cNvPr id="3" name="Content Placeholder 2">
-            <a:extLst>
-              <a:ext uri="{FF2B5EF4-FFF2-40B4-BE49-F238E27FC236}">
-                <a16:creationId xmlns:a16="http://schemas.microsoft.com/office/drawing/2014/main" id="{02340D53-72EE-4949-83BB-BEF5BB5D2566}"/>
-              </a:ext>
-            </a:extLst>
-          </p:cNvPr>
+            <a:endParaRPr lang="en-US" dirty="0"/>
+          </a:p>
+        </p:txBody>
+      </p:sp>
+      <p:sp>
+        <p:nvSpPr>
+          <p:cNvPr id="3" name="Content Placeholder 2"/>
           <p:cNvSpPr>
             <a:spLocks noGrp="1"/>
           </p:cNvSpPr>
@@ -2398,39 +3199,39 @@
         </p:nvSpPr>
         <p:spPr>
           <a:xfrm>
-            <a:off x="5183188" y="987425"/>
-            <a:ext cx="6172200" cy="4873625"/>
+            <a:off x="838200" y="685800"/>
+            <a:ext cx="6711696" cy="5020056"/>
           </a:xfrm>
         </p:spPr>
         <p:txBody>
           <a:bodyPr/>
           <a:lstStyle>
             <a:lvl1pPr>
-              <a:defRPr sz="3200"/>
+              <a:defRPr sz="2000"/>
             </a:lvl1pPr>
             <a:lvl2pPr>
-              <a:defRPr sz="2800"/>
+              <a:defRPr sz="1800"/>
             </a:lvl2pPr>
             <a:lvl3pPr>
-              <a:defRPr sz="2400"/>
+              <a:defRPr sz="1600"/>
             </a:lvl3pPr>
             <a:lvl4pPr>
-              <a:defRPr sz="2000"/>
+              <a:defRPr sz="1600"/>
             </a:lvl4pPr>
             <a:lvl5pPr>
-              <a:defRPr sz="2000"/>
+              <a:defRPr sz="1600"/>
             </a:lvl5pPr>
             <a:lvl6pPr>
-              <a:defRPr sz="2000"/>
+              <a:defRPr sz="1600"/>
             </a:lvl6pPr>
             <a:lvl7pPr>
-              <a:defRPr sz="2000"/>
+              <a:defRPr sz="1600"/>
             </a:lvl7pPr>
             <a:lvl8pPr>
-              <a:defRPr sz="2000"/>
+              <a:defRPr sz="1600"/>
             </a:lvl8pPr>
             <a:lvl9pPr>
-              <a:defRPr sz="2000"/>
+              <a:defRPr sz="1600"/>
             </a:lvl9pPr>
           </a:lstStyle>
           <a:p>
@@ -2467,19 +3268,13 @@
               <a:rPr lang="en-US"/>
               <a:t>Fifth level</a:t>
             </a:r>
-            <a:endParaRPr lang="pt-PT"/>
-          </a:p>
-        </p:txBody>
-      </p:sp>
-      <p:sp>
-        <p:nvSpPr>
-          <p:cNvPr id="4" name="Text Placeholder 3">
-            <a:extLst>
-              <a:ext uri="{FF2B5EF4-FFF2-40B4-BE49-F238E27FC236}">
-                <a16:creationId xmlns:a16="http://schemas.microsoft.com/office/drawing/2014/main" id="{2867AE3C-17F2-4D94-B72E-43A461F9E7B8}"/>
-              </a:ext>
-            </a:extLst>
-          </p:cNvPr>
+            <a:endParaRPr lang="en-US" dirty="0"/>
+          </a:p>
+        </p:txBody>
+      </p:sp>
+      <p:sp>
+        <p:nvSpPr>
+          <p:cNvPr id="4" name="Text Placeholder 3"/>
           <p:cNvSpPr>
             <a:spLocks noGrp="1"/>
           </p:cNvSpPr>
@@ -2489,48 +3284,62 @@
         </p:nvSpPr>
         <p:spPr>
           <a:xfrm>
-            <a:off x="839788" y="2057400"/>
-            <a:ext cx="3932237" cy="3811588"/>
+            <a:off x="8549640" y="2423160"/>
+            <a:ext cx="3200400" cy="3291840"/>
           </a:xfrm>
         </p:spPr>
         <p:txBody>
-          <a:bodyPr/>
+          <a:bodyPr>
+            <a:normAutofit/>
+          </a:bodyPr>
           <a:lstStyle>
             <a:lvl1pPr marL="0" indent="0">
+              <a:lnSpc>
+                <a:spcPct val="100000"/>
+              </a:lnSpc>
+              <a:spcBef>
+                <a:spcPts val="1000"/>
+              </a:spcBef>
               <a:buNone/>
-              <a:defRPr sz="1600"/>
+              <a:defRPr sz="1400">
+                <a:solidFill>
+                  <a:schemeClr val="accent1">
+                    <a:lumMod val="75000"/>
+                  </a:schemeClr>
+                </a:solidFill>
+              </a:defRPr>
             </a:lvl1pPr>
             <a:lvl2pPr marL="457200" indent="0">
               <a:buNone/>
-              <a:defRPr sz="1400"/>
+              <a:defRPr sz="1200"/>
             </a:lvl2pPr>
             <a:lvl3pPr marL="914400" indent="0">
               <a:buNone/>
-              <a:defRPr sz="1200"/>
+              <a:defRPr sz="1000"/>
             </a:lvl3pPr>
             <a:lvl4pPr marL="1371600" indent="0">
               <a:buNone/>
-              <a:defRPr sz="1000"/>
+              <a:defRPr sz="900"/>
             </a:lvl4pPr>
             <a:lvl5pPr marL="1828800" indent="0">
               <a:buNone/>
-              <a:defRPr sz="1000"/>
+              <a:defRPr sz="900"/>
             </a:lvl5pPr>
             <a:lvl6pPr marL="2286000" indent="0">
               <a:buNone/>
-              <a:defRPr sz="1000"/>
+              <a:defRPr sz="900"/>
             </a:lvl6pPr>
             <a:lvl7pPr marL="2743200" indent="0">
               <a:buNone/>
-              <a:defRPr sz="1000"/>
+              <a:defRPr sz="900"/>
             </a:lvl7pPr>
             <a:lvl8pPr marL="3200400" indent="0">
               <a:buNone/>
-              <a:defRPr sz="1000"/>
+              <a:defRPr sz="900"/>
             </a:lvl8pPr>
             <a:lvl9pPr marL="3657600" indent="0">
               <a:buNone/>
-              <a:defRPr sz="1000"/>
+              <a:defRPr sz="900"/>
             </a:lvl9pPr>
           </a:lstStyle>
           <a:p>
@@ -2544,13 +3353,7 @@
       </p:sp>
       <p:sp>
         <p:nvSpPr>
-          <p:cNvPr id="5" name="Date Placeholder 4">
-            <a:extLst>
-              <a:ext uri="{FF2B5EF4-FFF2-40B4-BE49-F238E27FC236}">
-                <a16:creationId xmlns:a16="http://schemas.microsoft.com/office/drawing/2014/main" id="{9283A523-0ADF-40E2-8562-EEDB8FED0B0B}"/>
-              </a:ext>
-            </a:extLst>
-          </p:cNvPr>
+          <p:cNvPr id="5" name="Date Placeholder 4"/>
           <p:cNvSpPr>
             <a:spLocks noGrp="1"/>
           </p:cNvSpPr>
@@ -2565,7 +3368,7 @@
           <a:p>
             <a:fld id="{55E6A6CB-5F9A-49F4-B22B-493F3BBDBA0B}" type="datetimeFigureOut">
               <a:rPr lang="pt-PT" smtClean="0"/>
-              <a:t>06/02/2022</a:t>
+              <a:t>07/02/2022</a:t>
             </a:fld>
             <a:endParaRPr lang="pt-PT"/>
           </a:p>
@@ -2573,13 +3376,7 @@
       </p:sp>
       <p:sp>
         <p:nvSpPr>
-          <p:cNvPr id="6" name="Footer Placeholder 5">
-            <a:extLst>
-              <a:ext uri="{FF2B5EF4-FFF2-40B4-BE49-F238E27FC236}">
-                <a16:creationId xmlns:a16="http://schemas.microsoft.com/office/drawing/2014/main" id="{7AB21DF9-E9DC-4F42-B659-6C5DE57A3EF2}"/>
-              </a:ext>
-            </a:extLst>
-          </p:cNvPr>
+          <p:cNvPr id="6" name="Footer Placeholder 5"/>
           <p:cNvSpPr>
             <a:spLocks noGrp="1"/>
           </p:cNvSpPr>
@@ -2596,15 +3393,98 @@
           </a:p>
         </p:txBody>
       </p:sp>
-      <p:sp>
-        <p:nvSpPr>
-          <p:cNvPr id="7" name="Slide Number Placeholder 6">
-            <a:extLst>
-              <a:ext uri="{FF2B5EF4-FFF2-40B4-BE49-F238E27FC236}">
-                <a16:creationId xmlns:a16="http://schemas.microsoft.com/office/drawing/2014/main" id="{14307A4D-6BE4-4C61-A427-6B8FA1C99454}"/>
-              </a:ext>
-            </a:extLst>
-          </p:cNvPr>
+      <p:grpSp>
+        <p:nvGrpSpPr>
+          <p:cNvPr id="9" name="Group 8"/>
+          <p:cNvGrpSpPr>
+            <a:grpSpLocks noChangeAspect="1"/>
+          </p:cNvGrpSpPr>
+          <p:nvPr/>
+        </p:nvGrpSpPr>
+        <p:grpSpPr>
+          <a:xfrm>
+            <a:off x="11401725" y="6229681"/>
+            <a:ext cx="457200" cy="457200"/>
+            <a:chOff x="11361456" y="6195813"/>
+            <a:chExt cx="548640" cy="548640"/>
+          </a:xfrm>
+        </p:grpSpPr>
+        <p:sp>
+          <p:nvSpPr>
+            <p:cNvPr id="10" name="Oval 9"/>
+            <p:cNvSpPr/>
+            <p:nvPr/>
+          </p:nvSpPr>
+          <p:spPr>
+            <a:xfrm>
+              <a:off x="11361456" y="6195813"/>
+              <a:ext cx="548640" cy="548640"/>
+            </a:xfrm>
+            <a:prstGeom prst="ellipse">
+              <a:avLst/>
+            </a:prstGeom>
+            <a:blipFill dpi="0" rotWithShape="1">
+              <a:blip r:embed="rId4">
+                <a:duotone>
+                  <a:schemeClr val="accent1">
+                    <a:shade val="45000"/>
+                    <a:satMod val="135000"/>
+                  </a:schemeClr>
+                  <a:prstClr val="white"/>
+                </a:duotone>
+                <a:extLst>
+                  <a:ext uri="{BEBA8EAE-BF5A-486C-A8C5-ECC9F3942E4B}">
+                    <a14:imgProps xmlns:a14="http://schemas.microsoft.com/office/drawing/2010/main">
+                      <a14:imgLayer r:embed="rId5">
+                        <a14:imgEffect>
+                          <a14:saturation sat="95000"/>
+                        </a14:imgEffect>
+                        <a14:imgEffect>
+                          <a14:brightnessContrast bright="-40000" contrast="20000"/>
+                        </a14:imgEffect>
+                      </a14:imgLayer>
+                    </a14:imgProps>
+                  </a:ext>
+                </a:extLst>
+              </a:blip>
+              <a:srcRect/>
+              <a:tile tx="50800" ty="0" sx="85000" sy="85000" flip="none" algn="tl"/>
+            </a:blipFill>
+            <a:ln w="25400" cap="flat" cmpd="sng" algn="ctr">
+              <a:noFill/>
+              <a:prstDash val="solid"/>
+            </a:ln>
+            <a:effectLst/>
+          </p:spPr>
+        </p:sp>
+        <p:sp>
+          <p:nvSpPr>
+            <p:cNvPr id="11" name="Oval 10"/>
+            <p:cNvSpPr/>
+            <p:nvPr/>
+          </p:nvSpPr>
+          <p:spPr>
+            <a:xfrm>
+              <a:off x="11396488" y="6230844"/>
+              <a:ext cx="478576" cy="478578"/>
+            </a:xfrm>
+            <a:prstGeom prst="ellipse">
+              <a:avLst/>
+            </a:prstGeom>
+            <a:noFill/>
+            <a:ln w="12700" cap="flat" cmpd="sng" algn="ctr">
+              <a:solidFill>
+                <a:sysClr val="window" lastClr="FFFFFF"/>
+              </a:solidFill>
+              <a:prstDash val="solid"/>
+            </a:ln>
+            <a:effectLst/>
+          </p:spPr>
+        </p:sp>
+      </p:grpSp>
+      <p:sp>
+        <p:nvSpPr>
+          <p:cNvPr id="7" name="Slide Number Placeholder 6"/>
           <p:cNvSpPr>
             <a:spLocks noGrp="1"/>
           </p:cNvSpPr>
@@ -2628,7 +3508,7 @@
     </p:spTree>
     <p:extLst>
       <p:ext uri="{BB962C8B-B14F-4D97-AF65-F5344CB8AC3E}">
-        <p14:creationId xmlns:p14="http://schemas.microsoft.com/office/powerpoint/2010/main" val="3508518839"/>
+        <p14:creationId xmlns:p14="http://schemas.microsoft.com/office/powerpoint/2010/main" val="4102868607"/>
       </p:ext>
     </p:extLst>
   </p:cSld>
@@ -2639,7 +3519,7 @@
 </file>
 
 <file path=ppt/slideLayouts/slideLayout9.xml><?xml version="1.0" encoding="utf-8"?>
-<p:sldLayout xmlns:a="http://schemas.openxmlformats.org/drawingml/2006/main" xmlns:r="http://schemas.openxmlformats.org/officeDocument/2006/relationships" xmlns:p="http://schemas.openxmlformats.org/presentationml/2006/main" type="picTx" preserve="1">
+<p:sldLayout xmlns:a="http://schemas.openxmlformats.org/drawingml/2006/main" xmlns:r="http://schemas.openxmlformats.org/officeDocument/2006/relationships" xmlns:p="http://schemas.openxmlformats.org/presentationml/2006/main" showMasterSp="0" type="picTx" preserve="1">
   <p:cSld name="Picture with Caption">
     <p:spTree>
       <p:nvGrpSpPr>
@@ -2657,31 +3537,84 @@
       </p:grpSpPr>
       <p:sp>
         <p:nvSpPr>
-          <p:cNvPr id="2" name="Title 1">
-            <a:extLst>
-              <a:ext uri="{FF2B5EF4-FFF2-40B4-BE49-F238E27FC236}">
-                <a16:creationId xmlns:a16="http://schemas.microsoft.com/office/drawing/2014/main" id="{999ED585-A9A6-4E2E-9502-62F61B540A9B}"/>
-              </a:ext>
-            </a:extLst>
-          </p:cNvPr>
-          <p:cNvSpPr>
-            <a:spLocks noGrp="1"/>
-          </p:cNvSpPr>
-          <p:nvPr>
-            <p:ph type="title"/>
-          </p:nvPr>
+          <p:cNvPr id="11" name="Rectangle 10"/>
+          <p:cNvSpPr/>
+          <p:nvPr/>
         </p:nvSpPr>
         <p:spPr>
           <a:xfrm>
-            <a:off x="839788" y="457200"/>
-            <a:ext cx="3932237" cy="1600200"/>
+            <a:off x="8303740" y="0"/>
+            <a:ext cx="3888259" cy="6857999"/>
+          </a:xfrm>
+          <a:prstGeom prst="rect">
+            <a:avLst/>
+          </a:prstGeom>
+          <a:blipFill dpi="0" rotWithShape="1">
+            <a:blip r:embed="rId2">
+              <a:alphaModFix amt="60000"/>
+              <a:lum bright="70000" contrast="-70000"/>
+              <a:extLst>
+                <a:ext uri="{BEBA8EAE-BF5A-486C-A8C5-ECC9F3942E4B}">
+                  <a14:imgProps xmlns:a14="http://schemas.microsoft.com/office/drawing/2010/main">
+                    <a14:imgLayer r:embed="rId3">
+                      <a14:imgEffect>
+                        <a14:sharpenSoften amount="61000"/>
+                      </a14:imgEffect>
+                    </a14:imgLayer>
+                  </a14:imgProps>
+                </a:ext>
+                <a:ext uri="{28A0092B-C50C-407E-A947-70E740481C1C}">
+                  <a14:useLocalDpi xmlns:a14="http://schemas.microsoft.com/office/drawing/2010/main" val="0"/>
+                </a:ext>
+              </a:extLst>
+            </a:blip>
+            <a:srcRect/>
+            <a:tile tx="0" ty="-704850" sx="92000" sy="89000" flip="xy" algn="ctr"/>
+          </a:blipFill>
+          <a:ln>
+            <a:noFill/>
+          </a:ln>
+        </p:spPr>
+        <p:style>
+          <a:lnRef idx="2">
+            <a:schemeClr val="accent1">
+              <a:shade val="50000"/>
+            </a:schemeClr>
+          </a:lnRef>
+          <a:fillRef idx="1">
+            <a:schemeClr val="accent1"/>
+          </a:fillRef>
+          <a:effectRef idx="0">
+            <a:schemeClr val="accent1"/>
+          </a:effectRef>
+          <a:fontRef idx="minor">
+            <a:schemeClr val="lt1"/>
+          </a:fontRef>
+        </p:style>
+      </p:sp>
+      <p:sp>
+        <p:nvSpPr>
+          <p:cNvPr id="2" name="Title 1"/>
+          <p:cNvSpPr>
+            <a:spLocks noGrp="1"/>
+          </p:cNvSpPr>
+          <p:nvPr>
+            <p:ph type="title"/>
+          </p:nvPr>
+        </p:nvSpPr>
+        <p:spPr>
+          <a:xfrm>
+            <a:off x="8549640" y="685800"/>
+            <a:ext cx="3200400" cy="1737360"/>
           </a:xfrm>
         </p:spPr>
         <p:txBody>
-          <a:bodyPr anchor="b"/>
+          <a:bodyPr anchor="b">
+            <a:normAutofit/>
+          </a:bodyPr>
           <a:lstStyle>
             <a:lvl1pPr>
-              <a:defRPr sz="3200"/>
+              <a:defRPr sz="3200" b="1"/>
             </a:lvl1pPr>
           </a:lstStyle>
           <a:p>
@@ -2689,21 +3622,15 @@
               <a:rPr lang="en-US"/>
               <a:t>Click to edit Master title style</a:t>
             </a:r>
-            <a:endParaRPr lang="pt-PT"/>
-          </a:p>
-        </p:txBody>
-      </p:sp>
-      <p:sp>
-        <p:nvSpPr>
-          <p:cNvPr id="3" name="Picture Placeholder 2">
-            <a:extLst>
-              <a:ext uri="{FF2B5EF4-FFF2-40B4-BE49-F238E27FC236}">
-                <a16:creationId xmlns:a16="http://schemas.microsoft.com/office/drawing/2014/main" id="{80C0BF41-EBDA-494F-AC00-E3AAE8CDE34B}"/>
-              </a:ext>
-            </a:extLst>
-          </p:cNvPr>
-          <p:cNvSpPr>
-            <a:spLocks noGrp="1"/>
+            <a:endParaRPr lang="en-US" dirty="0"/>
+          </a:p>
+        </p:txBody>
+      </p:sp>
+      <p:sp>
+        <p:nvSpPr>
+          <p:cNvPr id="3" name="Picture Placeholder 2"/>
+          <p:cNvSpPr>
+            <a:spLocks noGrp="1" noChangeAspect="1"/>
           </p:cNvSpPr>
           <p:nvPr>
             <p:ph type="pic" idx="1"/>
@@ -2711,12 +3638,18 @@
         </p:nvSpPr>
         <p:spPr>
           <a:xfrm>
-            <a:off x="5183188" y="987425"/>
-            <a:ext cx="6172200" cy="4873625"/>
+            <a:off x="0" y="0"/>
+            <a:ext cx="8303740" cy="6858000"/>
           </a:xfrm>
+          <a:solidFill>
+            <a:schemeClr val="tx2">
+              <a:lumMod val="20000"/>
+              <a:lumOff val="80000"/>
+            </a:schemeClr>
+          </a:solidFill>
         </p:spPr>
         <p:txBody>
-          <a:bodyPr/>
+          <a:bodyPr anchor="t"/>
           <a:lstStyle>
             <a:lvl1pPr marL="0" indent="0">
               <a:buNone/>
@@ -2756,19 +3689,17 @@
             </a:lvl9pPr>
           </a:lstStyle>
           <a:p>
-            <a:endParaRPr lang="pt-PT"/>
-          </a:p>
-        </p:txBody>
-      </p:sp>
-      <p:sp>
-        <p:nvSpPr>
-          <p:cNvPr id="4" name="Text Placeholder 3">
-            <a:extLst>
-              <a:ext uri="{FF2B5EF4-FFF2-40B4-BE49-F238E27FC236}">
-                <a16:creationId xmlns:a16="http://schemas.microsoft.com/office/drawing/2014/main" id="{97990F8E-C40D-4A2B-BA51-D4382C2AD208}"/>
-              </a:ext>
-            </a:extLst>
-          </p:cNvPr>
+            <a:r>
+              <a:rPr lang="en-US"/>
+              <a:t>Click icon to add picture</a:t>
+            </a:r>
+            <a:endParaRPr lang="en-US" dirty="0"/>
+          </a:p>
+        </p:txBody>
+      </p:sp>
+      <p:sp>
+        <p:nvSpPr>
+          <p:cNvPr id="4" name="Text Placeholder 3"/>
           <p:cNvSpPr>
             <a:spLocks noGrp="1"/>
           </p:cNvSpPr>
@@ -2778,48 +3709,62 @@
         </p:nvSpPr>
         <p:spPr>
           <a:xfrm>
-            <a:off x="839788" y="2057400"/>
-            <a:ext cx="3932237" cy="3811588"/>
+            <a:off x="8549640" y="2423160"/>
+            <a:ext cx="3200400" cy="3291840"/>
           </a:xfrm>
         </p:spPr>
         <p:txBody>
-          <a:bodyPr/>
+          <a:bodyPr>
+            <a:normAutofit/>
+          </a:bodyPr>
           <a:lstStyle>
             <a:lvl1pPr marL="0" indent="0">
+              <a:lnSpc>
+                <a:spcPct val="100000"/>
+              </a:lnSpc>
+              <a:spcBef>
+                <a:spcPts val="1000"/>
+              </a:spcBef>
               <a:buNone/>
-              <a:defRPr sz="1600"/>
+              <a:defRPr sz="1400">
+                <a:solidFill>
+                  <a:schemeClr val="accent1">
+                    <a:lumMod val="75000"/>
+                  </a:schemeClr>
+                </a:solidFill>
+              </a:defRPr>
             </a:lvl1pPr>
             <a:lvl2pPr marL="457200" indent="0">
               <a:buNone/>
-              <a:defRPr sz="1400"/>
+              <a:defRPr sz="1200"/>
             </a:lvl2pPr>
             <a:lvl3pPr marL="914400" indent="0">
               <a:buNone/>
-              <a:defRPr sz="1200"/>
+              <a:defRPr sz="1000"/>
             </a:lvl3pPr>
             <a:lvl4pPr marL="1371600" indent="0">
               <a:buNone/>
-              <a:defRPr sz="1000"/>
+              <a:defRPr sz="900"/>
             </a:lvl4pPr>
             <a:lvl5pPr marL="1828800" indent="0">
               <a:buNone/>
-              <a:defRPr sz="1000"/>
+              <a:defRPr sz="900"/>
             </a:lvl5pPr>
             <a:lvl6pPr marL="2286000" indent="0">
               <a:buNone/>
-              <a:defRPr sz="1000"/>
+              <a:defRPr sz="900"/>
             </a:lvl6pPr>
             <a:lvl7pPr marL="2743200" indent="0">
               <a:buNone/>
-              <a:defRPr sz="1000"/>
+              <a:defRPr sz="900"/>
             </a:lvl7pPr>
             <a:lvl8pPr marL="3200400" indent="0">
               <a:buNone/>
-              <a:defRPr sz="1000"/>
+              <a:defRPr sz="900"/>
             </a:lvl8pPr>
             <a:lvl9pPr marL="3657600" indent="0">
               <a:buNone/>
-              <a:defRPr sz="1000"/>
+              <a:defRPr sz="900"/>
             </a:lvl9pPr>
           </a:lstStyle>
           <a:p>
@@ -2833,13 +3778,7 @@
       </p:sp>
       <p:sp>
         <p:nvSpPr>
-          <p:cNvPr id="5" name="Date Placeholder 4">
-            <a:extLst>
-              <a:ext uri="{FF2B5EF4-FFF2-40B4-BE49-F238E27FC236}">
-                <a16:creationId xmlns:a16="http://schemas.microsoft.com/office/drawing/2014/main" id="{FD84B454-9ACB-40A7-857D-E2E2E2ECE2E4}"/>
-              </a:ext>
-            </a:extLst>
-          </p:cNvPr>
+          <p:cNvPr id="5" name="Date Placeholder 4"/>
           <p:cNvSpPr>
             <a:spLocks noGrp="1"/>
           </p:cNvSpPr>
@@ -2854,46 +3793,104 @@
           <a:p>
             <a:fld id="{55E6A6CB-5F9A-49F4-B22B-493F3BBDBA0B}" type="datetimeFigureOut">
               <a:rPr lang="pt-PT" smtClean="0"/>
-              <a:t>06/02/2022</a:t>
+              <a:t>07/02/2022</a:t>
             </a:fld>
             <a:endParaRPr lang="pt-PT"/>
           </a:p>
         </p:txBody>
       </p:sp>
-      <p:sp>
-        <p:nvSpPr>
-          <p:cNvPr id="6" name="Footer Placeholder 5">
-            <a:extLst>
-              <a:ext uri="{FF2B5EF4-FFF2-40B4-BE49-F238E27FC236}">
-                <a16:creationId xmlns:a16="http://schemas.microsoft.com/office/drawing/2014/main" id="{F8625CAC-565F-42BB-9C24-51633E082928}"/>
-              </a:ext>
-            </a:extLst>
-          </p:cNvPr>
-          <p:cNvSpPr>
-            <a:spLocks noGrp="1"/>
-          </p:cNvSpPr>
-          <p:nvPr>
-            <p:ph type="ftr" sz="quarter" idx="11"/>
-          </p:nvPr>
-        </p:nvSpPr>
-        <p:spPr/>
-        <p:txBody>
-          <a:bodyPr/>
-          <a:lstStyle/>
-          <a:p>
-            <a:endParaRPr lang="pt-PT"/>
-          </a:p>
-        </p:txBody>
-      </p:sp>
-      <p:sp>
-        <p:nvSpPr>
-          <p:cNvPr id="7" name="Slide Number Placeholder 6">
-            <a:extLst>
-              <a:ext uri="{FF2B5EF4-FFF2-40B4-BE49-F238E27FC236}">
-                <a16:creationId xmlns:a16="http://schemas.microsoft.com/office/drawing/2014/main" id="{D2163411-7672-4C3D-B51F-D508A5401E1B}"/>
-              </a:ext>
-            </a:extLst>
-          </p:cNvPr>
+      <p:grpSp>
+        <p:nvGrpSpPr>
+          <p:cNvPr id="8" name="Group 7"/>
+          <p:cNvGrpSpPr>
+            <a:grpSpLocks noChangeAspect="1"/>
+          </p:cNvGrpSpPr>
+          <p:nvPr/>
+        </p:nvGrpSpPr>
+        <p:grpSpPr>
+          <a:xfrm>
+            <a:off x="11401725" y="6229681"/>
+            <a:ext cx="457200" cy="457200"/>
+            <a:chOff x="11361456" y="6195813"/>
+            <a:chExt cx="548640" cy="548640"/>
+          </a:xfrm>
+        </p:grpSpPr>
+        <p:sp>
+          <p:nvSpPr>
+            <p:cNvPr id="9" name="Oval 8"/>
+            <p:cNvSpPr/>
+            <p:nvPr/>
+          </p:nvSpPr>
+          <p:spPr>
+            <a:xfrm>
+              <a:off x="11361456" y="6195813"/>
+              <a:ext cx="548640" cy="548640"/>
+            </a:xfrm>
+            <a:prstGeom prst="ellipse">
+              <a:avLst/>
+            </a:prstGeom>
+            <a:blipFill dpi="0" rotWithShape="1">
+              <a:blip r:embed="rId4">
+                <a:duotone>
+                  <a:schemeClr val="accent1">
+                    <a:shade val="45000"/>
+                    <a:satMod val="135000"/>
+                  </a:schemeClr>
+                  <a:prstClr val="white"/>
+                </a:duotone>
+                <a:extLst>
+                  <a:ext uri="{BEBA8EAE-BF5A-486C-A8C5-ECC9F3942E4B}">
+                    <a14:imgProps xmlns:a14="http://schemas.microsoft.com/office/drawing/2010/main">
+                      <a14:imgLayer r:embed="rId5">
+                        <a14:imgEffect>
+                          <a14:saturation sat="95000"/>
+                        </a14:imgEffect>
+                        <a14:imgEffect>
+                          <a14:brightnessContrast bright="-40000" contrast="20000"/>
+                        </a14:imgEffect>
+                      </a14:imgLayer>
+                    </a14:imgProps>
+                  </a:ext>
+                </a:extLst>
+              </a:blip>
+              <a:srcRect/>
+              <a:tile tx="50800" ty="0" sx="85000" sy="85000" flip="none" algn="tl"/>
+            </a:blipFill>
+            <a:ln w="25400" cap="flat" cmpd="sng" algn="ctr">
+              <a:noFill/>
+              <a:prstDash val="solid"/>
+            </a:ln>
+            <a:effectLst/>
+          </p:spPr>
+        </p:sp>
+        <p:sp>
+          <p:nvSpPr>
+            <p:cNvPr id="10" name="Oval 9"/>
+            <p:cNvSpPr/>
+            <p:nvPr/>
+          </p:nvSpPr>
+          <p:spPr>
+            <a:xfrm>
+              <a:off x="11396488" y="6230844"/>
+              <a:ext cx="478576" cy="478578"/>
+            </a:xfrm>
+            <a:prstGeom prst="ellipse">
+              <a:avLst/>
+            </a:prstGeom>
+            <a:noFill/>
+            <a:ln w="12700" cap="flat" cmpd="sng" algn="ctr">
+              <a:solidFill>
+                <a:sysClr val="window" lastClr="FFFFFF"/>
+              </a:solidFill>
+              <a:prstDash val="solid"/>
+            </a:ln>
+            <a:effectLst/>
+          </p:spPr>
+        </p:sp>
+      </p:grpSp>
+      <p:sp>
+        <p:nvSpPr>
+          <p:cNvPr id="7" name="Slide Number Placeholder 6"/>
           <p:cNvSpPr>
             <a:spLocks noGrp="1"/>
           </p:cNvSpPr>
@@ -2917,7 +3914,7 @@
     </p:spTree>
     <p:extLst>
       <p:ext uri="{BB962C8B-B14F-4D97-AF65-F5344CB8AC3E}">
-        <p14:creationId xmlns:p14="http://schemas.microsoft.com/office/powerpoint/2010/main" val="4243946826"/>
+        <p14:creationId xmlns:p14="http://schemas.microsoft.com/office/powerpoint/2010/main" val="840563080"/>
       </p:ext>
     </p:extLst>
   </p:cSld>
@@ -2951,13 +3948,7 @@
       </p:grpSpPr>
       <p:sp>
         <p:nvSpPr>
-          <p:cNvPr id="2" name="Title Placeholder 1">
-            <a:extLst>
-              <a:ext uri="{FF2B5EF4-FFF2-40B4-BE49-F238E27FC236}">
-                <a16:creationId xmlns:a16="http://schemas.microsoft.com/office/drawing/2014/main" id="{AF017B23-7BEC-481A-B6C0-11CF3F2A05A7}"/>
-              </a:ext>
-            </a:extLst>
-          </p:cNvPr>
+          <p:cNvPr id="2" name="Title Placeholder 1"/>
           <p:cNvSpPr>
             <a:spLocks noGrp="1"/>
           </p:cNvSpPr>
@@ -2967,8 +3958,8 @@
         </p:nvSpPr>
         <p:spPr>
           <a:xfrm>
-            <a:off x="838200" y="365125"/>
-            <a:ext cx="10515600" cy="1325563"/>
+            <a:off x="1069848" y="484632"/>
+            <a:ext cx="10058400" cy="1609344"/>
           </a:xfrm>
           <a:prstGeom prst="rect">
             <a:avLst/>
@@ -2984,19 +3975,13 @@
               <a:rPr lang="en-US"/>
               <a:t>Click to edit Master title style</a:t>
             </a:r>
-            <a:endParaRPr lang="pt-PT"/>
-          </a:p>
-        </p:txBody>
-      </p:sp>
-      <p:sp>
-        <p:nvSpPr>
-          <p:cNvPr id="3" name="Text Placeholder 2">
-            <a:extLst>
-              <a:ext uri="{FF2B5EF4-FFF2-40B4-BE49-F238E27FC236}">
-                <a16:creationId xmlns:a16="http://schemas.microsoft.com/office/drawing/2014/main" id="{BC0F5079-643F-4BF5-ACD2-9FB97AE60896}"/>
-              </a:ext>
-            </a:extLst>
-          </p:cNvPr>
+            <a:endParaRPr lang="en-US" dirty="0"/>
+          </a:p>
+        </p:txBody>
+      </p:sp>
+      <p:sp>
+        <p:nvSpPr>
+          <p:cNvPr id="3" name="Text Placeholder 2"/>
           <p:cNvSpPr>
             <a:spLocks noGrp="1"/>
           </p:cNvSpPr>
@@ -3006,8 +3991,8 @@
         </p:nvSpPr>
         <p:spPr>
           <a:xfrm>
-            <a:off x="838200" y="1825625"/>
-            <a:ext cx="10515600" cy="4351338"/>
+            <a:off x="1069848" y="2121408"/>
+            <a:ext cx="10058400" cy="4050792"/>
           </a:xfrm>
           <a:prstGeom prst="rect">
             <a:avLst/>
@@ -3052,19 +4037,13 @@
               <a:rPr lang="en-US"/>
               <a:t>Fifth level</a:t>
             </a:r>
-            <a:endParaRPr lang="pt-PT"/>
-          </a:p>
-        </p:txBody>
-      </p:sp>
-      <p:sp>
-        <p:nvSpPr>
-          <p:cNvPr id="4" name="Date Placeholder 3">
-            <a:extLst>
-              <a:ext uri="{FF2B5EF4-FFF2-40B4-BE49-F238E27FC236}">
-                <a16:creationId xmlns:a16="http://schemas.microsoft.com/office/drawing/2014/main" id="{DB3D5305-4977-4CC9-9777-60518D906F05}"/>
-              </a:ext>
-            </a:extLst>
-          </p:cNvPr>
+            <a:endParaRPr lang="en-US" dirty="0"/>
+          </a:p>
+        </p:txBody>
+      </p:sp>
+      <p:sp>
+        <p:nvSpPr>
+          <p:cNvPr id="4" name="Date Placeholder 3"/>
           <p:cNvSpPr>
             <a:spLocks noGrp="1"/>
           </p:cNvSpPr>
@@ -3074,8 +4053,8 @@
         </p:nvSpPr>
         <p:spPr>
           <a:xfrm>
-            <a:off x="838200" y="6356350"/>
-            <a:ext cx="2743200" cy="365125"/>
+            <a:off x="7964424" y="6272784"/>
+            <a:ext cx="3273552" cy="365125"/>
           </a:xfrm>
           <a:prstGeom prst="rect">
             <a:avLst/>
@@ -3084,12 +4063,10 @@
         <p:txBody>
           <a:bodyPr vert="horz" lIns="91440" tIns="45720" rIns="91440" bIns="45720" rtlCol="0" anchor="ctr"/>
           <a:lstStyle>
-            <a:lvl1pPr algn="l">
-              <a:defRPr sz="1200">
+            <a:lvl1pPr algn="r">
+              <a:defRPr sz="1100">
                 <a:solidFill>
-                  <a:schemeClr val="tx1">
-                    <a:tint val="75000"/>
-                  </a:schemeClr>
+                  <a:schemeClr val="tx2"/>
                 </a:solidFill>
               </a:defRPr>
             </a:lvl1pPr>
@@ -3097,7 +4074,7 @@
           <a:p>
             <a:fld id="{55E6A6CB-5F9A-49F4-B22B-493F3BBDBA0B}" type="datetimeFigureOut">
               <a:rPr lang="pt-PT" smtClean="0"/>
-              <a:t>06/02/2022</a:t>
+              <a:t>07/02/2022</a:t>
             </a:fld>
             <a:endParaRPr lang="pt-PT"/>
           </a:p>
@@ -3105,13 +4082,7 @@
       </p:sp>
       <p:sp>
         <p:nvSpPr>
-          <p:cNvPr id="5" name="Footer Placeholder 4">
-            <a:extLst>
-              <a:ext uri="{FF2B5EF4-FFF2-40B4-BE49-F238E27FC236}">
-                <a16:creationId xmlns:a16="http://schemas.microsoft.com/office/drawing/2014/main" id="{4599A78F-99BB-46BC-86D8-772E58FFF386}"/>
-              </a:ext>
-            </a:extLst>
-          </p:cNvPr>
+          <p:cNvPr id="5" name="Footer Placeholder 4"/>
           <p:cNvSpPr>
             <a:spLocks noGrp="1"/>
           </p:cNvSpPr>
@@ -3121,8 +4092,8 @@
         </p:nvSpPr>
         <p:spPr>
           <a:xfrm>
-            <a:off x="4038600" y="6356350"/>
-            <a:ext cx="4114800" cy="365125"/>
+            <a:off x="1088136" y="6272784"/>
+            <a:ext cx="6327648" cy="365125"/>
           </a:xfrm>
           <a:prstGeom prst="rect">
             <a:avLst/>
@@ -3131,12 +4102,10 @@
         <p:txBody>
           <a:bodyPr vert="horz" lIns="91440" tIns="45720" rIns="91440" bIns="45720" rtlCol="0" anchor="ctr"/>
           <a:lstStyle>
-            <a:lvl1pPr algn="ctr">
-              <a:defRPr sz="1200">
+            <a:lvl1pPr algn="l">
+              <a:defRPr sz="1100">
                 <a:solidFill>
-                  <a:schemeClr val="tx1">
-                    <a:tint val="75000"/>
-                  </a:schemeClr>
+                  <a:schemeClr val="tx2"/>
                 </a:solidFill>
               </a:defRPr>
             </a:lvl1pPr>
@@ -3146,15 +4115,98 @@
           </a:p>
         </p:txBody>
       </p:sp>
-      <p:sp>
-        <p:nvSpPr>
-          <p:cNvPr id="6" name="Slide Number Placeholder 5">
-            <a:extLst>
-              <a:ext uri="{FF2B5EF4-FFF2-40B4-BE49-F238E27FC236}">
-                <a16:creationId xmlns:a16="http://schemas.microsoft.com/office/drawing/2014/main" id="{16017700-04BE-4C14-B0C8-56080676D77B}"/>
-              </a:ext>
-            </a:extLst>
-          </p:cNvPr>
+      <p:grpSp>
+        <p:nvGrpSpPr>
+          <p:cNvPr id="7" name="Group 6"/>
+          <p:cNvGrpSpPr>
+            <a:grpSpLocks noChangeAspect="1"/>
+          </p:cNvGrpSpPr>
+          <p:nvPr/>
+        </p:nvGrpSpPr>
+        <p:grpSpPr>
+          <a:xfrm>
+            <a:off x="11401725" y="6229681"/>
+            <a:ext cx="457200" cy="457200"/>
+            <a:chOff x="11361456" y="6195813"/>
+            <a:chExt cx="548640" cy="548640"/>
+          </a:xfrm>
+        </p:grpSpPr>
+        <p:sp>
+          <p:nvSpPr>
+            <p:cNvPr id="8" name="Oval 7"/>
+            <p:cNvSpPr/>
+            <p:nvPr/>
+          </p:nvSpPr>
+          <p:spPr>
+            <a:xfrm>
+              <a:off x="11361456" y="6195813"/>
+              <a:ext cx="548640" cy="548640"/>
+            </a:xfrm>
+            <a:prstGeom prst="ellipse">
+              <a:avLst/>
+            </a:prstGeom>
+            <a:blipFill dpi="0" rotWithShape="1">
+              <a:blip r:embed="rId13">
+                <a:duotone>
+                  <a:schemeClr val="accent1">
+                    <a:shade val="45000"/>
+                    <a:satMod val="135000"/>
+                  </a:schemeClr>
+                  <a:prstClr val="white"/>
+                </a:duotone>
+                <a:extLst>
+                  <a:ext uri="{BEBA8EAE-BF5A-486C-A8C5-ECC9F3942E4B}">
+                    <a14:imgProps xmlns:a14="http://schemas.microsoft.com/office/drawing/2010/main">
+                      <a14:imgLayer r:embed="rId14">
+                        <a14:imgEffect>
+                          <a14:saturation sat="95000"/>
+                        </a14:imgEffect>
+                        <a14:imgEffect>
+                          <a14:brightnessContrast bright="-40000" contrast="20000"/>
+                        </a14:imgEffect>
+                      </a14:imgLayer>
+                    </a14:imgProps>
+                  </a:ext>
+                </a:extLst>
+              </a:blip>
+              <a:srcRect/>
+              <a:tile tx="50800" ty="0" sx="85000" sy="85000" flip="none" algn="tl"/>
+            </a:blipFill>
+            <a:ln w="25400" cap="flat" cmpd="sng" algn="ctr">
+              <a:noFill/>
+              <a:prstDash val="solid"/>
+            </a:ln>
+            <a:effectLst/>
+          </p:spPr>
+        </p:sp>
+        <p:sp>
+          <p:nvSpPr>
+            <p:cNvPr id="9" name="Oval 8"/>
+            <p:cNvSpPr/>
+            <p:nvPr/>
+          </p:nvSpPr>
+          <p:spPr>
+            <a:xfrm>
+              <a:off x="11396488" y="6230844"/>
+              <a:ext cx="478576" cy="478578"/>
+            </a:xfrm>
+            <a:prstGeom prst="ellipse">
+              <a:avLst/>
+            </a:prstGeom>
+            <a:noFill/>
+            <a:ln w="12700" cap="flat" cmpd="sng" algn="ctr">
+              <a:solidFill>
+                <a:srgbClr val="FFFFFF"/>
+              </a:solidFill>
+              <a:prstDash val="solid"/>
+            </a:ln>
+            <a:effectLst/>
+          </p:spPr>
+        </p:sp>
+      </p:grpSp>
+      <p:sp>
+        <p:nvSpPr>
+          <p:cNvPr id="6" name="Slide Number Placeholder 5"/>
           <p:cNvSpPr>
             <a:spLocks noGrp="1"/>
           </p:cNvSpPr>
@@ -3164,8 +4216,8 @@
         </p:nvSpPr>
         <p:spPr>
           <a:xfrm>
-            <a:off x="8610600" y="6356350"/>
-            <a:ext cx="2743200" cy="365125"/>
+            <a:off x="11311128" y="6272784"/>
+            <a:ext cx="640080" cy="365125"/>
           </a:xfrm>
           <a:prstGeom prst="rect">
             <a:avLst/>
@@ -3174,13 +4226,12 @@
         <p:txBody>
           <a:bodyPr vert="horz" lIns="91440" tIns="45720" rIns="91440" bIns="45720" rtlCol="0" anchor="ctr"/>
           <a:lstStyle>
-            <a:lvl1pPr algn="r">
-              <a:defRPr sz="1200">
+            <a:lvl1pPr algn="ctr">
+              <a:defRPr sz="1400" b="1">
                 <a:solidFill>
-                  <a:schemeClr val="tx1">
-                    <a:tint val="75000"/>
-                  </a:schemeClr>
+                  <a:srgbClr val="FFFFFF"/>
                 </a:solidFill>
+                <a:latin typeface="+mj-lt"/>
               </a:defRPr>
             </a:lvl1pPr>
           </a:lstStyle>
@@ -3196,23 +4247,23 @@
     </p:spTree>
     <p:extLst>
       <p:ext uri="{BB962C8B-B14F-4D97-AF65-F5344CB8AC3E}">
-        <p14:creationId xmlns:p14="http://schemas.microsoft.com/office/powerpoint/2010/main" val="128575462"/>
+        <p14:creationId xmlns:p14="http://schemas.microsoft.com/office/powerpoint/2010/main" val="3968653740"/>
       </p:ext>
     </p:extLst>
   </p:cSld>
   <p:clrMap bg1="lt1" tx1="dk1" bg2="lt2" tx2="dk2" accent1="accent1" accent2="accent2" accent3="accent3" accent4="accent4" accent5="accent5" accent6="accent6" hlink="hlink" folHlink="folHlink"/>
   <p:sldLayoutIdLst>
-    <p:sldLayoutId id="2147483649" r:id="rId1"/>
-    <p:sldLayoutId id="2147483650" r:id="rId2"/>
-    <p:sldLayoutId id="2147483651" r:id="rId3"/>
-    <p:sldLayoutId id="2147483652" r:id="rId4"/>
-    <p:sldLayoutId id="2147483653" r:id="rId5"/>
-    <p:sldLayoutId id="2147483654" r:id="rId6"/>
-    <p:sldLayoutId id="2147483655" r:id="rId7"/>
-    <p:sldLayoutId id="2147483656" r:id="rId8"/>
-    <p:sldLayoutId id="2147483657" r:id="rId9"/>
-    <p:sldLayoutId id="2147483658" r:id="rId10"/>
-    <p:sldLayoutId id="2147483659" r:id="rId11"/>
+    <p:sldLayoutId id="2147483661" r:id="rId1"/>
+    <p:sldLayoutId id="2147483662" r:id="rId2"/>
+    <p:sldLayoutId id="2147483663" r:id="rId3"/>
+    <p:sldLayoutId id="2147483664" r:id="rId4"/>
+    <p:sldLayoutId id="2147483665" r:id="rId5"/>
+    <p:sldLayoutId id="2147483666" r:id="rId6"/>
+    <p:sldLayoutId id="2147483667" r:id="rId7"/>
+    <p:sldLayoutId id="2147483668" r:id="rId8"/>
+    <p:sldLayoutId id="2147483669" r:id="rId9"/>
+    <p:sldLayoutId id="2147483670" r:id="rId10"/>
+    <p:sldLayoutId id="2147483671" r:id="rId11"/>
   </p:sldLayoutIdLst>
   <p:txStyles>
     <p:titleStyle>
@@ -3224,10 +4275,17 @@
           <a:spcPct val="0"/>
         </a:spcBef>
         <a:buNone/>
-        <a:defRPr sz="4400" kern="1200">
-          <a:solidFill>
-            <a:schemeClr val="tx1"/>
-          </a:solidFill>
+        <a:defRPr sz="5400" kern="1200" cap="all" baseline="0">
+          <a:blipFill>
+            <a:blip r:embed="rId15">
+              <a:extLst>
+                <a:ext uri="{28A0092B-C50C-407E-A947-70E740481C1C}">
+                  <a14:useLocalDpi xmlns:a14="http://schemas.microsoft.com/office/drawing/2010/main" val="0"/>
+                </a:ext>
+              </a:extLst>
+            </a:blip>
+            <a:tile tx="6350" ty="-127000" sx="65000" sy="64000" flip="none" algn="tl"/>
+          </a:blipFill>
           <a:latin typeface="+mj-lt"/>
           <a:ea typeface="+mj-ea"/>
           <a:cs typeface="+mj-cs"/>
@@ -3235,16 +4293,22 @@
       </a:lvl1pPr>
     </p:titleStyle>
     <p:bodyStyle>
-      <a:lvl1pPr marL="228600" indent="-228600" algn="l" defTabSz="914400" rtl="0" eaLnBrk="1" latinLnBrk="0" hangingPunct="1">
+      <a:lvl1pPr marL="182880" indent="-182880" algn="l" defTabSz="914400" rtl="0" eaLnBrk="1" latinLnBrk="0" hangingPunct="1">
         <a:lnSpc>
           <a:spcPct val="90000"/>
         </a:lnSpc>
         <a:spcBef>
-          <a:spcPts val="1000"/>
+          <a:spcPts val="1200"/>
         </a:spcBef>
-        <a:buFont typeface="Arial" panose="020B0604020202020204" pitchFamily="34" charset="0"/>
-        <a:buChar char="•"/>
-        <a:defRPr sz="2800" kern="1200">
+        <a:buClr>
+          <a:schemeClr val="accent1">
+            <a:lumMod val="75000"/>
+          </a:schemeClr>
+        </a:buClr>
+        <a:buSzPct val="85000"/>
+        <a:buFont typeface="Wingdings" pitchFamily="2" charset="2"/>
+        <a:buChar char="§"/>
+        <a:defRPr sz="2000" kern="1200">
           <a:solidFill>
             <a:schemeClr val="tx1"/>
           </a:solidFill>
@@ -3253,16 +4317,25 @@
           <a:cs typeface="+mn-cs"/>
         </a:defRPr>
       </a:lvl1pPr>
-      <a:lvl2pPr marL="685800" indent="-228600" algn="l" defTabSz="914400" rtl="0" eaLnBrk="1" latinLnBrk="0" hangingPunct="1">
+      <a:lvl2pPr marL="457200" indent="-182880" algn="l" defTabSz="914400" rtl="0" eaLnBrk="1" latinLnBrk="0" hangingPunct="1">
         <a:lnSpc>
           <a:spcPct val="90000"/>
         </a:lnSpc>
         <a:spcBef>
-          <a:spcPts val="500"/>
+          <a:spcPts val="400"/>
         </a:spcBef>
-        <a:buFont typeface="Arial" panose="020B0604020202020204" pitchFamily="34" charset="0"/>
-        <a:buChar char="•"/>
-        <a:defRPr sz="2400" kern="1200">
+        <a:spcAft>
+          <a:spcPts val="200"/>
+        </a:spcAft>
+        <a:buClr>
+          <a:schemeClr val="accent1">
+            <a:lumMod val="75000"/>
+          </a:schemeClr>
+        </a:buClr>
+        <a:buSzPct val="85000"/>
+        <a:buFont typeface="Wingdings" pitchFamily="2" charset="2"/>
+        <a:buChar char="§"/>
+        <a:defRPr sz="1800" kern="1200">
           <a:solidFill>
             <a:schemeClr val="tx1"/>
           </a:solidFill>
@@ -3271,16 +4344,25 @@
           <a:cs typeface="+mn-cs"/>
         </a:defRPr>
       </a:lvl2pPr>
-      <a:lvl3pPr marL="1143000" indent="-228600" algn="l" defTabSz="914400" rtl="0" eaLnBrk="1" latinLnBrk="0" hangingPunct="1">
+      <a:lvl3pPr marL="731520" indent="-182880" algn="l" defTabSz="914400" rtl="0" eaLnBrk="1" latinLnBrk="0" hangingPunct="1">
         <a:lnSpc>
           <a:spcPct val="90000"/>
         </a:lnSpc>
         <a:spcBef>
-          <a:spcPts val="500"/>
+          <a:spcPts val="400"/>
         </a:spcBef>
-        <a:buFont typeface="Arial" panose="020B0604020202020204" pitchFamily="34" charset="0"/>
-        <a:buChar char="•"/>
-        <a:defRPr sz="2000" kern="1200">
+        <a:spcAft>
+          <a:spcPts val="200"/>
+        </a:spcAft>
+        <a:buClr>
+          <a:schemeClr val="accent1">
+            <a:lumMod val="75000"/>
+          </a:schemeClr>
+        </a:buClr>
+        <a:buSzPct val="85000"/>
+        <a:buFont typeface="Wingdings" pitchFamily="2" charset="2"/>
+        <a:buChar char="§"/>
+        <a:defRPr sz="1600" kern="1200">
           <a:solidFill>
             <a:schemeClr val="tx1"/>
           </a:solidFill>
@@ -3289,16 +4371,25 @@
           <a:cs typeface="+mn-cs"/>
         </a:defRPr>
       </a:lvl3pPr>
-      <a:lvl4pPr marL="1600200" indent="-228600" algn="l" defTabSz="914400" rtl="0" eaLnBrk="1" latinLnBrk="0" hangingPunct="1">
+      <a:lvl4pPr marL="1005840" indent="-182880" algn="l" defTabSz="914400" rtl="0" eaLnBrk="1" latinLnBrk="0" hangingPunct="1">
         <a:lnSpc>
           <a:spcPct val="90000"/>
         </a:lnSpc>
         <a:spcBef>
-          <a:spcPts val="500"/>
+          <a:spcPts val="400"/>
         </a:spcBef>
-        <a:buFont typeface="Arial" panose="020B0604020202020204" pitchFamily="34" charset="0"/>
-        <a:buChar char="•"/>
-        <a:defRPr sz="1800" kern="1200">
+        <a:spcAft>
+          <a:spcPts val="200"/>
+        </a:spcAft>
+        <a:buClr>
+          <a:schemeClr val="accent1">
+            <a:lumMod val="75000"/>
+          </a:schemeClr>
+        </a:buClr>
+        <a:buSzPct val="85000"/>
+        <a:buFont typeface="Wingdings" pitchFamily="2" charset="2"/>
+        <a:buChar char="§"/>
+        <a:defRPr sz="1600" kern="1200">
           <a:solidFill>
             <a:schemeClr val="tx1"/>
           </a:solidFill>
@@ -3307,16 +4398,25 @@
           <a:cs typeface="+mn-cs"/>
         </a:defRPr>
       </a:lvl4pPr>
-      <a:lvl5pPr marL="2057400" indent="-228600" algn="l" defTabSz="914400" rtl="0" eaLnBrk="1" latinLnBrk="0" hangingPunct="1">
+      <a:lvl5pPr marL="1280160" indent="-182880" algn="l" defTabSz="914400" rtl="0" eaLnBrk="1" latinLnBrk="0" hangingPunct="1">
         <a:lnSpc>
           <a:spcPct val="90000"/>
         </a:lnSpc>
         <a:spcBef>
-          <a:spcPts val="500"/>
+          <a:spcPts val="400"/>
         </a:spcBef>
-        <a:buFont typeface="Arial" panose="020B0604020202020204" pitchFamily="34" charset="0"/>
-        <a:buChar char="•"/>
-        <a:defRPr sz="1800" kern="1200">
+        <a:spcAft>
+          <a:spcPts val="200"/>
+        </a:spcAft>
+        <a:buClr>
+          <a:schemeClr val="accent1">
+            <a:lumMod val="75000"/>
+          </a:schemeClr>
+        </a:buClr>
+        <a:buSzPct val="85000"/>
+        <a:buFont typeface="Wingdings" pitchFamily="2" charset="2"/>
+        <a:buChar char="§"/>
+        <a:defRPr sz="1600" kern="1200">
           <a:solidFill>
             <a:schemeClr val="tx1"/>
           </a:solidFill>
@@ -3325,16 +4425,25 @@
           <a:cs typeface="+mn-cs"/>
         </a:defRPr>
       </a:lvl5pPr>
-      <a:lvl6pPr marL="2514600" indent="-228600" algn="l" defTabSz="914400" rtl="0" eaLnBrk="1" latinLnBrk="0" hangingPunct="1">
+      <a:lvl6pPr marL="1600000" indent="-228600" algn="l" defTabSz="914400" rtl="0" eaLnBrk="1" latinLnBrk="0" hangingPunct="1">
         <a:lnSpc>
           <a:spcPct val="90000"/>
         </a:lnSpc>
         <a:spcBef>
-          <a:spcPts val="500"/>
+          <a:spcPts val="400"/>
         </a:spcBef>
-        <a:buFont typeface="Arial" panose="020B0604020202020204" pitchFamily="34" charset="0"/>
-        <a:buChar char="•"/>
-        <a:defRPr sz="1800" kern="1200">
+        <a:spcAft>
+          <a:spcPts val="200"/>
+        </a:spcAft>
+        <a:buClr>
+          <a:schemeClr val="accent1">
+            <a:lumMod val="75000"/>
+          </a:schemeClr>
+        </a:buClr>
+        <a:buSzPct val="85000"/>
+        <a:buFont typeface="Wingdings" pitchFamily="2" charset="2"/>
+        <a:buChar char="§"/>
+        <a:defRPr sz="1600" kern="1200">
           <a:solidFill>
             <a:schemeClr val="tx1"/>
           </a:solidFill>
@@ -3343,16 +4452,25 @@
           <a:cs typeface="+mn-cs"/>
         </a:defRPr>
       </a:lvl6pPr>
-      <a:lvl7pPr marL="2971800" indent="-228600" algn="l" defTabSz="914400" rtl="0" eaLnBrk="1" latinLnBrk="0" hangingPunct="1">
+      <a:lvl7pPr marL="1900000" indent="-228600" algn="l" defTabSz="914400" rtl="0" eaLnBrk="1" latinLnBrk="0" hangingPunct="1">
         <a:lnSpc>
           <a:spcPct val="90000"/>
         </a:lnSpc>
         <a:spcBef>
-          <a:spcPts val="500"/>
+          <a:spcPts val="400"/>
         </a:spcBef>
-        <a:buFont typeface="Arial" panose="020B0604020202020204" pitchFamily="34" charset="0"/>
-        <a:buChar char="•"/>
-        <a:defRPr sz="1800" kern="1200">
+        <a:spcAft>
+          <a:spcPts val="200"/>
+        </a:spcAft>
+        <a:buClr>
+          <a:schemeClr val="accent1">
+            <a:lumMod val="75000"/>
+          </a:schemeClr>
+        </a:buClr>
+        <a:buSzPct val="85000"/>
+        <a:buFont typeface="Wingdings" pitchFamily="2" charset="2"/>
+        <a:buChar char="§"/>
+        <a:defRPr sz="1600" kern="1200">
           <a:solidFill>
             <a:schemeClr val="tx1"/>
           </a:solidFill>
@@ -3361,16 +4479,25 @@
           <a:cs typeface="+mn-cs"/>
         </a:defRPr>
       </a:lvl7pPr>
-      <a:lvl8pPr marL="3429000" indent="-228600" algn="l" defTabSz="914400" rtl="0" eaLnBrk="1" latinLnBrk="0" hangingPunct="1">
+      <a:lvl8pPr marL="2200000" indent="-228600" algn="l" defTabSz="914400" rtl="0" eaLnBrk="1" latinLnBrk="0" hangingPunct="1">
         <a:lnSpc>
           <a:spcPct val="90000"/>
         </a:lnSpc>
         <a:spcBef>
-          <a:spcPts val="500"/>
+          <a:spcPts val="400"/>
         </a:spcBef>
-        <a:buFont typeface="Arial" panose="020B0604020202020204" pitchFamily="34" charset="0"/>
-        <a:buChar char="•"/>
-        <a:defRPr sz="1800" kern="1200">
+        <a:spcAft>
+          <a:spcPts val="200"/>
+        </a:spcAft>
+        <a:buClr>
+          <a:schemeClr val="accent1">
+            <a:lumMod val="75000"/>
+          </a:schemeClr>
+        </a:buClr>
+        <a:buSzPct val="85000"/>
+        <a:buFont typeface="Wingdings" pitchFamily="2" charset="2"/>
+        <a:buChar char="§"/>
+        <a:defRPr sz="1600" kern="1200">
           <a:solidFill>
             <a:schemeClr val="tx1"/>
           </a:solidFill>
@@ -3379,16 +4506,25 @@
           <a:cs typeface="+mn-cs"/>
         </a:defRPr>
       </a:lvl8pPr>
-      <a:lvl9pPr marL="3886200" indent="-228600" algn="l" defTabSz="914400" rtl="0" eaLnBrk="1" latinLnBrk="0" hangingPunct="1">
+      <a:lvl9pPr marL="2500000" indent="-228600" algn="l" defTabSz="914400" rtl="0" eaLnBrk="1" latinLnBrk="0" hangingPunct="1">
         <a:lnSpc>
           <a:spcPct val="90000"/>
         </a:lnSpc>
         <a:spcBef>
-          <a:spcPts val="500"/>
+          <a:spcPts val="400"/>
         </a:spcBef>
-        <a:buFont typeface="Arial" panose="020B0604020202020204" pitchFamily="34" charset="0"/>
-        <a:buChar char="•"/>
-        <a:defRPr sz="1800" kern="1200">
+        <a:spcAft>
+          <a:spcPts val="200"/>
+        </a:spcAft>
+        <a:buClr>
+          <a:schemeClr val="accent1">
+            <a:lumMod val="75000"/>
+          </a:schemeClr>
+        </a:buClr>
+        <a:buSzPct val="85000"/>
+        <a:buFont typeface="Wingdings" pitchFamily="2" charset="2"/>
+        <a:buChar char="§"/>
+        <a:defRPr sz="1600" kern="1200">
           <a:solidFill>
             <a:schemeClr val="tx1"/>
           </a:solidFill>
@@ -3400,7 +4536,7 @@
     </p:bodyStyle>
     <p:otherStyle>
       <a:defPPr>
-        <a:defRPr lang="pt-PT"/>
+        <a:defRPr lang="en-US"/>
       </a:defPPr>
       <a:lvl1pPr marL="0" algn="l" defTabSz="914400" rtl="0" eaLnBrk="1" latinLnBrk="0" hangingPunct="1">
         <a:defRPr sz="1800" kern="1200">
@@ -3535,31 +4671,18 @@
           <a:bodyPr/>
           <a:lstStyle/>
           <a:p>
-            <a:r>
-              <a:rPr lang="pt-PT" dirty="0"/>
-              <a:t>Project 2 – </a:t>
-            </a:r>
-            <a:r>
-              <a:rPr lang="pt-PT" dirty="0" err="1"/>
-              <a:t>Point</a:t>
-            </a:r>
-            <a:r>
-              <a:rPr lang="pt-PT" dirty="0"/>
-              <a:t> </a:t>
-            </a:r>
-            <a:r>
-              <a:rPr lang="pt-PT" dirty="0" err="1"/>
-              <a:t>Cloud</a:t>
-            </a:r>
-            <a:r>
-              <a:rPr lang="pt-PT" dirty="0"/>
-              <a:t> </a:t>
-            </a:r>
-            <a:r>
-              <a:rPr lang="pt-PT" dirty="0" err="1"/>
-              <a:t>Visualization</a:t>
-            </a:r>
-            <a:endParaRPr lang="pt-PT" dirty="0"/>
+            <a:pPr algn="ctr"/>
+            <a:r>
+              <a:rPr lang="en-GB" sz="7200" dirty="0"/>
+              <a:t>Project 2 </a:t>
+            </a:r>
+            <a:br>
+              <a:rPr lang="en-GB" sz="7200" dirty="0"/>
+            </a:br>
+            <a:r>
+              <a:rPr lang="en-GB" sz="7200" dirty="0"/>
+              <a:t> Point Cloud Visualization</a:t>
+            </a:r>
           </a:p>
         </p:txBody>
       </p:sp>
@@ -3579,9 +4702,16 @@
             <p:ph type="subTitle" idx="1"/>
           </p:nvPr>
         </p:nvSpPr>
-        <p:spPr/>
-        <p:txBody>
-          <a:bodyPr/>
+        <p:spPr>
+          <a:xfrm>
+            <a:off x="1051560" y="4468031"/>
+            <a:ext cx="7891272" cy="1069848"/>
+          </a:xfrm>
+        </p:spPr>
+        <p:txBody>
+          <a:bodyPr>
+            <a:normAutofit fontScale="92500" lnSpcReduction="20000"/>
+          </a:bodyPr>
           <a:lstStyle/>
           <a:p>
             <a:r>
@@ -3591,14 +4721,18 @@
           </a:p>
           <a:p>
             <a:r>
+              <a:rPr lang="pt-PT" dirty="0" err="1"/>
+              <a:t>Matricola</a:t>
+            </a:r>
+            <a:r>
               <a:rPr lang="pt-PT" dirty="0"/>
-              <a:t>2039952</a:t>
+              <a:t>: 2039952</a:t>
             </a:r>
           </a:p>
           <a:p>
             <a:r>
               <a:rPr lang="pt-PT" dirty="0"/>
-              <a:t>Alexandre.darocharodrigues@studenti.Unipd.it</a:t>
+              <a:t>Email: alexandre.darocharodrigues@studenti.unipd.it</a:t>
             </a:r>
           </a:p>
         </p:txBody>
@@ -3638,7 +4772,7 @@
           <p:cNvPr id="2" name="Title 1">
             <a:extLst>
               <a:ext uri="{FF2B5EF4-FFF2-40B4-BE49-F238E27FC236}">
-                <a16:creationId xmlns:a16="http://schemas.microsoft.com/office/drawing/2014/main" id="{16DDF0E1-2E8A-426F-86FA-FD8F7094E8C1}"/>
+                <a16:creationId xmlns:a16="http://schemas.microsoft.com/office/drawing/2014/main" id="{0F5B207D-2F18-4F49-B095-E810D3043C79}"/>
               </a:ext>
             </a:extLst>
           </p:cNvPr>
@@ -3655,20 +4789,8 @@
           <a:lstStyle/>
           <a:p>
             <a:r>
-              <a:rPr lang="pt-PT" dirty="0" err="1"/>
-              <a:t>Based</a:t>
-            </a:r>
-            <a:r>
-              <a:rPr lang="pt-PT" dirty="0"/>
-              <a:t> </a:t>
-            </a:r>
-            <a:r>
-              <a:rPr lang="pt-PT" dirty="0" err="1"/>
-              <a:t>on</a:t>
-            </a:r>
-            <a:r>
-              <a:rPr lang="pt-PT" dirty="0"/>
-              <a:t> Lab5</a:t>
+              <a:rPr lang="en-US" dirty="0"/>
+              <a:t>Initial Menu</a:t>
             </a:r>
           </a:p>
         </p:txBody>
@@ -3678,7 +4800,7 @@
           <p:cNvPr id="3" name="Content Placeholder 2">
             <a:extLst>
               <a:ext uri="{FF2B5EF4-FFF2-40B4-BE49-F238E27FC236}">
-                <a16:creationId xmlns:a16="http://schemas.microsoft.com/office/drawing/2014/main" id="{FF8DD24B-6257-4BAF-95A6-EC7D1F3DBBD9}"/>
+                <a16:creationId xmlns:a16="http://schemas.microsoft.com/office/drawing/2014/main" id="{DA6F04FB-ED2D-4099-82F9-6C974FD309CD}"/>
               </a:ext>
             </a:extLst>
           </p:cNvPr>
@@ -3689,19 +4811,150 @@
             <p:ph idx="1"/>
           </p:nvPr>
         </p:nvSpPr>
-        <p:spPr/>
+        <p:spPr>
+          <a:xfrm>
+            <a:off x="1069848" y="2322576"/>
+            <a:ext cx="10058400" cy="4050792"/>
+          </a:xfrm>
+        </p:spPr>
         <p:txBody>
           <a:bodyPr/>
           <a:lstStyle/>
           <a:p>
-            <a:endParaRPr lang="pt-PT"/>
-          </a:p>
-        </p:txBody>
-      </p:sp>
+            <a:r>
+              <a:rPr lang="en-US" dirty="0"/>
+              <a:t>Datapath</a:t>
+            </a:r>
+          </a:p>
+          <a:p>
+            <a:pPr lvl="1"/>
+            <a:r>
+              <a:rPr lang="en-US" dirty="0"/>
+              <a:t>Supports: </a:t>
+            </a:r>
+            <a:r>
+              <a:rPr lang="en-US" i="1" dirty="0"/>
+              <a:t>.txt</a:t>
+            </a:r>
+            <a:r>
+              <a:rPr lang="en-US" dirty="0"/>
+              <a:t>, </a:t>
+            </a:r>
+            <a:r>
+              <a:rPr lang="en-US" i="1" dirty="0"/>
+              <a:t>.off</a:t>
+            </a:r>
+            <a:r>
+              <a:rPr lang="en-US" dirty="0"/>
+              <a:t>, </a:t>
+            </a:r>
+            <a:r>
+              <a:rPr lang="en-US" i="1" dirty="0"/>
+              <a:t>.pts</a:t>
+            </a:r>
+            <a:r>
+              <a:rPr lang="en-US" dirty="0"/>
+              <a:t>.</a:t>
+            </a:r>
+          </a:p>
+          <a:p>
+            <a:r>
+              <a:rPr lang="en-US" dirty="0"/>
+              <a:t>Invert YZ</a:t>
+            </a:r>
+          </a:p>
+          <a:p>
+            <a:r>
+              <a:rPr lang="en-US" dirty="0"/>
+              <a:t>Reload</a:t>
+            </a:r>
+          </a:p>
+          <a:p>
+            <a:r>
+              <a:rPr lang="en-US" dirty="0"/>
+              <a:t>Changeable Color:</a:t>
+            </a:r>
+          </a:p>
+          <a:p>
+            <a:pPr lvl="1"/>
+            <a:r>
+              <a:rPr lang="en-US" dirty="0"/>
+              <a:t>Deactivates the </a:t>
+            </a:r>
+            <a:r>
+              <a:rPr lang="en-US" dirty="0" err="1"/>
+              <a:t>VertexColor</a:t>
+            </a:r>
+            <a:r>
+              <a:rPr lang="en-US" dirty="0"/>
+              <a:t> effect (different colors for some points)</a:t>
+            </a:r>
+          </a:p>
+          <a:p>
+            <a:pPr lvl="1"/>
+            <a:r>
+              <a:rPr lang="en-US" dirty="0"/>
+              <a:t>Activates the </a:t>
+            </a:r>
+            <a:r>
+              <a:rPr lang="en-US" dirty="0" err="1"/>
+              <a:t>NeonShader</a:t>
+            </a:r>
+            <a:r>
+              <a:rPr lang="en-US" dirty="0"/>
+              <a:t> with red as the initial color;</a:t>
+            </a:r>
+          </a:p>
+          <a:p>
+            <a:r>
+              <a:rPr lang="en-US" dirty="0"/>
+              <a:t>Uses Global References static class to save these parameters for the </a:t>
+            </a:r>
+            <a:r>
+              <a:rPr lang="en-US" i="1" dirty="0"/>
+              <a:t>PCAdv1</a:t>
+            </a:r>
+            <a:r>
+              <a:rPr lang="en-US" dirty="0"/>
+              <a:t> scene to read.</a:t>
+            </a:r>
+          </a:p>
+        </p:txBody>
+      </p:sp>
+      <p:pic>
+        <p:nvPicPr>
+          <p:cNvPr id="7" name="Picture 6">
+            <a:extLst>
+              <a:ext uri="{FF2B5EF4-FFF2-40B4-BE49-F238E27FC236}">
+                <a16:creationId xmlns:a16="http://schemas.microsoft.com/office/drawing/2014/main" id="{2D7AAA5D-FED1-45A7-86FD-3AF7EC1134C9}"/>
+              </a:ext>
+            </a:extLst>
+          </p:cNvPr>
+          <p:cNvPicPr>
+            <a:picLocks noChangeAspect="1"/>
+          </p:cNvPicPr>
+          <p:nvPr/>
+        </p:nvPicPr>
+        <p:blipFill>
+          <a:blip r:embed="rId3"/>
+          <a:stretch>
+            <a:fillRect/>
+          </a:stretch>
+        </p:blipFill>
+        <p:spPr>
+          <a:xfrm>
+            <a:off x="5112784" y="609206"/>
+            <a:ext cx="6332250" cy="3338105"/>
+          </a:xfrm>
+          <a:prstGeom prst="rect">
+            <a:avLst/>
+          </a:prstGeom>
+        </p:spPr>
+      </p:pic>
     </p:spTree>
     <p:extLst>
       <p:ext uri="{BB962C8B-B14F-4D97-AF65-F5344CB8AC3E}">
-        <p14:creationId xmlns:p14="http://schemas.microsoft.com/office/powerpoint/2010/main" val="3667134988"/>
+        <p14:creationId xmlns:p14="http://schemas.microsoft.com/office/powerpoint/2010/main" val="2339087335"/>
       </p:ext>
     </p:extLst>
   </p:cSld>
@@ -3733,7 +4986,7 @@
           <p:cNvPr id="2" name="Title 1">
             <a:extLst>
               <a:ext uri="{FF2B5EF4-FFF2-40B4-BE49-F238E27FC236}">
-                <a16:creationId xmlns:a16="http://schemas.microsoft.com/office/drawing/2014/main" id="{3B3A167B-06C1-4381-AF29-A98C2EE9CC9A}"/>
+                <a16:creationId xmlns:a16="http://schemas.microsoft.com/office/drawing/2014/main" id="{74EC8044-5C66-4397-8DA1-6BCA2D7DE45C}"/>
               </a:ext>
             </a:extLst>
           </p:cNvPr>
@@ -3750,26 +5003,9 @@
           <a:lstStyle/>
           <a:p>
             <a:r>
-              <a:rPr lang="pt-PT" dirty="0" err="1"/>
-              <a:t>Added</a:t>
-            </a:r>
-            <a:r>
               <a:rPr lang="pt-PT" dirty="0"/>
-              <a:t> </a:t>
-            </a:r>
-            <a:r>
-              <a:rPr lang="pt-PT" dirty="0" err="1"/>
-              <a:t>read</a:t>
-            </a:r>
-            <a:r>
-              <a:rPr lang="pt-PT" dirty="0"/>
-              <a:t> .</a:t>
-            </a:r>
-            <a:r>
-              <a:rPr lang="pt-PT" dirty="0" err="1"/>
-              <a:t>pts</a:t>
-            </a:r>
-            <a:endParaRPr lang="pt-PT" dirty="0"/>
+              <a:t>Interface</a:t>
+            </a:r>
           </a:p>
         </p:txBody>
       </p:sp>
@@ -3778,7 +5014,7 @@
           <p:cNvPr id="3" name="Content Placeholder 2">
             <a:extLst>
               <a:ext uri="{FF2B5EF4-FFF2-40B4-BE49-F238E27FC236}">
-                <a16:creationId xmlns:a16="http://schemas.microsoft.com/office/drawing/2014/main" id="{8903C893-CA7F-4038-8C96-73EFCA0E3AE7}"/>
+                <a16:creationId xmlns:a16="http://schemas.microsoft.com/office/drawing/2014/main" id="{FF984715-CF1A-47A1-A2DC-A01416E43D92}"/>
               </a:ext>
             </a:extLst>
           </p:cNvPr>
@@ -3794,14 +5030,149 @@
           <a:bodyPr/>
           <a:lstStyle/>
           <a:p>
-            <a:endParaRPr lang="pt-PT"/>
-          </a:p>
-        </p:txBody>
-      </p:sp>
+            <a:r>
+              <a:rPr lang="en-US" dirty="0"/>
+              <a:t>Free Camera toggle:</a:t>
+            </a:r>
+          </a:p>
+          <a:p>
+            <a:pPr lvl="1"/>
+            <a:r>
+              <a:rPr lang="en-US" dirty="0"/>
+              <a:t>Disables </a:t>
+            </a:r>
+            <a:r>
+              <a:rPr lang="en-US" i="1" dirty="0" err="1"/>
+              <a:t>CarCameraScript</a:t>
+            </a:r>
+            <a:r>
+              <a:rPr lang="en-US" i="1" dirty="0"/>
+              <a:t>;</a:t>
+            </a:r>
+          </a:p>
+          <a:p>
+            <a:pPr lvl="1"/>
+            <a:r>
+              <a:rPr lang="en-US" dirty="0"/>
+              <a:t>Disables the car-like movement of the cube;</a:t>
+            </a:r>
+          </a:p>
+          <a:p>
+            <a:pPr lvl="1"/>
+            <a:r>
+              <a:rPr lang="en-US" dirty="0"/>
+              <a:t>Enables the Free Camera script.</a:t>
+            </a:r>
+          </a:p>
+          <a:p>
+            <a:r>
+              <a:rPr lang="en-US" dirty="0"/>
+              <a:t>Point Size slider:</a:t>
+            </a:r>
+          </a:p>
+          <a:p>
+            <a:pPr lvl="1"/>
+            <a:r>
+              <a:rPr lang="en-US" dirty="0"/>
+              <a:t>Varies the size of the points from 1 to 10.</a:t>
+            </a:r>
+          </a:p>
+          <a:p>
+            <a:r>
+              <a:rPr lang="en-US" dirty="0"/>
+              <a:t>Hue slider:</a:t>
+            </a:r>
+          </a:p>
+          <a:p>
+            <a:pPr lvl="1"/>
+            <a:r>
+              <a:rPr lang="en-US" dirty="0"/>
+              <a:t>Varies the hue of the color;</a:t>
+            </a:r>
+          </a:p>
+          <a:p>
+            <a:pPr lvl="1"/>
+            <a:r>
+              <a:rPr lang="en-US" dirty="0"/>
+              <a:t>Saturation and value are always 1;</a:t>
+            </a:r>
+          </a:p>
+          <a:p>
+            <a:pPr lvl="1"/>
+            <a:r>
+              <a:rPr lang="en-US" dirty="0"/>
+              <a:t>Uses a hue bar texture to improve selection.</a:t>
+            </a:r>
+          </a:p>
+          <a:p>
+            <a:endParaRPr lang="en-US" dirty="0"/>
+          </a:p>
+        </p:txBody>
+      </p:sp>
+      <p:pic>
+        <p:nvPicPr>
+          <p:cNvPr id="7" name="Picture 6">
+            <a:extLst>
+              <a:ext uri="{FF2B5EF4-FFF2-40B4-BE49-F238E27FC236}">
+                <a16:creationId xmlns:a16="http://schemas.microsoft.com/office/drawing/2014/main" id="{6DE811EB-AEC3-40AE-8006-C561433F03B9}"/>
+              </a:ext>
+            </a:extLst>
+          </p:cNvPr>
+          <p:cNvPicPr>
+            <a:picLocks noChangeAspect="1"/>
+          </p:cNvPicPr>
+          <p:nvPr/>
+        </p:nvPicPr>
+        <p:blipFill>
+          <a:blip r:embed="rId2"/>
+          <a:stretch>
+            <a:fillRect/>
+          </a:stretch>
+        </p:blipFill>
+        <p:spPr>
+          <a:xfrm>
+            <a:off x="6960226" y="1228678"/>
+            <a:ext cx="4198138" cy="2033700"/>
+          </a:xfrm>
+          <a:prstGeom prst="rect">
+            <a:avLst/>
+          </a:prstGeom>
+        </p:spPr>
+      </p:pic>
+      <p:pic>
+        <p:nvPicPr>
+          <p:cNvPr id="9" name="Picture 8">
+            <a:extLst>
+              <a:ext uri="{FF2B5EF4-FFF2-40B4-BE49-F238E27FC236}">
+                <a16:creationId xmlns:a16="http://schemas.microsoft.com/office/drawing/2014/main" id="{3234EF9B-6936-44CC-A40A-7B1027DCD1D2}"/>
+              </a:ext>
+            </a:extLst>
+          </p:cNvPr>
+          <p:cNvPicPr>
+            <a:picLocks noChangeAspect="1"/>
+          </p:cNvPicPr>
+          <p:nvPr/>
+        </p:nvPicPr>
+        <p:blipFill>
+          <a:blip r:embed="rId3"/>
+          <a:stretch>
+            <a:fillRect/>
+          </a:stretch>
+        </p:blipFill>
+        <p:spPr>
+          <a:xfrm>
+            <a:off x="6960226" y="3700439"/>
+            <a:ext cx="4273720" cy="2033700"/>
+          </a:xfrm>
+          <a:prstGeom prst="rect">
+            <a:avLst/>
+          </a:prstGeom>
+        </p:spPr>
+      </p:pic>
     </p:spTree>
     <p:extLst>
       <p:ext uri="{BB962C8B-B14F-4D97-AF65-F5344CB8AC3E}">
-        <p14:creationId xmlns:p14="http://schemas.microsoft.com/office/powerpoint/2010/main" val="1902524167"/>
+        <p14:creationId xmlns:p14="http://schemas.microsoft.com/office/powerpoint/2010/main" val="2025148516"/>
       </p:ext>
     </p:extLst>
   </p:cSld>
@@ -3833,7 +5204,7 @@
           <p:cNvPr id="2" name="Title 1">
             <a:extLst>
               <a:ext uri="{FF2B5EF4-FFF2-40B4-BE49-F238E27FC236}">
-                <a16:creationId xmlns:a16="http://schemas.microsoft.com/office/drawing/2014/main" id="{0F5B207D-2F18-4F49-B095-E810D3043C79}"/>
+                <a16:creationId xmlns:a16="http://schemas.microsoft.com/office/drawing/2014/main" id="{92E0238B-6074-4B58-947E-7F21E6E0AEA4}"/>
               </a:ext>
             </a:extLst>
           </p:cNvPr>
@@ -3844,19 +5215,29 @@
             <p:ph type="title"/>
           </p:nvPr>
         </p:nvSpPr>
-        <p:spPr/>
+        <p:spPr>
+          <a:xfrm>
+            <a:off x="1066800" y="0"/>
+            <a:ext cx="10058400" cy="1609344"/>
+          </a:xfrm>
+        </p:spPr>
         <p:txBody>
           <a:bodyPr/>
           <a:lstStyle/>
           <a:p>
             <a:r>
               <a:rPr lang="pt-PT" dirty="0" err="1"/>
-              <a:t>Initial</a:t>
+              <a:t>Two</a:t>
             </a:r>
             <a:r>
               <a:rPr lang="pt-PT" dirty="0"/>
-              <a:t> Menu</a:t>
-            </a:r>
+              <a:t> </a:t>
+            </a:r>
+            <a:r>
+              <a:rPr lang="pt-PT" dirty="0" err="1"/>
+              <a:t>Shaders</a:t>
+            </a:r>
+            <a:endParaRPr lang="pt-PT" dirty="0"/>
           </a:p>
         </p:txBody>
       </p:sp>
@@ -3865,7 +5246,7 @@
           <p:cNvPr id="3" name="Content Placeholder 2">
             <a:extLst>
               <a:ext uri="{FF2B5EF4-FFF2-40B4-BE49-F238E27FC236}">
-                <a16:creationId xmlns:a16="http://schemas.microsoft.com/office/drawing/2014/main" id="{DA6F04FB-ED2D-4099-82F9-6C974FD309CD}"/>
+                <a16:creationId xmlns:a16="http://schemas.microsoft.com/office/drawing/2014/main" id="{44AD0A9D-6DBC-4EBF-8CC6-E7311B292B85}"/>
               </a:ext>
             </a:extLst>
           </p:cNvPr>
@@ -3876,58 +5257,789 @@
             <p:ph idx="1"/>
           </p:nvPr>
         </p:nvSpPr>
-        <p:spPr/>
+        <p:spPr>
+          <a:xfrm>
+            <a:off x="1066800" y="1402563"/>
+            <a:ext cx="10058400" cy="413562"/>
+          </a:xfrm>
+        </p:spPr>
         <p:txBody>
           <a:bodyPr/>
           <a:lstStyle/>
           <a:p>
             <a:r>
-              <a:rPr lang="pt-PT" dirty="0" err="1"/>
-              <a:t>Read</a:t>
-            </a:r>
-            <a:r>
-              <a:rPr lang="pt-PT" dirty="0"/>
-              <a:t> file (</a:t>
-            </a:r>
-            <a:r>
-              <a:rPr lang="pt-PT" dirty="0" err="1"/>
-              <a:t>datapath</a:t>
-            </a:r>
-            <a:r>
-              <a:rPr lang="pt-PT" dirty="0"/>
-              <a:t>)</a:t>
-            </a:r>
-          </a:p>
-          <a:p>
-            <a:r>
-              <a:rPr lang="pt-PT" dirty="0" err="1"/>
-              <a:t>InvertYZ</a:t>
-            </a:r>
-            <a:endParaRPr lang="pt-PT" dirty="0"/>
-          </a:p>
-          <a:p>
-            <a:r>
-              <a:rPr lang="pt-PT" dirty="0" err="1"/>
-              <a:t>Reload</a:t>
-            </a:r>
-            <a:endParaRPr lang="pt-PT" dirty="0"/>
-          </a:p>
-          <a:p>
-            <a:r>
-              <a:rPr lang="pt-PT" dirty="0" err="1"/>
-              <a:t>Scale</a:t>
-            </a:r>
-            <a:endParaRPr lang="pt-PT" dirty="0"/>
-          </a:p>
-          <a:p>
-            <a:endParaRPr lang="pt-PT" dirty="0"/>
-          </a:p>
-        </p:txBody>
-      </p:sp>
+              <a:rPr lang="en-US" dirty="0"/>
+              <a:t>Added Point Size property in both (only for OpenGL).</a:t>
+            </a:r>
+          </a:p>
+          <a:p>
+            <a:endParaRPr lang="en-US" dirty="0"/>
+          </a:p>
+          <a:p>
+            <a:pPr lvl="1"/>
+            <a:endParaRPr lang="en-US" dirty="0"/>
+          </a:p>
+        </p:txBody>
+      </p:sp>
+      <p:sp>
+        <p:nvSpPr>
+          <p:cNvPr id="5" name="Title 1">
+            <a:extLst>
+              <a:ext uri="{FF2B5EF4-FFF2-40B4-BE49-F238E27FC236}">
+                <a16:creationId xmlns:a16="http://schemas.microsoft.com/office/drawing/2014/main" id="{1D7EC450-B91C-4FC2-92F3-D04857C8EDD5}"/>
+              </a:ext>
+            </a:extLst>
+          </p:cNvPr>
+          <p:cNvSpPr txBox="1">
+            <a:spLocks/>
+          </p:cNvSpPr>
+          <p:nvPr/>
+        </p:nvSpPr>
+        <p:spPr>
+          <a:xfrm>
+            <a:off x="6096000" y="1838945"/>
+            <a:ext cx="3874852" cy="582364"/>
+          </a:xfrm>
+          <a:prstGeom prst="rect">
+            <a:avLst/>
+          </a:prstGeom>
+        </p:spPr>
+        <p:txBody>
+          <a:bodyPr vert="horz" lIns="91440" tIns="45720" rIns="91440" bIns="45720" rtlCol="0" anchor="ctr">
+            <a:normAutofit/>
+          </a:bodyPr>
+          <a:lstStyle>
+            <a:lvl1pPr algn="l" defTabSz="914400" rtl="0" eaLnBrk="1" latinLnBrk="0" hangingPunct="1">
+              <a:lnSpc>
+                <a:spcPct val="90000"/>
+              </a:lnSpc>
+              <a:spcBef>
+                <a:spcPct val="0"/>
+              </a:spcBef>
+              <a:buNone/>
+              <a:defRPr sz="5400" kern="1200" cap="all" baseline="0">
+                <a:blipFill>
+                  <a:blip r:embed="rId2">
+                    <a:extLst>
+                      <a:ext uri="{28A0092B-C50C-407E-A947-70E740481C1C}">
+                        <a14:useLocalDpi xmlns:a14="http://schemas.microsoft.com/office/drawing/2010/main" val="0"/>
+                      </a:ext>
+                    </a:extLst>
+                  </a:blip>
+                  <a:tile tx="6350" ty="-127000" sx="65000" sy="64000" flip="none" algn="tl"/>
+                </a:blipFill>
+                <a:latin typeface="+mj-lt"/>
+                <a:ea typeface="+mj-ea"/>
+                <a:cs typeface="+mj-cs"/>
+              </a:defRPr>
+            </a:lvl1pPr>
+          </a:lstStyle>
+          <a:p>
+            <a:r>
+              <a:rPr lang="pt-PT" sz="3000" cap="none" dirty="0" err="1"/>
+              <a:t>NeonShader</a:t>
+            </a:r>
+            <a:endParaRPr lang="pt-PT" sz="3000" cap="none" dirty="0"/>
+          </a:p>
+        </p:txBody>
+      </p:sp>
+      <p:sp>
+        <p:nvSpPr>
+          <p:cNvPr id="6" name="Title 1">
+            <a:extLst>
+              <a:ext uri="{FF2B5EF4-FFF2-40B4-BE49-F238E27FC236}">
+                <a16:creationId xmlns:a16="http://schemas.microsoft.com/office/drawing/2014/main" id="{D04EE7C0-BDB0-446A-8C57-7B649A9837F8}"/>
+              </a:ext>
+            </a:extLst>
+          </p:cNvPr>
+          <p:cNvSpPr txBox="1">
+            <a:spLocks/>
+          </p:cNvSpPr>
+          <p:nvPr/>
+        </p:nvSpPr>
+        <p:spPr>
+          <a:xfrm>
+            <a:off x="1066800" y="1942336"/>
+            <a:ext cx="3874852" cy="582364"/>
+          </a:xfrm>
+          <a:prstGeom prst="rect">
+            <a:avLst/>
+          </a:prstGeom>
+        </p:spPr>
+        <p:txBody>
+          <a:bodyPr vert="horz" lIns="91440" tIns="45720" rIns="91440" bIns="45720" rtlCol="0" anchor="ctr">
+            <a:normAutofit/>
+          </a:bodyPr>
+          <a:lstStyle>
+            <a:lvl1pPr algn="l" defTabSz="914400" rtl="0" eaLnBrk="1" latinLnBrk="0" hangingPunct="1">
+              <a:lnSpc>
+                <a:spcPct val="90000"/>
+              </a:lnSpc>
+              <a:spcBef>
+                <a:spcPct val="0"/>
+              </a:spcBef>
+              <a:buNone/>
+              <a:defRPr sz="5400" kern="1200" cap="all" baseline="0">
+                <a:blipFill>
+                  <a:blip r:embed="rId2">
+                    <a:extLst>
+                      <a:ext uri="{28A0092B-C50C-407E-A947-70E740481C1C}">
+                        <a14:useLocalDpi xmlns:a14="http://schemas.microsoft.com/office/drawing/2010/main" val="0"/>
+                      </a:ext>
+                    </a:extLst>
+                  </a:blip>
+                  <a:tile tx="6350" ty="-127000" sx="65000" sy="64000" flip="none" algn="tl"/>
+                </a:blipFill>
+                <a:latin typeface="+mj-lt"/>
+                <a:ea typeface="+mj-ea"/>
+                <a:cs typeface="+mj-cs"/>
+              </a:defRPr>
+            </a:lvl1pPr>
+          </a:lstStyle>
+          <a:p>
+            <a:r>
+              <a:rPr lang="pt-PT" sz="3000" cap="none" dirty="0" err="1"/>
+              <a:t>VertexColor</a:t>
+            </a:r>
+            <a:endParaRPr lang="pt-PT" sz="3000" cap="none" dirty="0"/>
+          </a:p>
+        </p:txBody>
+      </p:sp>
+      <p:pic>
+        <p:nvPicPr>
+          <p:cNvPr id="12" name="Picture 11">
+            <a:extLst>
+              <a:ext uri="{FF2B5EF4-FFF2-40B4-BE49-F238E27FC236}">
+                <a16:creationId xmlns:a16="http://schemas.microsoft.com/office/drawing/2014/main" id="{FBC80F86-DB8E-4BBD-957C-492DB2088B3B}"/>
+              </a:ext>
+            </a:extLst>
+          </p:cNvPr>
+          <p:cNvPicPr>
+            <a:picLocks noChangeAspect="1"/>
+          </p:cNvPicPr>
+          <p:nvPr/>
+        </p:nvPicPr>
+        <p:blipFill>
+          <a:blip r:embed="rId3"/>
+          <a:stretch>
+            <a:fillRect/>
+          </a:stretch>
+        </p:blipFill>
+        <p:spPr>
+          <a:xfrm>
+            <a:off x="6096000" y="3555748"/>
+            <a:ext cx="5578445" cy="2561221"/>
+          </a:xfrm>
+          <a:prstGeom prst="rect">
+            <a:avLst/>
+          </a:prstGeom>
+        </p:spPr>
+      </p:pic>
+      <p:sp>
+        <p:nvSpPr>
+          <p:cNvPr id="15" name="Content Placeholder 2">
+            <a:extLst>
+              <a:ext uri="{FF2B5EF4-FFF2-40B4-BE49-F238E27FC236}">
+                <a16:creationId xmlns:a16="http://schemas.microsoft.com/office/drawing/2014/main" id="{4D5FFE71-EE3D-4B75-81EE-6497C167C09B}"/>
+              </a:ext>
+            </a:extLst>
+          </p:cNvPr>
+          <p:cNvSpPr txBox="1">
+            <a:spLocks/>
+          </p:cNvSpPr>
+          <p:nvPr/>
+        </p:nvSpPr>
+        <p:spPr>
+          <a:xfrm>
+            <a:off x="1066800" y="2650911"/>
+            <a:ext cx="4763632" cy="567777"/>
+          </a:xfrm>
+          <a:prstGeom prst="rect">
+            <a:avLst/>
+          </a:prstGeom>
+        </p:spPr>
+        <p:txBody>
+          <a:bodyPr vert="horz" lIns="91440" tIns="45720" rIns="91440" bIns="45720" rtlCol="0">
+            <a:normAutofit/>
+          </a:bodyPr>
+          <a:lstStyle>
+            <a:lvl1pPr marL="182880" indent="-182880" algn="l" defTabSz="914400" rtl="0" eaLnBrk="1" latinLnBrk="0" hangingPunct="1">
+              <a:lnSpc>
+                <a:spcPct val="90000"/>
+              </a:lnSpc>
+              <a:spcBef>
+                <a:spcPts val="1200"/>
+              </a:spcBef>
+              <a:buClr>
+                <a:schemeClr val="accent1">
+                  <a:lumMod val="75000"/>
+                </a:schemeClr>
+              </a:buClr>
+              <a:buSzPct val="85000"/>
+              <a:buFont typeface="Wingdings" pitchFamily="2" charset="2"/>
+              <a:buChar char="§"/>
+              <a:defRPr sz="2000" kern="1200">
+                <a:solidFill>
+                  <a:schemeClr val="tx1"/>
+                </a:solidFill>
+                <a:latin typeface="+mn-lt"/>
+                <a:ea typeface="+mn-ea"/>
+                <a:cs typeface="+mn-cs"/>
+              </a:defRPr>
+            </a:lvl1pPr>
+            <a:lvl2pPr marL="457200" indent="-182880" algn="l" defTabSz="914400" rtl="0" eaLnBrk="1" latinLnBrk="0" hangingPunct="1">
+              <a:lnSpc>
+                <a:spcPct val="90000"/>
+              </a:lnSpc>
+              <a:spcBef>
+                <a:spcPts val="400"/>
+              </a:spcBef>
+              <a:spcAft>
+                <a:spcPts val="200"/>
+              </a:spcAft>
+              <a:buClr>
+                <a:schemeClr val="accent1">
+                  <a:lumMod val="75000"/>
+                </a:schemeClr>
+              </a:buClr>
+              <a:buSzPct val="85000"/>
+              <a:buFont typeface="Wingdings" pitchFamily="2" charset="2"/>
+              <a:buChar char="§"/>
+              <a:defRPr sz="1800" kern="1200">
+                <a:solidFill>
+                  <a:schemeClr val="tx1"/>
+                </a:solidFill>
+                <a:latin typeface="+mn-lt"/>
+                <a:ea typeface="+mn-ea"/>
+                <a:cs typeface="+mn-cs"/>
+              </a:defRPr>
+            </a:lvl2pPr>
+            <a:lvl3pPr marL="731520" indent="-182880" algn="l" defTabSz="914400" rtl="0" eaLnBrk="1" latinLnBrk="0" hangingPunct="1">
+              <a:lnSpc>
+                <a:spcPct val="90000"/>
+              </a:lnSpc>
+              <a:spcBef>
+                <a:spcPts val="400"/>
+              </a:spcBef>
+              <a:spcAft>
+                <a:spcPts val="200"/>
+              </a:spcAft>
+              <a:buClr>
+                <a:schemeClr val="accent1">
+                  <a:lumMod val="75000"/>
+                </a:schemeClr>
+              </a:buClr>
+              <a:buSzPct val="85000"/>
+              <a:buFont typeface="Wingdings" pitchFamily="2" charset="2"/>
+              <a:buChar char="§"/>
+              <a:defRPr sz="1600" kern="1200">
+                <a:solidFill>
+                  <a:schemeClr val="tx1"/>
+                </a:solidFill>
+                <a:latin typeface="+mn-lt"/>
+                <a:ea typeface="+mn-ea"/>
+                <a:cs typeface="+mn-cs"/>
+              </a:defRPr>
+            </a:lvl3pPr>
+            <a:lvl4pPr marL="1005840" indent="-182880" algn="l" defTabSz="914400" rtl="0" eaLnBrk="1" latinLnBrk="0" hangingPunct="1">
+              <a:lnSpc>
+                <a:spcPct val="90000"/>
+              </a:lnSpc>
+              <a:spcBef>
+                <a:spcPts val="400"/>
+              </a:spcBef>
+              <a:spcAft>
+                <a:spcPts val="200"/>
+              </a:spcAft>
+              <a:buClr>
+                <a:schemeClr val="accent1">
+                  <a:lumMod val="75000"/>
+                </a:schemeClr>
+              </a:buClr>
+              <a:buSzPct val="85000"/>
+              <a:buFont typeface="Wingdings" pitchFamily="2" charset="2"/>
+              <a:buChar char="§"/>
+              <a:defRPr sz="1600" kern="1200">
+                <a:solidFill>
+                  <a:schemeClr val="tx1"/>
+                </a:solidFill>
+                <a:latin typeface="+mn-lt"/>
+                <a:ea typeface="+mn-ea"/>
+                <a:cs typeface="+mn-cs"/>
+              </a:defRPr>
+            </a:lvl4pPr>
+            <a:lvl5pPr marL="1280160" indent="-182880" algn="l" defTabSz="914400" rtl="0" eaLnBrk="1" latinLnBrk="0" hangingPunct="1">
+              <a:lnSpc>
+                <a:spcPct val="90000"/>
+              </a:lnSpc>
+              <a:spcBef>
+                <a:spcPts val="400"/>
+              </a:spcBef>
+              <a:spcAft>
+                <a:spcPts val="200"/>
+              </a:spcAft>
+              <a:buClr>
+                <a:schemeClr val="accent1">
+                  <a:lumMod val="75000"/>
+                </a:schemeClr>
+              </a:buClr>
+              <a:buSzPct val="85000"/>
+              <a:buFont typeface="Wingdings" pitchFamily="2" charset="2"/>
+              <a:buChar char="§"/>
+              <a:defRPr sz="1600" kern="1200">
+                <a:solidFill>
+                  <a:schemeClr val="tx1"/>
+                </a:solidFill>
+                <a:latin typeface="+mn-lt"/>
+                <a:ea typeface="+mn-ea"/>
+                <a:cs typeface="+mn-cs"/>
+              </a:defRPr>
+            </a:lvl5pPr>
+            <a:lvl6pPr marL="1600000" indent="-228600" algn="l" defTabSz="914400" rtl="0" eaLnBrk="1" latinLnBrk="0" hangingPunct="1">
+              <a:lnSpc>
+                <a:spcPct val="90000"/>
+              </a:lnSpc>
+              <a:spcBef>
+                <a:spcPts val="400"/>
+              </a:spcBef>
+              <a:spcAft>
+                <a:spcPts val="200"/>
+              </a:spcAft>
+              <a:buClr>
+                <a:schemeClr val="accent1">
+                  <a:lumMod val="75000"/>
+                </a:schemeClr>
+              </a:buClr>
+              <a:buSzPct val="85000"/>
+              <a:buFont typeface="Wingdings" pitchFamily="2" charset="2"/>
+              <a:buChar char="§"/>
+              <a:defRPr sz="1600" kern="1200">
+                <a:solidFill>
+                  <a:schemeClr val="tx1"/>
+                </a:solidFill>
+                <a:latin typeface="+mn-lt"/>
+                <a:ea typeface="+mn-ea"/>
+                <a:cs typeface="+mn-cs"/>
+              </a:defRPr>
+            </a:lvl6pPr>
+            <a:lvl7pPr marL="1900000" indent="-228600" algn="l" defTabSz="914400" rtl="0" eaLnBrk="1" latinLnBrk="0" hangingPunct="1">
+              <a:lnSpc>
+                <a:spcPct val="90000"/>
+              </a:lnSpc>
+              <a:spcBef>
+                <a:spcPts val="400"/>
+              </a:spcBef>
+              <a:spcAft>
+                <a:spcPts val="200"/>
+              </a:spcAft>
+              <a:buClr>
+                <a:schemeClr val="accent1">
+                  <a:lumMod val="75000"/>
+                </a:schemeClr>
+              </a:buClr>
+              <a:buSzPct val="85000"/>
+              <a:buFont typeface="Wingdings" pitchFamily="2" charset="2"/>
+              <a:buChar char="§"/>
+              <a:defRPr sz="1600" kern="1200">
+                <a:solidFill>
+                  <a:schemeClr val="tx1"/>
+                </a:solidFill>
+                <a:latin typeface="+mn-lt"/>
+                <a:ea typeface="+mn-ea"/>
+                <a:cs typeface="+mn-cs"/>
+              </a:defRPr>
+            </a:lvl7pPr>
+            <a:lvl8pPr marL="2200000" indent="-228600" algn="l" defTabSz="914400" rtl="0" eaLnBrk="1" latinLnBrk="0" hangingPunct="1">
+              <a:lnSpc>
+                <a:spcPct val="90000"/>
+              </a:lnSpc>
+              <a:spcBef>
+                <a:spcPts val="400"/>
+              </a:spcBef>
+              <a:spcAft>
+                <a:spcPts val="200"/>
+              </a:spcAft>
+              <a:buClr>
+                <a:schemeClr val="accent1">
+                  <a:lumMod val="75000"/>
+                </a:schemeClr>
+              </a:buClr>
+              <a:buSzPct val="85000"/>
+              <a:buFont typeface="Wingdings" pitchFamily="2" charset="2"/>
+              <a:buChar char="§"/>
+              <a:defRPr sz="1600" kern="1200">
+                <a:solidFill>
+                  <a:schemeClr val="tx1"/>
+                </a:solidFill>
+                <a:latin typeface="+mn-lt"/>
+                <a:ea typeface="+mn-ea"/>
+                <a:cs typeface="+mn-cs"/>
+              </a:defRPr>
+            </a:lvl8pPr>
+            <a:lvl9pPr marL="2500000" indent="-228600" algn="l" defTabSz="914400" rtl="0" eaLnBrk="1" latinLnBrk="0" hangingPunct="1">
+              <a:lnSpc>
+                <a:spcPct val="90000"/>
+              </a:lnSpc>
+              <a:spcBef>
+                <a:spcPts val="400"/>
+              </a:spcBef>
+              <a:spcAft>
+                <a:spcPts val="200"/>
+              </a:spcAft>
+              <a:buClr>
+                <a:schemeClr val="accent1">
+                  <a:lumMod val="75000"/>
+                </a:schemeClr>
+              </a:buClr>
+              <a:buSzPct val="85000"/>
+              <a:buFont typeface="Wingdings" pitchFamily="2" charset="2"/>
+              <a:buChar char="§"/>
+              <a:defRPr sz="1600" kern="1200">
+                <a:solidFill>
+                  <a:schemeClr val="tx1"/>
+                </a:solidFill>
+                <a:latin typeface="+mn-lt"/>
+                <a:ea typeface="+mn-ea"/>
+                <a:cs typeface="+mn-cs"/>
+              </a:defRPr>
+            </a:lvl9pPr>
+          </a:lstStyle>
+          <a:p>
+            <a:r>
+              <a:rPr lang="en-US" dirty="0"/>
+              <a:t>Specific color for each point;</a:t>
+            </a:r>
+          </a:p>
+          <a:p>
+            <a:pPr lvl="1"/>
+            <a:endParaRPr lang="en-US" dirty="0"/>
+          </a:p>
+        </p:txBody>
+      </p:sp>
+      <p:sp>
+        <p:nvSpPr>
+          <p:cNvPr id="16" name="Content Placeholder 2">
+            <a:extLst>
+              <a:ext uri="{FF2B5EF4-FFF2-40B4-BE49-F238E27FC236}">
+                <a16:creationId xmlns:a16="http://schemas.microsoft.com/office/drawing/2014/main" id="{B16E679B-78F6-4572-BD9A-BC7311D2E44C}"/>
+              </a:ext>
+            </a:extLst>
+          </p:cNvPr>
+          <p:cNvSpPr txBox="1">
+            <a:spLocks/>
+          </p:cNvSpPr>
+          <p:nvPr/>
+        </p:nvSpPr>
+        <p:spPr>
+          <a:xfrm>
+            <a:off x="6096000" y="2444130"/>
+            <a:ext cx="4763632" cy="1135554"/>
+          </a:xfrm>
+          <a:prstGeom prst="rect">
+            <a:avLst/>
+          </a:prstGeom>
+        </p:spPr>
+        <p:txBody>
+          <a:bodyPr vert="horz" lIns="91440" tIns="45720" rIns="91440" bIns="45720" rtlCol="0">
+            <a:normAutofit/>
+          </a:bodyPr>
+          <a:lstStyle>
+            <a:lvl1pPr marL="182880" indent="-182880" algn="l" defTabSz="914400" rtl="0" eaLnBrk="1" latinLnBrk="0" hangingPunct="1">
+              <a:lnSpc>
+                <a:spcPct val="90000"/>
+              </a:lnSpc>
+              <a:spcBef>
+                <a:spcPts val="1200"/>
+              </a:spcBef>
+              <a:buClr>
+                <a:schemeClr val="accent1">
+                  <a:lumMod val="75000"/>
+                </a:schemeClr>
+              </a:buClr>
+              <a:buSzPct val="85000"/>
+              <a:buFont typeface="Wingdings" pitchFamily="2" charset="2"/>
+              <a:buChar char="§"/>
+              <a:defRPr sz="2000" kern="1200">
+                <a:solidFill>
+                  <a:schemeClr val="tx1"/>
+                </a:solidFill>
+                <a:latin typeface="+mn-lt"/>
+                <a:ea typeface="+mn-ea"/>
+                <a:cs typeface="+mn-cs"/>
+              </a:defRPr>
+            </a:lvl1pPr>
+            <a:lvl2pPr marL="457200" indent="-182880" algn="l" defTabSz="914400" rtl="0" eaLnBrk="1" latinLnBrk="0" hangingPunct="1">
+              <a:lnSpc>
+                <a:spcPct val="90000"/>
+              </a:lnSpc>
+              <a:spcBef>
+                <a:spcPts val="400"/>
+              </a:spcBef>
+              <a:spcAft>
+                <a:spcPts val="200"/>
+              </a:spcAft>
+              <a:buClr>
+                <a:schemeClr val="accent1">
+                  <a:lumMod val="75000"/>
+                </a:schemeClr>
+              </a:buClr>
+              <a:buSzPct val="85000"/>
+              <a:buFont typeface="Wingdings" pitchFamily="2" charset="2"/>
+              <a:buChar char="§"/>
+              <a:defRPr sz="1800" kern="1200">
+                <a:solidFill>
+                  <a:schemeClr val="tx1"/>
+                </a:solidFill>
+                <a:latin typeface="+mn-lt"/>
+                <a:ea typeface="+mn-ea"/>
+                <a:cs typeface="+mn-cs"/>
+              </a:defRPr>
+            </a:lvl2pPr>
+            <a:lvl3pPr marL="731520" indent="-182880" algn="l" defTabSz="914400" rtl="0" eaLnBrk="1" latinLnBrk="0" hangingPunct="1">
+              <a:lnSpc>
+                <a:spcPct val="90000"/>
+              </a:lnSpc>
+              <a:spcBef>
+                <a:spcPts val="400"/>
+              </a:spcBef>
+              <a:spcAft>
+                <a:spcPts val="200"/>
+              </a:spcAft>
+              <a:buClr>
+                <a:schemeClr val="accent1">
+                  <a:lumMod val="75000"/>
+                </a:schemeClr>
+              </a:buClr>
+              <a:buSzPct val="85000"/>
+              <a:buFont typeface="Wingdings" pitchFamily="2" charset="2"/>
+              <a:buChar char="§"/>
+              <a:defRPr sz="1600" kern="1200">
+                <a:solidFill>
+                  <a:schemeClr val="tx1"/>
+                </a:solidFill>
+                <a:latin typeface="+mn-lt"/>
+                <a:ea typeface="+mn-ea"/>
+                <a:cs typeface="+mn-cs"/>
+              </a:defRPr>
+            </a:lvl3pPr>
+            <a:lvl4pPr marL="1005840" indent="-182880" algn="l" defTabSz="914400" rtl="0" eaLnBrk="1" latinLnBrk="0" hangingPunct="1">
+              <a:lnSpc>
+                <a:spcPct val="90000"/>
+              </a:lnSpc>
+              <a:spcBef>
+                <a:spcPts val="400"/>
+              </a:spcBef>
+              <a:spcAft>
+                <a:spcPts val="200"/>
+              </a:spcAft>
+              <a:buClr>
+                <a:schemeClr val="accent1">
+                  <a:lumMod val="75000"/>
+                </a:schemeClr>
+              </a:buClr>
+              <a:buSzPct val="85000"/>
+              <a:buFont typeface="Wingdings" pitchFamily="2" charset="2"/>
+              <a:buChar char="§"/>
+              <a:defRPr sz="1600" kern="1200">
+                <a:solidFill>
+                  <a:schemeClr val="tx1"/>
+                </a:solidFill>
+                <a:latin typeface="+mn-lt"/>
+                <a:ea typeface="+mn-ea"/>
+                <a:cs typeface="+mn-cs"/>
+              </a:defRPr>
+            </a:lvl4pPr>
+            <a:lvl5pPr marL="1280160" indent="-182880" algn="l" defTabSz="914400" rtl="0" eaLnBrk="1" latinLnBrk="0" hangingPunct="1">
+              <a:lnSpc>
+                <a:spcPct val="90000"/>
+              </a:lnSpc>
+              <a:spcBef>
+                <a:spcPts val="400"/>
+              </a:spcBef>
+              <a:spcAft>
+                <a:spcPts val="200"/>
+              </a:spcAft>
+              <a:buClr>
+                <a:schemeClr val="accent1">
+                  <a:lumMod val="75000"/>
+                </a:schemeClr>
+              </a:buClr>
+              <a:buSzPct val="85000"/>
+              <a:buFont typeface="Wingdings" pitchFamily="2" charset="2"/>
+              <a:buChar char="§"/>
+              <a:defRPr sz="1600" kern="1200">
+                <a:solidFill>
+                  <a:schemeClr val="tx1"/>
+                </a:solidFill>
+                <a:latin typeface="+mn-lt"/>
+                <a:ea typeface="+mn-ea"/>
+                <a:cs typeface="+mn-cs"/>
+              </a:defRPr>
+            </a:lvl5pPr>
+            <a:lvl6pPr marL="1600000" indent="-228600" algn="l" defTabSz="914400" rtl="0" eaLnBrk="1" latinLnBrk="0" hangingPunct="1">
+              <a:lnSpc>
+                <a:spcPct val="90000"/>
+              </a:lnSpc>
+              <a:spcBef>
+                <a:spcPts val="400"/>
+              </a:spcBef>
+              <a:spcAft>
+                <a:spcPts val="200"/>
+              </a:spcAft>
+              <a:buClr>
+                <a:schemeClr val="accent1">
+                  <a:lumMod val="75000"/>
+                </a:schemeClr>
+              </a:buClr>
+              <a:buSzPct val="85000"/>
+              <a:buFont typeface="Wingdings" pitchFamily="2" charset="2"/>
+              <a:buChar char="§"/>
+              <a:defRPr sz="1600" kern="1200">
+                <a:solidFill>
+                  <a:schemeClr val="tx1"/>
+                </a:solidFill>
+                <a:latin typeface="+mn-lt"/>
+                <a:ea typeface="+mn-ea"/>
+                <a:cs typeface="+mn-cs"/>
+              </a:defRPr>
+            </a:lvl6pPr>
+            <a:lvl7pPr marL="1900000" indent="-228600" algn="l" defTabSz="914400" rtl="0" eaLnBrk="1" latinLnBrk="0" hangingPunct="1">
+              <a:lnSpc>
+                <a:spcPct val="90000"/>
+              </a:lnSpc>
+              <a:spcBef>
+                <a:spcPts val="400"/>
+              </a:spcBef>
+              <a:spcAft>
+                <a:spcPts val="200"/>
+              </a:spcAft>
+              <a:buClr>
+                <a:schemeClr val="accent1">
+                  <a:lumMod val="75000"/>
+                </a:schemeClr>
+              </a:buClr>
+              <a:buSzPct val="85000"/>
+              <a:buFont typeface="Wingdings" pitchFamily="2" charset="2"/>
+              <a:buChar char="§"/>
+              <a:defRPr sz="1600" kern="1200">
+                <a:solidFill>
+                  <a:schemeClr val="tx1"/>
+                </a:solidFill>
+                <a:latin typeface="+mn-lt"/>
+                <a:ea typeface="+mn-ea"/>
+                <a:cs typeface="+mn-cs"/>
+              </a:defRPr>
+            </a:lvl7pPr>
+            <a:lvl8pPr marL="2200000" indent="-228600" algn="l" defTabSz="914400" rtl="0" eaLnBrk="1" latinLnBrk="0" hangingPunct="1">
+              <a:lnSpc>
+                <a:spcPct val="90000"/>
+              </a:lnSpc>
+              <a:spcBef>
+                <a:spcPts val="400"/>
+              </a:spcBef>
+              <a:spcAft>
+                <a:spcPts val="200"/>
+              </a:spcAft>
+              <a:buClr>
+                <a:schemeClr val="accent1">
+                  <a:lumMod val="75000"/>
+                </a:schemeClr>
+              </a:buClr>
+              <a:buSzPct val="85000"/>
+              <a:buFont typeface="Wingdings" pitchFamily="2" charset="2"/>
+              <a:buChar char="§"/>
+              <a:defRPr sz="1600" kern="1200">
+                <a:solidFill>
+                  <a:schemeClr val="tx1"/>
+                </a:solidFill>
+                <a:latin typeface="+mn-lt"/>
+                <a:ea typeface="+mn-ea"/>
+                <a:cs typeface="+mn-cs"/>
+              </a:defRPr>
+            </a:lvl8pPr>
+            <a:lvl9pPr marL="2500000" indent="-228600" algn="l" defTabSz="914400" rtl="0" eaLnBrk="1" latinLnBrk="0" hangingPunct="1">
+              <a:lnSpc>
+                <a:spcPct val="90000"/>
+              </a:lnSpc>
+              <a:spcBef>
+                <a:spcPts val="400"/>
+              </a:spcBef>
+              <a:spcAft>
+                <a:spcPts val="200"/>
+              </a:spcAft>
+              <a:buClr>
+                <a:schemeClr val="accent1">
+                  <a:lumMod val="75000"/>
+                </a:schemeClr>
+              </a:buClr>
+              <a:buSzPct val="85000"/>
+              <a:buFont typeface="Wingdings" pitchFamily="2" charset="2"/>
+              <a:buChar char="§"/>
+              <a:defRPr sz="1600" kern="1200">
+                <a:solidFill>
+                  <a:schemeClr val="tx1"/>
+                </a:solidFill>
+                <a:latin typeface="+mn-lt"/>
+                <a:ea typeface="+mn-ea"/>
+                <a:cs typeface="+mn-cs"/>
+              </a:defRPr>
+            </a:lvl9pPr>
+          </a:lstStyle>
+          <a:p>
+            <a:r>
+              <a:rPr lang="en-US" dirty="0"/>
+              <a:t>Color defined in the material;</a:t>
+            </a:r>
+          </a:p>
+          <a:p>
+            <a:r>
+              <a:rPr lang="en-US" dirty="0"/>
+              <a:t>Neon effect.</a:t>
+            </a:r>
+          </a:p>
+          <a:p>
+            <a:endParaRPr lang="en-US" dirty="0"/>
+          </a:p>
+          <a:p>
+            <a:pPr lvl="1"/>
+            <a:endParaRPr lang="en-US" dirty="0"/>
+          </a:p>
+        </p:txBody>
+      </p:sp>
+      <p:pic>
+        <p:nvPicPr>
+          <p:cNvPr id="18" name="Picture 17">
+            <a:extLst>
+              <a:ext uri="{FF2B5EF4-FFF2-40B4-BE49-F238E27FC236}">
+                <a16:creationId xmlns:a16="http://schemas.microsoft.com/office/drawing/2014/main" id="{6A599C6D-5A89-40AB-8960-03E9C8DB554A}"/>
+              </a:ext>
+            </a:extLst>
+          </p:cNvPr>
+          <p:cNvPicPr>
+            <a:picLocks noChangeAspect="1"/>
+          </p:cNvPicPr>
+          <p:nvPr/>
+        </p:nvPicPr>
+        <p:blipFill>
+          <a:blip r:embed="rId4"/>
+          <a:stretch>
+            <a:fillRect/>
+          </a:stretch>
+        </p:blipFill>
+        <p:spPr>
+          <a:xfrm>
+            <a:off x="517555" y="3680778"/>
+            <a:ext cx="5378564" cy="2561221"/>
+          </a:xfrm>
+          <a:prstGeom prst="rect">
+            <a:avLst/>
+          </a:prstGeom>
+        </p:spPr>
+      </p:pic>
     </p:spTree>
     <p:extLst>
       <p:ext uri="{BB962C8B-B14F-4D97-AF65-F5344CB8AC3E}">
-        <p14:creationId xmlns:p14="http://schemas.microsoft.com/office/powerpoint/2010/main" val="2339087335"/>
+        <p14:creationId xmlns:p14="http://schemas.microsoft.com/office/powerpoint/2010/main" val="1320032301"/>
       </p:ext>
     </p:extLst>
   </p:cSld>
@@ -3991,31 +6103,318 @@
           </a:p>
         </p:txBody>
       </p:sp>
-      <p:sp>
-        <p:nvSpPr>
-          <p:cNvPr id="3" name="Content Placeholder 2">
-            <a:extLst>
-              <a:ext uri="{FF2B5EF4-FFF2-40B4-BE49-F238E27FC236}">
-                <a16:creationId xmlns:a16="http://schemas.microsoft.com/office/drawing/2014/main" id="{25A7C2EC-35C9-400F-8AC8-56B4744FF7B0}"/>
-              </a:ext>
-            </a:extLst>
-          </p:cNvPr>
-          <p:cNvSpPr>
-            <a:spLocks noGrp="1"/>
-          </p:cNvSpPr>
-          <p:nvPr>
-            <p:ph idx="1"/>
-          </p:nvPr>
-        </p:nvSpPr>
-        <p:spPr/>
-        <p:txBody>
-          <a:bodyPr/>
-          <a:lstStyle/>
-          <a:p>
-            <a:endParaRPr lang="pt-PT"/>
-          </a:p>
-        </p:txBody>
-      </p:sp>
+      <mc:AlternateContent xmlns:mc="http://schemas.openxmlformats.org/markup-compatibility/2006">
+        <mc:Choice xmlns:a14="http://schemas.microsoft.com/office/drawing/2010/main" Requires="a14">
+          <p:sp>
+            <p:nvSpPr>
+              <p:cNvPr id="3" name="Content Placeholder 2">
+                <a:extLst>
+                  <a:ext uri="{FF2B5EF4-FFF2-40B4-BE49-F238E27FC236}">
+                    <a16:creationId xmlns:a16="http://schemas.microsoft.com/office/drawing/2014/main" id="{25A7C2EC-35C9-400F-8AC8-56B4744FF7B0}"/>
+                  </a:ext>
+                </a:extLst>
+              </p:cNvPr>
+              <p:cNvSpPr>
+                <a:spLocks noGrp="1"/>
+              </p:cNvSpPr>
+              <p:nvPr>
+                <p:ph idx="1"/>
+              </p:nvPr>
+            </p:nvSpPr>
+            <p:spPr>
+              <a:xfrm>
+                <a:off x="1069848" y="2121408"/>
+                <a:ext cx="8753162" cy="3808612"/>
+              </a:xfrm>
+            </p:spPr>
+            <p:txBody>
+              <a:bodyPr/>
+              <a:lstStyle/>
+              <a:p>
+                <a:r>
+                  <a:rPr lang="en-US" dirty="0"/>
+                  <a:t>Shift </a:t>
+                </a:r>
+                <a14:m>
+                  <m:oMath xmlns:m="http://schemas.openxmlformats.org/officeDocument/2006/math">
+                    <m:r>
+                      <m:rPr>
+                        <m:sty m:val="p"/>
+                      </m:rPr>
+                      <a:rPr lang="en-US" smtClean="0">
+                        <a:latin typeface="Cambria Math" panose="02040503050406030204" pitchFamily="18" charset="0"/>
+                      </a:rPr>
+                      <m:t>y</m:t>
+                    </m:r>
+                    <m:r>
+                      <a:rPr lang="en-US" i="1">
+                        <a:latin typeface="Cambria Math" panose="02040503050406030204" pitchFamily="18" charset="0"/>
+                      </a:rPr>
+                      <m:t> </m:t>
+                    </m:r>
+                  </m:oMath>
+                </a14:m>
+                <a:r>
+                  <a:rPr lang="en-US" dirty="0"/>
+                  <a:t>to be always above the plane:</a:t>
+                </a:r>
+              </a:p>
+              <a:p>
+                <a:endParaRPr lang="pt-PT" dirty="0"/>
+              </a:p>
+              <a:p>
+                <a:pPr marL="0" indent="0">
+                  <a:buNone/>
+                </a:pPr>
+                <a14:m>
+                  <m:oMathPara xmlns:m="http://schemas.openxmlformats.org/officeDocument/2006/math">
+                    <m:oMathParaPr>
+                      <m:jc m:val="centerGroup"/>
+                    </m:oMathParaPr>
+                    <m:oMath xmlns:m="http://schemas.openxmlformats.org/officeDocument/2006/math">
+                      <m:r>
+                        <m:rPr>
+                          <m:sty m:val="p"/>
+                        </m:rPr>
+                        <a:rPr lang="pt-PT">
+                          <a:latin typeface="Cambria Math" panose="02040503050406030204" pitchFamily="18" charset="0"/>
+                        </a:rPr>
+                        <m:t>y</m:t>
+                      </m:r>
+                      <m:r>
+                        <a:rPr lang="en-US" smtClean="0">
+                          <a:latin typeface="Cambria Math" panose="02040503050406030204" pitchFamily="18" charset="0"/>
+                        </a:rPr>
+                        <m:t>←</m:t>
+                      </m:r>
+                      <m:r>
+                        <a:rPr lang="pt-PT" b="0" i="1" smtClean="0">
+                          <a:latin typeface="Cambria Math" panose="02040503050406030204" pitchFamily="18" charset="0"/>
+                        </a:rPr>
+                        <m:t>𝑦</m:t>
+                      </m:r>
+                      <m:r>
+                        <a:rPr lang="en-US" i="1">
+                          <a:latin typeface="Cambria Math" panose="02040503050406030204" pitchFamily="18" charset="0"/>
+                        </a:rPr>
+                        <m:t>−</m:t>
+                      </m:r>
+                      <m:r>
+                        <a:rPr lang="pt-PT" b="0" i="1" smtClean="0">
+                          <a:latin typeface="Cambria Math" panose="02040503050406030204" pitchFamily="18" charset="0"/>
+                        </a:rPr>
+                        <m:t>𝑚𝑖𝑛</m:t>
+                      </m:r>
+                    </m:oMath>
+                  </m:oMathPara>
+                </a14:m>
+                <a:endParaRPr lang="pt-PT" dirty="0"/>
+              </a:p>
+              <a:p>
+                <a:pPr marL="0" indent="0">
+                  <a:buNone/>
+                </a:pPr>
+                <a:endParaRPr lang="pt-PT" dirty="0"/>
+              </a:p>
+              <a:p>
+                <a:r>
+                  <a:rPr lang="en-US" dirty="0"/>
+                  <a:t>To center the point cloud at the origin:</a:t>
+                </a:r>
+              </a:p>
+              <a:p>
+                <a:endParaRPr lang="pt-PT" dirty="0"/>
+              </a:p>
+              <a:p>
+                <a:pPr marL="0" indent="0">
+                  <a:buNone/>
+                </a:pPr>
+                <a14:m>
+                  <m:oMathPara xmlns:m="http://schemas.openxmlformats.org/officeDocument/2006/math">
+                    <m:oMathParaPr>
+                      <m:jc m:val="centerGroup"/>
+                    </m:oMathParaPr>
+                    <m:oMath xmlns:m="http://schemas.openxmlformats.org/officeDocument/2006/math">
+                      <m:r>
+                        <a:rPr lang="en-US" i="1"/>
+                        <m:t>𝑥</m:t>
+                      </m:r>
+                      <m:r>
+                        <a:rPr lang="en-US"/>
+                        <m:t>←</m:t>
+                      </m:r>
+                      <m:r>
+                        <a:rPr lang="en-US" i="1"/>
+                        <m:t>𝑥</m:t>
+                      </m:r>
+                      <m:r>
+                        <a:rPr lang="en-US" i="1"/>
+                        <m:t>−</m:t>
+                      </m:r>
+                      <m:f>
+                        <m:fPr>
+                          <m:ctrlPr>
+                            <a:rPr lang="pt-PT" i="1"/>
+                          </m:ctrlPr>
+                        </m:fPr>
+                        <m:num>
+                          <m:r>
+                            <a:rPr lang="en-US" i="1"/>
+                            <m:t>𝑚𝑖𝑛</m:t>
+                          </m:r>
+                          <m:r>
+                            <a:rPr lang="en-US" i="1"/>
+                            <m:t>+</m:t>
+                          </m:r>
+                          <m:r>
+                            <a:rPr lang="en-US" i="1"/>
+                            <m:t>𝑚𝑎𝑥</m:t>
+                          </m:r>
+                        </m:num>
+                        <m:den>
+                          <m:r>
+                            <a:rPr lang="en-US" i="1"/>
+                            <m:t>2</m:t>
+                          </m:r>
+                        </m:den>
+                      </m:f>
+                    </m:oMath>
+                  </m:oMathPara>
+                </a14:m>
+                <a:endParaRPr lang="pt-PT" dirty="0"/>
+              </a:p>
+              <a:p>
+                <a:pPr marL="0" indent="0">
+                  <a:buNone/>
+                </a:pPr>
+                <a:endParaRPr lang="pt-PT" dirty="0"/>
+              </a:p>
+              <a:p>
+                <a:pPr marL="0" indent="0">
+                  <a:buNone/>
+                </a:pPr>
+                <a14:m>
+                  <m:oMathPara xmlns:m="http://schemas.openxmlformats.org/officeDocument/2006/math">
+                    <m:oMathParaPr>
+                      <m:jc m:val="centerGroup"/>
+                    </m:oMathParaPr>
+                    <m:oMath xmlns:m="http://schemas.openxmlformats.org/officeDocument/2006/math">
+                      <m:r>
+                        <m:rPr>
+                          <m:sty m:val="p"/>
+                        </m:rPr>
+                        <a:rPr lang="pt-PT" b="0" i="0" smtClean="0">
+                          <a:latin typeface="Cambria Math" panose="02040503050406030204" pitchFamily="18" charset="0"/>
+                        </a:rPr>
+                        <m:t>z</m:t>
+                      </m:r>
+                      <m:r>
+                        <a:rPr lang="en-US">
+                          <a:latin typeface="Cambria Math" panose="02040503050406030204" pitchFamily="18" charset="0"/>
+                        </a:rPr>
+                        <m:t>←</m:t>
+                      </m:r>
+                      <m:r>
+                        <a:rPr lang="pt-PT" b="0" i="1" smtClean="0">
+                          <a:latin typeface="Cambria Math" panose="02040503050406030204" pitchFamily="18" charset="0"/>
+                        </a:rPr>
+                        <m:t>𝑧</m:t>
+                      </m:r>
+                      <m:r>
+                        <a:rPr lang="en-US" i="1">
+                          <a:latin typeface="Cambria Math" panose="02040503050406030204" pitchFamily="18" charset="0"/>
+                        </a:rPr>
+                        <m:t>−</m:t>
+                      </m:r>
+                      <m:f>
+                        <m:fPr>
+                          <m:ctrlPr>
+                            <a:rPr lang="pt-PT" i="1">
+                              <a:latin typeface="Cambria Math" panose="02040503050406030204" pitchFamily="18" charset="0"/>
+                            </a:rPr>
+                          </m:ctrlPr>
+                        </m:fPr>
+                        <m:num>
+                          <m:r>
+                            <a:rPr lang="en-US" i="1">
+                              <a:latin typeface="Cambria Math" panose="02040503050406030204" pitchFamily="18" charset="0"/>
+                            </a:rPr>
+                            <m:t>𝑚𝑖𝑛</m:t>
+                          </m:r>
+                          <m:r>
+                            <a:rPr lang="en-US" i="1">
+                              <a:latin typeface="Cambria Math" panose="02040503050406030204" pitchFamily="18" charset="0"/>
+                            </a:rPr>
+                            <m:t>+</m:t>
+                          </m:r>
+                          <m:r>
+                            <a:rPr lang="en-US" i="1">
+                              <a:latin typeface="Cambria Math" panose="02040503050406030204" pitchFamily="18" charset="0"/>
+                            </a:rPr>
+                            <m:t>𝑚𝑎𝑥</m:t>
+                          </m:r>
+                        </m:num>
+                        <m:den>
+                          <m:r>
+                            <a:rPr lang="en-US" i="1">
+                              <a:latin typeface="Cambria Math" panose="02040503050406030204" pitchFamily="18" charset="0"/>
+                            </a:rPr>
+                            <m:t>2</m:t>
+                          </m:r>
+                        </m:den>
+                      </m:f>
+                    </m:oMath>
+                  </m:oMathPara>
+                </a14:m>
+                <a:endParaRPr lang="pt-PT" dirty="0"/>
+              </a:p>
+            </p:txBody>
+          </p:sp>
+        </mc:Choice>
+        <mc:Fallback>
+          <p:sp>
+            <p:nvSpPr>
+              <p:cNvPr id="3" name="Content Placeholder 2">
+                <a:extLst>
+                  <a:ext uri="{FF2B5EF4-FFF2-40B4-BE49-F238E27FC236}">
+                    <a16:creationId xmlns:a16="http://schemas.microsoft.com/office/drawing/2014/main" id="{25A7C2EC-35C9-400F-8AC8-56B4744FF7B0}"/>
+                  </a:ext>
+                </a:extLst>
+              </p:cNvPr>
+              <p:cNvSpPr>
+                <a:spLocks noGrp="1" noRot="1" noChangeAspect="1" noMove="1" noResize="1" noEditPoints="1" noAdjustHandles="1" noChangeArrowheads="1" noChangeShapeType="1" noTextEdit="1"/>
+              </p:cNvSpPr>
+              <p:nvPr>
+                <p:ph idx="1"/>
+              </p:nvPr>
+            </p:nvSpPr>
+            <p:spPr>
+              <a:xfrm>
+                <a:off x="1069848" y="2121408"/>
+                <a:ext cx="8753162" cy="3808612"/>
+              </a:xfrm>
+              <a:blipFill>
+                <a:blip r:embed="rId2"/>
+                <a:stretch>
+                  <a:fillRect l="-348" t="-1600"/>
+                </a:stretch>
+              </a:blipFill>
+            </p:spPr>
+            <p:txBody>
+              <a:bodyPr/>
+              <a:lstStyle/>
+              <a:p>
+                <a:r>
+                  <a:rPr lang="pt-PT">
+                    <a:noFill/>
+                  </a:rPr>
+                  <a:t> </a:t>
+                </a:r>
+              </a:p>
+            </p:txBody>
+          </p:sp>
+        </mc:Fallback>
+      </mc:AlternateContent>
     </p:spTree>
     <p:extLst>
       <p:ext uri="{BB962C8B-B14F-4D97-AF65-F5344CB8AC3E}">
@@ -4062,20 +6461,20 @@
             <p:ph type="title"/>
           </p:nvPr>
         </p:nvSpPr>
-        <p:spPr/>
+        <p:spPr>
+          <a:xfrm>
+            <a:off x="1069848" y="222348"/>
+            <a:ext cx="10058400" cy="1178569"/>
+          </a:xfrm>
+        </p:spPr>
         <p:txBody>
           <a:bodyPr/>
           <a:lstStyle/>
           <a:p>
             <a:r>
-              <a:rPr lang="pt-PT" dirty="0"/>
-              <a:t>Free </a:t>
-            </a:r>
-            <a:r>
-              <a:rPr lang="pt-PT" dirty="0" err="1"/>
-              <a:t>Camera</a:t>
-            </a:r>
-            <a:endParaRPr lang="pt-PT" dirty="0"/>
+              <a:rPr lang="en-US"/>
+              <a:t>Camera MODES</a:t>
+            </a:r>
           </a:p>
         </p:txBody>
       </p:sp>
@@ -4097,13 +6496,274 @@
         </p:nvSpPr>
         <p:spPr/>
         <p:txBody>
-          <a:bodyPr/>
+          <a:bodyPr>
+            <a:normAutofit/>
+          </a:bodyPr>
           <a:lstStyle/>
           <a:p>
-            <a:endParaRPr lang="pt-PT"/>
-          </a:p>
-        </p:txBody>
-      </p:sp>
+            <a:r>
+              <a:rPr lang="en-US" dirty="0"/>
+              <a:t>Standard script from Unity;</a:t>
+            </a:r>
+          </a:p>
+          <a:p>
+            <a:r>
+              <a:rPr lang="en-US" dirty="0"/>
+              <a:t>Arrow keys to move;</a:t>
+            </a:r>
+          </a:p>
+          <a:p>
+            <a:r>
+              <a:rPr lang="en-US" dirty="0"/>
+              <a:t>Control key for faster movement;</a:t>
+            </a:r>
+          </a:p>
+          <a:p>
+            <a:r>
+              <a:rPr lang="en-US" dirty="0"/>
+              <a:t>Mouse right button to rotate.</a:t>
+            </a:r>
+          </a:p>
+          <a:p>
+            <a:pPr lvl="1"/>
+            <a:endParaRPr lang="en-US" dirty="0"/>
+          </a:p>
+          <a:p>
+            <a:endParaRPr lang="en-US" dirty="0"/>
+          </a:p>
+          <a:p>
+            <a:r>
+              <a:rPr lang="en-US" dirty="0"/>
+              <a:t>Follows a very small sliding cube;</a:t>
+            </a:r>
+          </a:p>
+          <a:p>
+            <a:r>
+              <a:rPr lang="en-US" dirty="0"/>
+              <a:t>Rotates naturally;</a:t>
+            </a:r>
+          </a:p>
+          <a:p>
+            <a:r>
+              <a:rPr lang="en-US" dirty="0"/>
+              <a:t>All movements are damped.</a:t>
+            </a:r>
+          </a:p>
+          <a:p>
+            <a:pPr lvl="1"/>
+            <a:r>
+              <a:rPr lang="en-US" sz="1500" dirty="0">
+                <a:hlinkClick r:id="rId2"/>
+              </a:rPr>
+              <a:t>https://answers.unity.com/questions/900069/camera-turns-to-the-front-when-reversing-car.html</a:t>
+            </a:r>
+            <a:endParaRPr lang="en-US" sz="1500" dirty="0"/>
+          </a:p>
+          <a:p>
+            <a:pPr lvl="1"/>
+            <a:endParaRPr lang="en-US" dirty="0"/>
+          </a:p>
+        </p:txBody>
+      </p:sp>
+      <p:sp>
+        <p:nvSpPr>
+          <p:cNvPr id="4" name="Title 1">
+            <a:extLst>
+              <a:ext uri="{FF2B5EF4-FFF2-40B4-BE49-F238E27FC236}">
+                <a16:creationId xmlns:a16="http://schemas.microsoft.com/office/drawing/2014/main" id="{D0F87B5C-26CE-4BFA-8FB3-B1246149DFCC}"/>
+              </a:ext>
+            </a:extLst>
+          </p:cNvPr>
+          <p:cNvSpPr txBox="1">
+            <a:spLocks/>
+          </p:cNvSpPr>
+          <p:nvPr/>
+        </p:nvSpPr>
+        <p:spPr>
+          <a:xfrm>
+            <a:off x="1149821" y="1468088"/>
+            <a:ext cx="3874852" cy="582364"/>
+          </a:xfrm>
+          <a:prstGeom prst="rect">
+            <a:avLst/>
+          </a:prstGeom>
+        </p:spPr>
+        <p:txBody>
+          <a:bodyPr vert="horz" lIns="91440" tIns="45720" rIns="91440" bIns="45720" rtlCol="0" anchor="ctr">
+            <a:normAutofit/>
+          </a:bodyPr>
+          <a:lstStyle>
+            <a:lvl1pPr algn="l" defTabSz="914400" rtl="0" eaLnBrk="1" latinLnBrk="0" hangingPunct="1">
+              <a:lnSpc>
+                <a:spcPct val="90000"/>
+              </a:lnSpc>
+              <a:spcBef>
+                <a:spcPct val="0"/>
+              </a:spcBef>
+              <a:buNone/>
+              <a:defRPr sz="5400" kern="1200" cap="all" baseline="0">
+                <a:blipFill>
+                  <a:blip r:embed="rId3">
+                    <a:extLst>
+                      <a:ext uri="{28A0092B-C50C-407E-A947-70E740481C1C}">
+                        <a14:useLocalDpi xmlns:a14="http://schemas.microsoft.com/office/drawing/2010/main" val="0"/>
+                      </a:ext>
+                    </a:extLst>
+                  </a:blip>
+                  <a:tile tx="6350" ty="-127000" sx="65000" sy="64000" flip="none" algn="tl"/>
+                </a:blipFill>
+                <a:latin typeface="+mj-lt"/>
+                <a:ea typeface="+mj-ea"/>
+                <a:cs typeface="+mj-cs"/>
+              </a:defRPr>
+            </a:lvl1pPr>
+          </a:lstStyle>
+          <a:p>
+            <a:r>
+              <a:rPr lang="pt-PT" sz="3000" dirty="0"/>
+              <a:t>Free </a:t>
+            </a:r>
+            <a:r>
+              <a:rPr lang="pt-PT" sz="3000" dirty="0" err="1"/>
+              <a:t>Camera</a:t>
+            </a:r>
+            <a:endParaRPr lang="pt-PT" sz="3000" dirty="0"/>
+          </a:p>
+        </p:txBody>
+      </p:sp>
+      <p:sp>
+        <p:nvSpPr>
+          <p:cNvPr id="5" name="Title 1">
+            <a:extLst>
+              <a:ext uri="{FF2B5EF4-FFF2-40B4-BE49-F238E27FC236}">
+                <a16:creationId xmlns:a16="http://schemas.microsoft.com/office/drawing/2014/main" id="{E17FC1CD-059C-4CB1-9705-C937DBF5699D}"/>
+              </a:ext>
+            </a:extLst>
+          </p:cNvPr>
+          <p:cNvSpPr txBox="1">
+            <a:spLocks/>
+          </p:cNvSpPr>
+          <p:nvPr/>
+        </p:nvSpPr>
+        <p:spPr>
+          <a:xfrm>
+            <a:off x="1149821" y="3974674"/>
+            <a:ext cx="3874852" cy="582364"/>
+          </a:xfrm>
+          <a:prstGeom prst="rect">
+            <a:avLst/>
+          </a:prstGeom>
+        </p:spPr>
+        <p:txBody>
+          <a:bodyPr vert="horz" lIns="91440" tIns="45720" rIns="91440" bIns="45720" rtlCol="0" anchor="ctr">
+            <a:normAutofit/>
+          </a:bodyPr>
+          <a:lstStyle>
+            <a:lvl1pPr algn="l" defTabSz="914400" rtl="0" eaLnBrk="1" latinLnBrk="0" hangingPunct="1">
+              <a:lnSpc>
+                <a:spcPct val="90000"/>
+              </a:lnSpc>
+              <a:spcBef>
+                <a:spcPct val="0"/>
+              </a:spcBef>
+              <a:buNone/>
+              <a:defRPr sz="5400" kern="1200" cap="all" baseline="0">
+                <a:blipFill>
+                  <a:blip r:embed="rId3">
+                    <a:extLst>
+                      <a:ext uri="{28A0092B-C50C-407E-A947-70E740481C1C}">
+                        <a14:useLocalDpi xmlns:a14="http://schemas.microsoft.com/office/drawing/2010/main" val="0"/>
+                      </a:ext>
+                    </a:extLst>
+                  </a:blip>
+                  <a:tile tx="6350" ty="-127000" sx="65000" sy="64000" flip="none" algn="tl"/>
+                </a:blipFill>
+                <a:latin typeface="+mj-lt"/>
+                <a:ea typeface="+mj-ea"/>
+                <a:cs typeface="+mj-cs"/>
+              </a:defRPr>
+            </a:lvl1pPr>
+          </a:lstStyle>
+          <a:p>
+            <a:r>
+              <a:rPr lang="pt-PT" sz="3000" dirty="0"/>
+              <a:t>Car-</a:t>
+            </a:r>
+            <a:r>
+              <a:rPr lang="pt-PT" sz="3000" dirty="0" err="1"/>
+              <a:t>Like</a:t>
+            </a:r>
+            <a:r>
+              <a:rPr lang="pt-PT" sz="3000" dirty="0"/>
+              <a:t> </a:t>
+            </a:r>
+            <a:r>
+              <a:rPr lang="pt-PT" sz="3000" dirty="0" err="1"/>
+              <a:t>Camera</a:t>
+            </a:r>
+            <a:endParaRPr lang="pt-PT" sz="3000" dirty="0"/>
+          </a:p>
+        </p:txBody>
+      </p:sp>
+      <p:pic>
+        <p:nvPicPr>
+          <p:cNvPr id="7" name="Picture 6">
+            <a:extLst>
+              <a:ext uri="{FF2B5EF4-FFF2-40B4-BE49-F238E27FC236}">
+                <a16:creationId xmlns:a16="http://schemas.microsoft.com/office/drawing/2014/main" id="{CF6CDFBC-653F-483D-9989-F04D5914BD90}"/>
+              </a:ext>
+            </a:extLst>
+          </p:cNvPr>
+          <p:cNvPicPr>
+            <a:picLocks noChangeAspect="1"/>
+          </p:cNvPicPr>
+          <p:nvPr/>
+        </p:nvPicPr>
+        <p:blipFill>
+          <a:blip r:embed="rId4"/>
+          <a:stretch>
+            <a:fillRect/>
+          </a:stretch>
+        </p:blipFill>
+        <p:spPr>
+          <a:xfrm>
+            <a:off x="7233718" y="1745532"/>
+            <a:ext cx="3134618" cy="1810003"/>
+          </a:xfrm>
+          <a:prstGeom prst="rect">
+            <a:avLst/>
+          </a:prstGeom>
+        </p:spPr>
+      </p:pic>
+      <p:pic>
+        <p:nvPicPr>
+          <p:cNvPr id="9" name="Picture 8">
+            <a:extLst>
+              <a:ext uri="{FF2B5EF4-FFF2-40B4-BE49-F238E27FC236}">
+                <a16:creationId xmlns:a16="http://schemas.microsoft.com/office/drawing/2014/main" id="{BD4A1AB9-2031-44B0-8198-973C0AACA789}"/>
+              </a:ext>
+            </a:extLst>
+          </p:cNvPr>
+          <p:cNvPicPr>
+            <a:picLocks noChangeAspect="1"/>
+          </p:cNvPicPr>
+          <p:nvPr/>
+        </p:nvPicPr>
+        <p:blipFill rotWithShape="1">
+          <a:blip r:embed="rId5"/>
+          <a:srcRect t="8522"/>
+          <a:stretch/>
+        </p:blipFill>
+        <p:spPr>
+          <a:xfrm>
+            <a:off x="6929390" y="3915725"/>
+            <a:ext cx="3743275" cy="1618841"/>
+          </a:xfrm>
+          <a:prstGeom prst="rect">
+            <a:avLst/>
+          </a:prstGeom>
+        </p:spPr>
+      </p:pic>
     </p:spTree>
     <p:extLst>
       <p:ext uri="{BB962C8B-B14F-4D97-AF65-F5344CB8AC3E}">
@@ -4139,7 +6799,7 @@
           <p:cNvPr id="2" name="Title 1">
             <a:extLst>
               <a:ext uri="{FF2B5EF4-FFF2-40B4-BE49-F238E27FC236}">
-                <a16:creationId xmlns:a16="http://schemas.microsoft.com/office/drawing/2014/main" id="{FE751572-3DB1-4C3C-9EBD-1EADF73C15F8}"/>
+                <a16:creationId xmlns:a16="http://schemas.microsoft.com/office/drawing/2014/main" id="{70103CEC-2A45-46BA-B142-92A9EAA807EE}"/>
               </a:ext>
             </a:extLst>
           </p:cNvPr>
@@ -4156,12 +6816,8 @@
           <a:lstStyle/>
           <a:p>
             <a:r>
-              <a:rPr lang="pt-PT" dirty="0"/>
-              <a:t>Car </a:t>
-            </a:r>
-            <a:r>
               <a:rPr lang="pt-PT" dirty="0" err="1"/>
-              <a:t>like</a:t>
+              <a:t>Possible</a:t>
             </a:r>
             <a:r>
               <a:rPr lang="pt-PT" dirty="0"/>
@@ -4169,7 +6825,7 @@
             </a:r>
             <a:r>
               <a:rPr lang="pt-PT" dirty="0" err="1"/>
-              <a:t>Camera</a:t>
+              <a:t>Improvements</a:t>
             </a:r>
             <a:endParaRPr lang="pt-PT" dirty="0"/>
           </a:p>
@@ -4180,7 +6836,7 @@
           <p:cNvPr id="3" name="Content Placeholder 2">
             <a:extLst>
               <a:ext uri="{FF2B5EF4-FFF2-40B4-BE49-F238E27FC236}">
-                <a16:creationId xmlns:a16="http://schemas.microsoft.com/office/drawing/2014/main" id="{E3FECA52-F762-46F5-8977-48E9E21DF88C}"/>
+                <a16:creationId xmlns:a16="http://schemas.microsoft.com/office/drawing/2014/main" id="{8B70BF80-9E9D-490E-AA29-DDC966647F34}"/>
               </a:ext>
             </a:extLst>
           </p:cNvPr>
@@ -4191,19 +6847,185 @@
             <p:ph idx="1"/>
           </p:nvPr>
         </p:nvSpPr>
-        <p:spPr/>
+        <p:spPr>
+          <a:xfrm>
+            <a:off x="1069848" y="2121408"/>
+            <a:ext cx="10058400" cy="1708208"/>
+          </a:xfrm>
+        </p:spPr>
         <p:txBody>
           <a:bodyPr/>
           <a:lstStyle/>
           <a:p>
-            <a:endParaRPr lang="pt-PT"/>
+            <a:r>
+              <a:rPr lang="pt-PT" dirty="0"/>
+              <a:t>Menu to open a LIDAR file;</a:t>
+            </a:r>
+          </a:p>
+          <a:p>
+            <a:r>
+              <a:rPr lang="pt-PT" dirty="0" err="1"/>
+              <a:t>Workaround</a:t>
+            </a:r>
+            <a:r>
+              <a:rPr lang="pt-PT" dirty="0"/>
+              <a:t> to </a:t>
+            </a:r>
+            <a:r>
+              <a:rPr lang="pt-PT" dirty="0" err="1"/>
+              <a:t>implement</a:t>
+            </a:r>
+            <a:r>
+              <a:rPr lang="pt-PT" dirty="0"/>
+              <a:t> </a:t>
+            </a:r>
+            <a:r>
+              <a:rPr lang="pt-PT" dirty="0" err="1"/>
+              <a:t>Point</a:t>
+            </a:r>
+            <a:r>
+              <a:rPr lang="pt-PT" dirty="0"/>
+              <a:t> </a:t>
+            </a:r>
+            <a:r>
+              <a:rPr lang="pt-PT" dirty="0" err="1"/>
+              <a:t>Size</a:t>
+            </a:r>
+            <a:r>
+              <a:rPr lang="pt-PT" dirty="0"/>
+              <a:t> </a:t>
+            </a:r>
+            <a:r>
+              <a:rPr lang="pt-PT" dirty="0" err="1"/>
+              <a:t>variation</a:t>
+            </a:r>
+            <a:r>
+              <a:rPr lang="pt-PT" dirty="0"/>
+              <a:t> in DirectX;</a:t>
+            </a:r>
+          </a:p>
+          <a:p>
+            <a:r>
+              <a:rPr lang="pt-PT" dirty="0" err="1"/>
+              <a:t>Rendering</a:t>
+            </a:r>
+            <a:r>
+              <a:rPr lang="pt-PT" dirty="0"/>
+              <a:t> </a:t>
+            </a:r>
+            <a:r>
+              <a:rPr lang="pt-PT" dirty="0" err="1"/>
+              <a:t>points</a:t>
+            </a:r>
+            <a:r>
+              <a:rPr lang="pt-PT" dirty="0"/>
+              <a:t> as </a:t>
+            </a:r>
+            <a:r>
+              <a:rPr lang="pt-PT" dirty="0" err="1"/>
+              <a:t>disks</a:t>
+            </a:r>
+            <a:r>
+              <a:rPr lang="pt-PT" dirty="0"/>
+              <a:t> to improve </a:t>
+            </a:r>
+            <a:r>
+              <a:rPr lang="pt-PT" dirty="0" err="1"/>
+              <a:t>close</a:t>
+            </a:r>
+            <a:r>
+              <a:rPr lang="pt-PT" dirty="0"/>
+              <a:t> </a:t>
+            </a:r>
+            <a:r>
+              <a:rPr lang="pt-PT" dirty="0" err="1"/>
+              <a:t>visualization</a:t>
+            </a:r>
+            <a:r>
+              <a:rPr lang="pt-PT" dirty="0"/>
+              <a:t>;</a:t>
+            </a:r>
+          </a:p>
+          <a:p>
+            <a:r>
+              <a:rPr lang="pt-PT" dirty="0" err="1"/>
+              <a:t>Lose</a:t>
+            </a:r>
+            <a:r>
+              <a:rPr lang="pt-PT" dirty="0"/>
+              <a:t> </a:t>
+            </a:r>
+            <a:r>
+              <a:rPr lang="pt-PT" dirty="0" err="1"/>
+              <a:t>dependability</a:t>
+            </a:r>
+            <a:r>
+              <a:rPr lang="pt-PT" dirty="0"/>
+              <a:t> </a:t>
+            </a:r>
+            <a:r>
+              <a:rPr lang="pt-PT" dirty="0" err="1"/>
+              <a:t>on</a:t>
+            </a:r>
+            <a:r>
+              <a:rPr lang="pt-PT" dirty="0"/>
+              <a:t> </a:t>
+            </a:r>
+            <a:r>
+              <a:rPr lang="pt-PT" dirty="0" err="1"/>
+              <a:t>the</a:t>
+            </a:r>
+            <a:r>
+              <a:rPr lang="pt-PT" dirty="0"/>
+              <a:t> </a:t>
+            </a:r>
+            <a:r>
+              <a:rPr lang="pt-PT" dirty="0" err="1"/>
+              <a:t>Asset</a:t>
+            </a:r>
+            <a:r>
+              <a:rPr lang="pt-PT" dirty="0"/>
+              <a:t> Manager to </a:t>
+            </a:r>
+            <a:r>
+              <a:rPr lang="pt-PT" dirty="0" err="1"/>
+              <a:t>allow</a:t>
+            </a:r>
+            <a:r>
+              <a:rPr lang="pt-PT" dirty="0"/>
+              <a:t> </a:t>
+            </a:r>
+            <a:r>
+              <a:rPr lang="pt-PT" dirty="0" err="1"/>
+              <a:t>building</a:t>
+            </a:r>
+            <a:r>
+              <a:rPr lang="pt-PT" dirty="0"/>
+              <a:t> </a:t>
+            </a:r>
+            <a:r>
+              <a:rPr lang="pt-PT" dirty="0" err="1"/>
+              <a:t>an</a:t>
+            </a:r>
+            <a:r>
+              <a:rPr lang="pt-PT" dirty="0"/>
+              <a:t> </a:t>
+            </a:r>
+            <a:r>
+              <a:rPr lang="pt-PT" i="1" dirty="0"/>
+              <a:t>.exe</a:t>
+            </a:r>
+            <a:r>
+              <a:rPr lang="pt-PT" dirty="0"/>
+              <a:t>;</a:t>
+            </a:r>
           </a:p>
         </p:txBody>
       </p:sp>
     </p:spTree>
     <p:extLst>
       <p:ext uri="{BB962C8B-B14F-4D97-AF65-F5344CB8AC3E}">
-        <p14:creationId xmlns:p14="http://schemas.microsoft.com/office/powerpoint/2010/main" val="2858716885"/>
+        <p14:creationId xmlns:p14="http://schemas.microsoft.com/office/powerpoint/2010/main" val="1358808687"/>
       </p:ext>
     </p:extLst>
   </p:cSld>
@@ -4251,6 +7073,7 @@
           <a:bodyPr/>
           <a:lstStyle/>
           <a:p>
+            <a:pPr algn="ctr"/>
             <a:r>
               <a:rPr lang="pt-PT" dirty="0" err="1"/>
               <a:t>Thank</a:t>
@@ -4269,10 +7092,10 @@
       </p:sp>
       <p:sp>
         <p:nvSpPr>
-          <p:cNvPr id="3" name="Subtitle 2">
+          <p:cNvPr id="8" name="Subtitle 2">
             <a:extLst>
               <a:ext uri="{FF2B5EF4-FFF2-40B4-BE49-F238E27FC236}">
-                <a16:creationId xmlns:a16="http://schemas.microsoft.com/office/drawing/2014/main" id="{B67130B4-4EE2-42FC-A505-829026B25F2A}"/>
+                <a16:creationId xmlns:a16="http://schemas.microsoft.com/office/drawing/2014/main" id="{95713EF9-0642-491A-B9DF-8DD892C6788E}"/>
               </a:ext>
             </a:extLst>
           </p:cNvPr>
@@ -4283,9 +7106,16 @@
             <p:ph type="subTitle" idx="1"/>
           </p:nvPr>
         </p:nvSpPr>
-        <p:spPr/>
-        <p:txBody>
-          <a:bodyPr/>
+        <p:spPr>
+          <a:xfrm>
+            <a:off x="1051560" y="4468031"/>
+            <a:ext cx="7891272" cy="1069848"/>
+          </a:xfrm>
+        </p:spPr>
+        <p:txBody>
+          <a:bodyPr>
+            <a:normAutofit fontScale="92500" lnSpcReduction="20000"/>
+          </a:bodyPr>
           <a:lstStyle/>
           <a:p>
             <a:r>
@@ -4295,14 +7125,18 @@
           </a:p>
           <a:p>
             <a:r>
+              <a:rPr lang="pt-PT" dirty="0" err="1"/>
+              <a:t>Matricola</a:t>
+            </a:r>
+            <a:r>
               <a:rPr lang="pt-PT" dirty="0"/>
-              <a:t>2039952</a:t>
+              <a:t>: 2039952</a:t>
             </a:r>
           </a:p>
           <a:p>
             <a:r>
               <a:rPr lang="pt-PT" dirty="0"/>
-              <a:t>Alexandre.darocharodrigues@studenti.Unipd.it</a:t>
+              <a:t>Email: alexandre.darocharodrigues@studenti.unipd.it</a:t>
             </a:r>
           </a:p>
         </p:txBody>
@@ -4321,6 +7155,235 @@
 </file>
 
 <file path=ppt/theme/theme1.xml><?xml version="1.0" encoding="utf-8"?>
+<a:theme xmlns:a="http://schemas.openxmlformats.org/drawingml/2006/main" name="Wood Type">
+  <a:themeElements>
+    <a:clrScheme name="Wood Type">
+      <a:dk1>
+        <a:sysClr val="windowText" lastClr="000000"/>
+      </a:dk1>
+      <a:lt1>
+        <a:sysClr val="window" lastClr="FFFFFF"/>
+      </a:lt1>
+      <a:dk2>
+        <a:srgbClr val="696464"/>
+      </a:dk2>
+      <a:lt2>
+        <a:srgbClr val="E9E5DC"/>
+      </a:lt2>
+      <a:accent1>
+        <a:srgbClr val="D34817"/>
+      </a:accent1>
+      <a:accent2>
+        <a:srgbClr val="9B2D1F"/>
+      </a:accent2>
+      <a:accent3>
+        <a:srgbClr val="A28E6A"/>
+      </a:accent3>
+      <a:accent4>
+        <a:srgbClr val="956251"/>
+      </a:accent4>
+      <a:accent5>
+        <a:srgbClr val="918485"/>
+      </a:accent5>
+      <a:accent6>
+        <a:srgbClr val="855D5D"/>
+      </a:accent6>
+      <a:hlink>
+        <a:srgbClr val="CC9900"/>
+      </a:hlink>
+      <a:folHlink>
+        <a:srgbClr val="96A9A9"/>
+      </a:folHlink>
+    </a:clrScheme>
+    <a:fontScheme name="Wood Type">
+      <a:majorFont>
+        <a:latin typeface="Rockwell Condensed" panose="02060603050405020104"/>
+        <a:ea typeface=""/>
+        <a:cs typeface=""/>
+        <a:font script="Grek" typeface="Cambria"/>
+        <a:font script="Cyrl" typeface="Cambria"/>
+        <a:font script="Jpan" typeface="HG明朝B"/>
+        <a:font script="Hang" typeface="바탕"/>
+        <a:font script="Hans" typeface="方正姚体"/>
+        <a:font script="Hant" typeface="微軟正黑體"/>
+        <a:font script="Arab" typeface="Times New Roman"/>
+        <a:font script="Hebr" typeface="David"/>
+        <a:font script="Thai" typeface="JasmineUPC"/>
+        <a:font script="Ethi" typeface="Nyala"/>
+        <a:font script="Beng" typeface="Vrinda"/>
+        <a:font script="Gujr" typeface="Shruti"/>
+        <a:font script="Khmr" typeface="MoolBoran"/>
+        <a:font script="Knda" typeface="Tunga"/>
+        <a:font script="Guru" typeface="Raavi"/>
+        <a:font script="Cans" typeface="Euphemia"/>
+        <a:font script="Cher" typeface="Plantagenet Cherokee"/>
+        <a:font script="Yiii" typeface="Microsoft Yi Baiti"/>
+        <a:font script="Tibt" typeface="Microsoft Himalaya"/>
+        <a:font script="Thaa" typeface="MV Boli"/>
+        <a:font script="Deva" typeface="Mangal"/>
+        <a:font script="Telu" typeface="Gautami"/>
+        <a:font script="Taml" typeface="Latha"/>
+        <a:font script="Syrc" typeface="Estrangelo Edessa"/>
+        <a:font script="Orya" typeface="Kalinga"/>
+        <a:font script="Mlym" typeface="Kartika"/>
+        <a:font script="Laoo" typeface="DokChampa"/>
+        <a:font script="Sinh" typeface="Iskoola Pota"/>
+        <a:font script="Mong" typeface="Mongolian Baiti"/>
+        <a:font script="Viet" typeface="Arial"/>
+        <a:font script="Uigh" typeface="Microsoft Uighur"/>
+      </a:majorFont>
+      <a:minorFont>
+        <a:latin typeface="Rockwell" panose="02060603020205020403"/>
+        <a:ea typeface=""/>
+        <a:cs typeface=""/>
+        <a:font script="Grek" typeface="Cambria"/>
+        <a:font script="Cyrl" typeface="Cambria"/>
+        <a:font script="Jpan" typeface="HG明朝B"/>
+        <a:font script="Hang" typeface="바탕"/>
+        <a:font script="Hans" typeface="方正姚体"/>
+        <a:font script="Hant" typeface="標楷體"/>
+        <a:font script="Arab" typeface="Times New Roman"/>
+        <a:font script="Hebr" typeface="David"/>
+        <a:font script="Thai" typeface="JasmineUPC"/>
+        <a:font script="Ethi" typeface="Nyala"/>
+        <a:font script="Beng" typeface="Vrinda"/>
+        <a:font script="Gujr" typeface="Shruti"/>
+        <a:font script="Khmr" typeface="MoolBoran"/>
+        <a:font script="Knda" typeface="Tunga"/>
+        <a:font script="Guru" typeface="Raavi"/>
+        <a:font script="Cans" typeface="Euphemia"/>
+        <a:font script="Cher" typeface="Plantagenet Cherokee"/>
+        <a:font script="Yiii" typeface="Microsoft Yi Baiti"/>
+        <a:font script="Tibt" typeface="Microsoft Himalaya"/>
+        <a:font script="Thaa" typeface="MV Boli"/>
+        <a:font script="Deva" typeface="Mangal"/>
+        <a:font script="Telu" typeface="Gautami"/>
+        <a:font script="Taml" typeface="Latha"/>
+        <a:font script="Syrc" typeface="Estrangelo Edessa"/>
+        <a:font script="Orya" typeface="Kalinga"/>
+        <a:font script="Mlym" typeface="Kartika"/>
+        <a:font script="Laoo" typeface="DokChampa"/>
+        <a:font script="Sinh" typeface="Iskoola Pota"/>
+        <a:font script="Mong" typeface="Mongolian Baiti"/>
+        <a:font script="Viet" typeface="Times New Roman"/>
+        <a:font script="Uigh" typeface="Microsoft Uighur"/>
+      </a:minorFont>
+    </a:fontScheme>
+    <a:fmtScheme name="Wood Type">
+      <a:fillStyleLst>
+        <a:solidFill>
+          <a:schemeClr val="phClr"/>
+        </a:solidFill>
+        <a:blipFill rotWithShape="1">
+          <a:blip xmlns:r="http://schemas.openxmlformats.org/officeDocument/2006/relationships" r:embed="rId1">
+            <a:duotone>
+              <a:schemeClr val="phClr">
+                <a:tint val="70000"/>
+                <a:shade val="63000"/>
+              </a:schemeClr>
+              <a:schemeClr val="phClr">
+                <a:tint val="10000"/>
+                <a:satMod val="150000"/>
+              </a:schemeClr>
+            </a:duotone>
+          </a:blip>
+          <a:tile tx="0" ty="0" sx="60000" sy="59000" flip="none" algn="tl"/>
+        </a:blipFill>
+        <a:blipFill rotWithShape="1">
+          <a:blip xmlns:r="http://schemas.openxmlformats.org/officeDocument/2006/relationships" r:embed="rId1">
+            <a:duotone>
+              <a:schemeClr val="phClr">
+                <a:shade val="36000"/>
+                <a:satMod val="120000"/>
+              </a:schemeClr>
+              <a:schemeClr val="phClr">
+                <a:tint val="40000"/>
+              </a:schemeClr>
+            </a:duotone>
+          </a:blip>
+          <a:tile tx="0" ty="0" sx="60000" sy="59000" flip="none" algn="tl"/>
+        </a:blipFill>
+      </a:fillStyleLst>
+      <a:lnStyleLst>
+        <a:ln w="6350" cap="flat" cmpd="sng" algn="ctr">
+          <a:solidFill>
+            <a:schemeClr val="phClr"/>
+          </a:solidFill>
+          <a:prstDash val="solid"/>
+        </a:ln>
+        <a:ln w="12700" cap="flat" cmpd="sng" algn="ctr">
+          <a:solidFill>
+            <a:schemeClr val="phClr"/>
+          </a:solidFill>
+          <a:prstDash val="solid"/>
+        </a:ln>
+        <a:ln w="19050" cap="flat" cmpd="sng" algn="ctr">
+          <a:solidFill>
+            <a:schemeClr val="phClr"/>
+          </a:solidFill>
+          <a:prstDash val="solid"/>
+        </a:ln>
+      </a:lnStyleLst>
+      <a:effectStyleLst>
+        <a:effectStyle>
+          <a:effectLst/>
+        </a:effectStyle>
+        <a:effectStyle>
+          <a:effectLst>
+            <a:softEdge rad="12700"/>
+          </a:effectLst>
+        </a:effectStyle>
+        <a:effectStyle>
+          <a:effectLst>
+            <a:outerShdw blurRad="50800" dist="19050" dir="5400000" algn="tl" rotWithShape="0">
+              <a:srgbClr val="000000">
+                <a:alpha val="60000"/>
+              </a:srgbClr>
+            </a:outerShdw>
+            <a:softEdge rad="12700"/>
+          </a:effectLst>
+        </a:effectStyle>
+      </a:effectStyleLst>
+      <a:bgFillStyleLst>
+        <a:solidFill>
+          <a:schemeClr val="phClr"/>
+        </a:solidFill>
+        <a:solidFill>
+          <a:schemeClr val="phClr">
+            <a:shade val="97000"/>
+            <a:satMod val="150000"/>
+          </a:schemeClr>
+        </a:solidFill>
+        <a:blipFill rotWithShape="1">
+          <a:blip xmlns:r="http://schemas.openxmlformats.org/officeDocument/2006/relationships" r:embed="rId1">
+            <a:duotone>
+              <a:schemeClr val="phClr">
+                <a:tint val="75000"/>
+                <a:shade val="58000"/>
+                <a:satMod val="120000"/>
+              </a:schemeClr>
+              <a:schemeClr val="phClr">
+                <a:tint val="50000"/>
+                <a:shade val="96000"/>
+              </a:schemeClr>
+            </a:duotone>
+          </a:blip>
+          <a:tile tx="0" ty="0" sx="100000" sy="100000" flip="none" algn="tl"/>
+        </a:blipFill>
+      </a:bgFillStyleLst>
+    </a:fmtScheme>
+  </a:themeElements>
+  <a:objectDefaults/>
+  <a:extraClrSchemeLst/>
+  <a:extLst>
+    <a:ext uri="{05A4C25C-085E-4340-85A3-A5531E510DB2}">
+      <thm15:themeFamily xmlns:thm15="http://schemas.microsoft.com/office/thememl/2012/main" name="Wood Type" id="{7ACABC62-BF99-48CF-A9DC-4DB89C7B13DC}" vid="{142A1326-48AB-42A9-8428-CB14AA30176D}"/>
+    </a:ext>
+  </a:extLst>
+</a:theme>
+</file>
+
+<file path=ppt/theme/theme2.xml><?xml version="1.0" encoding="utf-8"?>
 <a:theme xmlns:a="http://schemas.openxmlformats.org/drawingml/2006/main" name="Office Theme">
   <a:themeElements>
     <a:clrScheme name="Office">
